--- a/presentation-source/12-apis.pptx
+++ b/presentation-source/12-apis.pptx
@@ -4458,11 +4458,7 @@
           <a:p>
             <a:r>
               <a:rPr lang="en-US" dirty="0" smtClean="0"/>
-              <a:t>Aggregation </a:t>
-            </a:r>
-            <a:r>
-              <a:rPr lang="en-US" dirty="0" smtClean="0"/>
-              <a:t>and virtualisation</a:t>
+              <a:t>Aggregation and virtualisation</a:t>
             </a:r>
           </a:p>
           <a:p>

--- a/presentation-source/12-apis.pptx
+++ b/presentation-source/12-apis.pptx
@@ -5,7 +5,7 @@
     <p:sldMasterId id="2147483648" r:id="rId1"/>
   </p:sldMasterIdLst>
   <p:notesMasterIdLst>
-    <p:notesMasterId r:id="rId17"/>
+    <p:notesMasterId r:id="rId22"/>
   </p:notesMasterIdLst>
   <p:sldIdLst>
     <p:sldId id="256" r:id="rId2"/>
@@ -14,15 +14,20 @@
     <p:sldId id="261" r:id="rId5"/>
     <p:sldId id="271" r:id="rId6"/>
     <p:sldId id="263" r:id="rId7"/>
-    <p:sldId id="265" r:id="rId8"/>
-    <p:sldId id="267" r:id="rId9"/>
-    <p:sldId id="258" r:id="rId10"/>
-    <p:sldId id="259" r:id="rId11"/>
-    <p:sldId id="260" r:id="rId12"/>
-    <p:sldId id="268" r:id="rId13"/>
-    <p:sldId id="272" r:id="rId14"/>
-    <p:sldId id="269" r:id="rId15"/>
-    <p:sldId id="270" r:id="rId16"/>
+    <p:sldId id="274" r:id="rId8"/>
+    <p:sldId id="275" r:id="rId9"/>
+    <p:sldId id="276" r:id="rId10"/>
+    <p:sldId id="277" r:id="rId11"/>
+    <p:sldId id="273" r:id="rId12"/>
+    <p:sldId id="278" r:id="rId13"/>
+    <p:sldId id="265" r:id="rId14"/>
+    <p:sldId id="267" r:id="rId15"/>
+    <p:sldId id="259" r:id="rId16"/>
+    <p:sldId id="260" r:id="rId17"/>
+    <p:sldId id="268" r:id="rId18"/>
+    <p:sldId id="272" r:id="rId19"/>
+    <p:sldId id="279" r:id="rId20"/>
+    <p:sldId id="270" r:id="rId21"/>
   </p:sldIdLst>
   <p:sldSz cx="9144000" cy="6858000" type="screen4x3"/>
   <p:notesSz cx="6858000" cy="9144000"/>
@@ -211,7 +216,7 @@
             <a:fld id="{7307762F-A706-E543-A832-3C298AA3103F}" type="datetimeFigureOut">
               <a:rPr lang="en-US" smtClean="0"/>
               <a:pPr/>
-              <a:t>19/12/17</a:t>
+              <a:t>28/11/18</a:t>
             </a:fld>
             <a:endParaRPr lang="en-US" dirty="0"/>
           </a:p>
@@ -484,6 +489,654 @@
 </p:notesMaster>
 </file>
 
+<file path=ppt/notesSlides/notesSlide1.xml><?xml version="1.0" encoding="utf-8"?>
+<p:notes xmlns:a="http://schemas.openxmlformats.org/drawingml/2006/main" xmlns:r="http://schemas.openxmlformats.org/officeDocument/2006/relationships" xmlns:p="http://schemas.openxmlformats.org/presentationml/2006/main" showMasterSp="0" showMasterPhAnim="0">
+  <p:cSld>
+    <p:spTree>
+      <p:nvGrpSpPr>
+        <p:cNvPr id="1" name="Shape 220"/>
+        <p:cNvGrpSpPr/>
+        <p:nvPr/>
+      </p:nvGrpSpPr>
+      <p:grpSpPr>
+        <a:xfrm>
+          <a:off x="0" y="0"/>
+          <a:ext cx="0" cy="0"/>
+          <a:chOff x="0" y="0"/>
+          <a:chExt cx="0" cy="0"/>
+        </a:xfrm>
+      </p:grpSpPr>
+      <p:sp>
+        <p:nvSpPr>
+          <p:cNvPr id="221" name="Google Shape;221;g47c6b0c831_14_25:notes"/>
+          <p:cNvSpPr>
+            <a:spLocks noGrp="1" noRot="1" noChangeAspect="1"/>
+          </p:cNvSpPr>
+          <p:nvPr>
+            <p:ph type="sldImg" idx="2"/>
+          </p:nvPr>
+        </p:nvSpPr>
+        <p:spPr>
+          <a:xfrm>
+            <a:off x="1143000" y="685800"/>
+            <a:ext cx="4572000" cy="3429000"/>
+          </a:xfrm>
+          <a:custGeom>
+            <a:avLst/>
+            <a:gdLst/>
+            <a:ahLst/>
+            <a:cxnLst/>
+            <a:rect l="l" t="t" r="r" b="b"/>
+            <a:pathLst>
+              <a:path w="120000" h="120000" extrusionOk="0">
+                <a:moveTo>
+                  <a:pt x="0" y="0"/>
+                </a:moveTo>
+                <a:lnTo>
+                  <a:pt x="120000" y="0"/>
+                </a:lnTo>
+                <a:lnTo>
+                  <a:pt x="120000" y="120000"/>
+                </a:lnTo>
+                <a:lnTo>
+                  <a:pt x="0" y="120000"/>
+                </a:lnTo>
+                <a:close/>
+              </a:path>
+            </a:pathLst>
+          </a:custGeom>
+        </p:spPr>
+      </p:sp>
+      <p:sp>
+        <p:nvSpPr>
+          <p:cNvPr id="222" name="Google Shape;222;g47c6b0c831_14_25:notes"/>
+          <p:cNvSpPr txBox="1">
+            <a:spLocks noGrp="1"/>
+          </p:cNvSpPr>
+          <p:nvPr>
+            <p:ph type="body" idx="1"/>
+          </p:nvPr>
+        </p:nvSpPr>
+        <p:spPr>
+          <a:xfrm>
+            <a:off x="685800" y="4343400"/>
+            <a:ext cx="5486400" cy="4114800"/>
+          </a:xfrm>
+          <a:prstGeom prst="rect">
+            <a:avLst/>
+          </a:prstGeom>
+        </p:spPr>
+        <p:txBody>
+          <a:bodyPr spcFirstLastPara="1" wrap="square" lIns="91425" tIns="91425" rIns="91425" bIns="91425" anchor="t" anchorCtr="0">
+            <a:noAutofit/>
+          </a:bodyPr>
+          <a:lstStyle/>
+          <a:p>
+            <a:pPr marL="0" lvl="0" indent="0" algn="l" rtl="0">
+              <a:spcBef>
+                <a:spcPts val="0"/>
+              </a:spcBef>
+              <a:spcAft>
+                <a:spcPts val="0"/>
+              </a:spcAft>
+              <a:buNone/>
+            </a:pPr>
+            <a:endParaRPr/>
+          </a:p>
+        </p:txBody>
+      </p:sp>
+    </p:spTree>
+  </p:cSld>
+  <p:clrMapOvr>
+    <a:masterClrMapping/>
+  </p:clrMapOvr>
+</p:notes>
+</file>
+
+<file path=ppt/notesSlides/notesSlide2.xml><?xml version="1.0" encoding="utf-8"?>
+<p:notes xmlns:a="http://schemas.openxmlformats.org/drawingml/2006/main" xmlns:r="http://schemas.openxmlformats.org/officeDocument/2006/relationships" xmlns:p="http://schemas.openxmlformats.org/presentationml/2006/main" showMasterSp="0" showMasterPhAnim="0">
+  <p:cSld>
+    <p:spTree>
+      <p:nvGrpSpPr>
+        <p:cNvPr id="1" name="Shape 231"/>
+        <p:cNvGrpSpPr/>
+        <p:nvPr/>
+      </p:nvGrpSpPr>
+      <p:grpSpPr>
+        <a:xfrm>
+          <a:off x="0" y="0"/>
+          <a:ext cx="0" cy="0"/>
+          <a:chOff x="0" y="0"/>
+          <a:chExt cx="0" cy="0"/>
+        </a:xfrm>
+      </p:grpSpPr>
+      <p:sp>
+        <p:nvSpPr>
+          <p:cNvPr id="232" name="Google Shape;232;g47c6b0c831_14_82:notes"/>
+          <p:cNvSpPr>
+            <a:spLocks noGrp="1" noRot="1" noChangeAspect="1"/>
+          </p:cNvSpPr>
+          <p:nvPr>
+            <p:ph type="sldImg" idx="2"/>
+          </p:nvPr>
+        </p:nvSpPr>
+        <p:spPr>
+          <a:xfrm>
+            <a:off x="1143000" y="685800"/>
+            <a:ext cx="4572000" cy="3429000"/>
+          </a:xfrm>
+          <a:custGeom>
+            <a:avLst/>
+            <a:gdLst/>
+            <a:ahLst/>
+            <a:cxnLst/>
+            <a:rect l="l" t="t" r="r" b="b"/>
+            <a:pathLst>
+              <a:path w="120000" h="120000" extrusionOk="0">
+                <a:moveTo>
+                  <a:pt x="0" y="0"/>
+                </a:moveTo>
+                <a:lnTo>
+                  <a:pt x="120000" y="0"/>
+                </a:lnTo>
+                <a:lnTo>
+                  <a:pt x="120000" y="120000"/>
+                </a:lnTo>
+                <a:lnTo>
+                  <a:pt x="0" y="120000"/>
+                </a:lnTo>
+                <a:close/>
+              </a:path>
+            </a:pathLst>
+          </a:custGeom>
+        </p:spPr>
+      </p:sp>
+      <p:sp>
+        <p:nvSpPr>
+          <p:cNvPr id="233" name="Google Shape;233;g47c6b0c831_14_82:notes"/>
+          <p:cNvSpPr txBox="1">
+            <a:spLocks noGrp="1"/>
+          </p:cNvSpPr>
+          <p:nvPr>
+            <p:ph type="body" idx="1"/>
+          </p:nvPr>
+        </p:nvSpPr>
+        <p:spPr>
+          <a:xfrm>
+            <a:off x="685800" y="4343400"/>
+            <a:ext cx="5486400" cy="4114800"/>
+          </a:xfrm>
+          <a:prstGeom prst="rect">
+            <a:avLst/>
+          </a:prstGeom>
+        </p:spPr>
+        <p:txBody>
+          <a:bodyPr spcFirstLastPara="1" wrap="square" lIns="91425" tIns="91425" rIns="91425" bIns="91425" anchor="t" anchorCtr="0">
+            <a:noAutofit/>
+          </a:bodyPr>
+          <a:lstStyle/>
+          <a:p>
+            <a:pPr marL="0" lvl="0" indent="0" algn="l" rtl="0">
+              <a:spcBef>
+                <a:spcPts val="0"/>
+              </a:spcBef>
+              <a:spcAft>
+                <a:spcPts val="0"/>
+              </a:spcAft>
+              <a:buNone/>
+            </a:pPr>
+            <a:endParaRPr/>
+          </a:p>
+        </p:txBody>
+      </p:sp>
+    </p:spTree>
+  </p:cSld>
+  <p:clrMapOvr>
+    <a:masterClrMapping/>
+  </p:clrMapOvr>
+</p:notes>
+</file>
+
+<file path=ppt/notesSlides/notesSlide3.xml><?xml version="1.0" encoding="utf-8"?>
+<p:notes xmlns:a="http://schemas.openxmlformats.org/drawingml/2006/main" xmlns:r="http://schemas.openxmlformats.org/officeDocument/2006/relationships" xmlns:p="http://schemas.openxmlformats.org/presentationml/2006/main" showMasterSp="0" showMasterPhAnim="0">
+  <p:cSld>
+    <p:spTree>
+      <p:nvGrpSpPr>
+        <p:cNvPr id="1" name="Shape 242"/>
+        <p:cNvGrpSpPr/>
+        <p:nvPr/>
+      </p:nvGrpSpPr>
+      <p:grpSpPr>
+        <a:xfrm>
+          <a:off x="0" y="0"/>
+          <a:ext cx="0" cy="0"/>
+          <a:chOff x="0" y="0"/>
+          <a:chExt cx="0" cy="0"/>
+        </a:xfrm>
+      </p:grpSpPr>
+      <p:sp>
+        <p:nvSpPr>
+          <p:cNvPr id="243" name="Google Shape;243;g47c6b0c831_27_7:notes"/>
+          <p:cNvSpPr>
+            <a:spLocks noGrp="1" noRot="1" noChangeAspect="1"/>
+          </p:cNvSpPr>
+          <p:nvPr>
+            <p:ph type="sldImg" idx="2"/>
+          </p:nvPr>
+        </p:nvSpPr>
+        <p:spPr>
+          <a:xfrm>
+            <a:off x="1143000" y="685800"/>
+            <a:ext cx="4572000" cy="3429000"/>
+          </a:xfrm>
+          <a:custGeom>
+            <a:avLst/>
+            <a:gdLst/>
+            <a:ahLst/>
+            <a:cxnLst/>
+            <a:rect l="l" t="t" r="r" b="b"/>
+            <a:pathLst>
+              <a:path w="120000" h="120000" extrusionOk="0">
+                <a:moveTo>
+                  <a:pt x="0" y="0"/>
+                </a:moveTo>
+                <a:lnTo>
+                  <a:pt x="120000" y="0"/>
+                </a:lnTo>
+                <a:lnTo>
+                  <a:pt x="120000" y="120000"/>
+                </a:lnTo>
+                <a:lnTo>
+                  <a:pt x="0" y="120000"/>
+                </a:lnTo>
+                <a:close/>
+              </a:path>
+            </a:pathLst>
+          </a:custGeom>
+        </p:spPr>
+      </p:sp>
+      <p:sp>
+        <p:nvSpPr>
+          <p:cNvPr id="244" name="Google Shape;244;g47c6b0c831_27_7:notes"/>
+          <p:cNvSpPr txBox="1">
+            <a:spLocks noGrp="1"/>
+          </p:cNvSpPr>
+          <p:nvPr>
+            <p:ph type="body" idx="1"/>
+          </p:nvPr>
+        </p:nvSpPr>
+        <p:spPr>
+          <a:xfrm>
+            <a:off x="685800" y="4343400"/>
+            <a:ext cx="5486400" cy="4114800"/>
+          </a:xfrm>
+          <a:prstGeom prst="rect">
+            <a:avLst/>
+          </a:prstGeom>
+        </p:spPr>
+        <p:txBody>
+          <a:bodyPr spcFirstLastPara="1" wrap="square" lIns="91425" tIns="91425" rIns="91425" bIns="91425" anchor="t" anchorCtr="0">
+            <a:noAutofit/>
+          </a:bodyPr>
+          <a:lstStyle/>
+          <a:p>
+            <a:pPr marL="0" lvl="0" indent="0" algn="l" rtl="0">
+              <a:spcBef>
+                <a:spcPts val="0"/>
+              </a:spcBef>
+              <a:spcAft>
+                <a:spcPts val="0"/>
+              </a:spcAft>
+              <a:buNone/>
+            </a:pPr>
+            <a:endParaRPr/>
+          </a:p>
+        </p:txBody>
+      </p:sp>
+    </p:spTree>
+  </p:cSld>
+  <p:clrMapOvr>
+    <a:masterClrMapping/>
+  </p:clrMapOvr>
+</p:notes>
+</file>
+
+<file path=ppt/notesSlides/notesSlide4.xml><?xml version="1.0" encoding="utf-8"?>
+<p:notes xmlns:a="http://schemas.openxmlformats.org/drawingml/2006/main" xmlns:r="http://schemas.openxmlformats.org/officeDocument/2006/relationships" xmlns:p="http://schemas.openxmlformats.org/presentationml/2006/main" showMasterSp="0" showMasterPhAnim="0">
+  <p:cSld>
+    <p:spTree>
+      <p:nvGrpSpPr>
+        <p:cNvPr id="1" name="Shape 253"/>
+        <p:cNvGrpSpPr/>
+        <p:nvPr/>
+      </p:nvGrpSpPr>
+      <p:grpSpPr>
+        <a:xfrm>
+          <a:off x="0" y="0"/>
+          <a:ext cx="0" cy="0"/>
+          <a:chOff x="0" y="0"/>
+          <a:chExt cx="0" cy="0"/>
+        </a:xfrm>
+      </p:grpSpPr>
+      <p:sp>
+        <p:nvSpPr>
+          <p:cNvPr id="254" name="Google Shape;254;g47c6b0c831_27_19:notes"/>
+          <p:cNvSpPr>
+            <a:spLocks noGrp="1" noRot="1" noChangeAspect="1"/>
+          </p:cNvSpPr>
+          <p:nvPr>
+            <p:ph type="sldImg" idx="2"/>
+          </p:nvPr>
+        </p:nvSpPr>
+        <p:spPr>
+          <a:xfrm>
+            <a:off x="1143000" y="685800"/>
+            <a:ext cx="4572000" cy="3429000"/>
+          </a:xfrm>
+          <a:custGeom>
+            <a:avLst/>
+            <a:gdLst/>
+            <a:ahLst/>
+            <a:cxnLst/>
+            <a:rect l="l" t="t" r="r" b="b"/>
+            <a:pathLst>
+              <a:path w="120000" h="120000" extrusionOk="0">
+                <a:moveTo>
+                  <a:pt x="0" y="0"/>
+                </a:moveTo>
+                <a:lnTo>
+                  <a:pt x="120000" y="0"/>
+                </a:lnTo>
+                <a:lnTo>
+                  <a:pt x="120000" y="120000"/>
+                </a:lnTo>
+                <a:lnTo>
+                  <a:pt x="0" y="120000"/>
+                </a:lnTo>
+                <a:close/>
+              </a:path>
+            </a:pathLst>
+          </a:custGeom>
+        </p:spPr>
+      </p:sp>
+      <p:sp>
+        <p:nvSpPr>
+          <p:cNvPr id="255" name="Google Shape;255;g47c6b0c831_27_19:notes"/>
+          <p:cNvSpPr txBox="1">
+            <a:spLocks noGrp="1"/>
+          </p:cNvSpPr>
+          <p:nvPr>
+            <p:ph type="body" idx="1"/>
+          </p:nvPr>
+        </p:nvSpPr>
+        <p:spPr>
+          <a:xfrm>
+            <a:off x="685800" y="4343400"/>
+            <a:ext cx="5486400" cy="4114800"/>
+          </a:xfrm>
+          <a:prstGeom prst="rect">
+            <a:avLst/>
+          </a:prstGeom>
+        </p:spPr>
+        <p:txBody>
+          <a:bodyPr spcFirstLastPara="1" wrap="square" lIns="91425" tIns="91425" rIns="91425" bIns="91425" anchor="t" anchorCtr="0">
+            <a:noAutofit/>
+          </a:bodyPr>
+          <a:lstStyle/>
+          <a:p>
+            <a:pPr marL="0" lvl="0" indent="0" algn="l" rtl="0">
+              <a:spcBef>
+                <a:spcPts val="0"/>
+              </a:spcBef>
+              <a:spcAft>
+                <a:spcPts val="0"/>
+              </a:spcAft>
+              <a:buNone/>
+            </a:pPr>
+            <a:endParaRPr/>
+          </a:p>
+        </p:txBody>
+      </p:sp>
+    </p:spTree>
+  </p:cSld>
+  <p:clrMapOvr>
+    <a:masterClrMapping/>
+  </p:clrMapOvr>
+</p:notes>
+</file>
+
+<file path=ppt/notesSlides/notesSlide5.xml><?xml version="1.0" encoding="utf-8"?>
+<p:notes xmlns:a="http://schemas.openxmlformats.org/drawingml/2006/main" xmlns:r="http://schemas.openxmlformats.org/officeDocument/2006/relationships" xmlns:p="http://schemas.openxmlformats.org/presentationml/2006/main" showMasterSp="0" showMasterPhAnim="0">
+  <p:cSld>
+    <p:spTree>
+      <p:nvGrpSpPr>
+        <p:cNvPr id="1" name="Shape 296"/>
+        <p:cNvGrpSpPr/>
+        <p:nvPr/>
+      </p:nvGrpSpPr>
+      <p:grpSpPr>
+        <a:xfrm>
+          <a:off x="0" y="0"/>
+          <a:ext cx="0" cy="0"/>
+          <a:chOff x="0" y="0"/>
+          <a:chExt cx="0" cy="0"/>
+        </a:xfrm>
+      </p:grpSpPr>
+      <p:sp>
+        <p:nvSpPr>
+          <p:cNvPr id="297" name="Google Shape;297;g47b5f25609_0_39:notes"/>
+          <p:cNvSpPr>
+            <a:spLocks noGrp="1" noRot="1" noChangeAspect="1"/>
+          </p:cNvSpPr>
+          <p:nvPr>
+            <p:ph type="sldImg" idx="2"/>
+          </p:nvPr>
+        </p:nvSpPr>
+        <p:spPr>
+          <a:xfrm>
+            <a:off x="381000" y="685800"/>
+            <a:ext cx="6096000" cy="3429000"/>
+          </a:xfrm>
+          <a:custGeom>
+            <a:avLst/>
+            <a:gdLst/>
+            <a:ahLst/>
+            <a:cxnLst/>
+            <a:rect l="l" t="t" r="r" b="b"/>
+            <a:pathLst>
+              <a:path w="120000" h="120000" extrusionOk="0">
+                <a:moveTo>
+                  <a:pt x="0" y="0"/>
+                </a:moveTo>
+                <a:lnTo>
+                  <a:pt x="120000" y="0"/>
+                </a:lnTo>
+                <a:lnTo>
+                  <a:pt x="120000" y="120000"/>
+                </a:lnTo>
+                <a:lnTo>
+                  <a:pt x="0" y="120000"/>
+                </a:lnTo>
+                <a:close/>
+              </a:path>
+            </a:pathLst>
+          </a:custGeom>
+        </p:spPr>
+      </p:sp>
+      <p:sp>
+        <p:nvSpPr>
+          <p:cNvPr id="298" name="Google Shape;298;g47b5f25609_0_39:notes"/>
+          <p:cNvSpPr txBox="1">
+            <a:spLocks noGrp="1"/>
+          </p:cNvSpPr>
+          <p:nvPr>
+            <p:ph type="body" idx="1"/>
+          </p:nvPr>
+        </p:nvSpPr>
+        <p:spPr>
+          <a:xfrm>
+            <a:off x="685800" y="4343400"/>
+            <a:ext cx="5486400" cy="4114800"/>
+          </a:xfrm>
+          <a:prstGeom prst="rect">
+            <a:avLst/>
+          </a:prstGeom>
+        </p:spPr>
+        <p:txBody>
+          <a:bodyPr spcFirstLastPara="1" wrap="square" lIns="91425" tIns="91425" rIns="91425" bIns="91425" anchor="t" anchorCtr="0">
+            <a:noAutofit/>
+          </a:bodyPr>
+          <a:lstStyle/>
+          <a:p>
+            <a:pPr marL="0" lvl="0" indent="0" algn="l" rtl="0">
+              <a:lnSpc>
+                <a:spcPct val="115000"/>
+              </a:lnSpc>
+              <a:spcBef>
+                <a:spcPts val="0"/>
+              </a:spcBef>
+              <a:spcAft>
+                <a:spcPts val="0"/>
+              </a:spcAft>
+              <a:buClr>
+                <a:schemeClr val="dk1"/>
+              </a:buClr>
+              <a:buSzPts val="1100"/>
+              <a:buFont typeface="Arial"/>
+              <a:buNone/>
+            </a:pPr>
+            <a:r>
+              <a:rPr lang="en">
+                <a:solidFill>
+                  <a:schemeClr val="dk1"/>
+                </a:solidFill>
+              </a:rPr>
+              <a:t>If you haven’t heard, integration - traditionally the most unloved sector of enterprise software - is sexy again. The rise of numerous iPaaS vendors, more than $1B in recent VC investments into integration vendors and MuleSoft’s acquisition by CRM has created a renewed interest in one of the largest and oldest segments of enterprise software.</a:t>
+            </a:r>
+            <a:endParaRPr>
+              <a:solidFill>
+                <a:schemeClr val="dk1"/>
+              </a:solidFill>
+            </a:endParaRPr>
+          </a:p>
+          <a:p>
+            <a:pPr marL="0" lvl="0" indent="0" algn="l" rtl="0">
+              <a:lnSpc>
+                <a:spcPct val="115000"/>
+              </a:lnSpc>
+              <a:spcBef>
+                <a:spcPts val="0"/>
+              </a:spcBef>
+              <a:spcAft>
+                <a:spcPts val="0"/>
+              </a:spcAft>
+              <a:buClr>
+                <a:schemeClr val="dk1"/>
+              </a:buClr>
+              <a:buSzPts val="1100"/>
+              <a:buFont typeface="Arial"/>
+              <a:buNone/>
+            </a:pPr>
+            <a:endParaRPr>
+              <a:solidFill>
+                <a:schemeClr val="dk1"/>
+              </a:solidFill>
+            </a:endParaRPr>
+          </a:p>
+          <a:p>
+            <a:pPr marL="0" lvl="0" indent="0" algn="l" rtl="0">
+              <a:lnSpc>
+                <a:spcPct val="115000"/>
+              </a:lnSpc>
+              <a:spcBef>
+                <a:spcPts val="0"/>
+              </a:spcBef>
+              <a:spcAft>
+                <a:spcPts val="0"/>
+              </a:spcAft>
+              <a:buClr>
+                <a:schemeClr val="dk1"/>
+              </a:buClr>
+              <a:buSzPts val="1100"/>
+              <a:buFont typeface="Arial"/>
+              <a:buNone/>
+            </a:pPr>
+            <a:r>
+              <a:rPr lang="en">
+                <a:solidFill>
+                  <a:schemeClr val="dk1"/>
+                </a:solidFill>
+              </a:rPr>
+              <a:t>** Slide - include the quote from Massimo, and perhaps a graph of the recent VC investments in the integration space? We could also show the recent integration M&amp;A activity from the past year. **</a:t>
+            </a:r>
+            <a:endParaRPr>
+              <a:solidFill>
+                <a:schemeClr val="dk1"/>
+              </a:solidFill>
+            </a:endParaRPr>
+          </a:p>
+          <a:p>
+            <a:pPr marL="0" lvl="0" indent="0" algn="l" rtl="0">
+              <a:lnSpc>
+                <a:spcPct val="115000"/>
+              </a:lnSpc>
+              <a:spcBef>
+                <a:spcPts val="0"/>
+              </a:spcBef>
+              <a:spcAft>
+                <a:spcPts val="0"/>
+              </a:spcAft>
+              <a:buClr>
+                <a:schemeClr val="dk1"/>
+              </a:buClr>
+              <a:buSzPts val="1100"/>
+              <a:buFont typeface="Arial"/>
+              <a:buNone/>
+            </a:pPr>
+            <a:endParaRPr>
+              <a:solidFill>
+                <a:schemeClr val="dk1"/>
+              </a:solidFill>
+            </a:endParaRPr>
+          </a:p>
+          <a:p>
+            <a:pPr marL="0" lvl="0" indent="0" algn="l" rtl="0">
+              <a:lnSpc>
+                <a:spcPct val="115000"/>
+              </a:lnSpc>
+              <a:spcBef>
+                <a:spcPts val="0"/>
+              </a:spcBef>
+              <a:spcAft>
+                <a:spcPts val="0"/>
+              </a:spcAft>
+              <a:buClr>
+                <a:schemeClr val="dk1"/>
+              </a:buClr>
+              <a:buSzPts val="1100"/>
+              <a:buFont typeface="Arial"/>
+              <a:buNone/>
+            </a:pPr>
+            <a:r>
+              <a:rPr lang="en">
+                <a:solidFill>
+                  <a:schemeClr val="dk1"/>
+                </a:solidFill>
+              </a:rPr>
+              <a:t>Why is this?????</a:t>
+            </a:r>
+            <a:endParaRPr/>
+          </a:p>
+        </p:txBody>
+      </p:sp>
+    </p:spTree>
+  </p:cSld>
+  <p:clrMapOvr>
+    <a:masterClrMapping/>
+  </p:clrMapOvr>
+</p:notes>
+</file>
+
 <file path=ppt/slideLayouts/slideLayout1.xml><?xml version="1.0" encoding="utf-8"?>
 <p:sldLayout xmlns:a="http://schemas.openxmlformats.org/drawingml/2006/main" xmlns:r="http://schemas.openxmlformats.org/officeDocument/2006/relationships" xmlns:p="http://schemas.openxmlformats.org/presentationml/2006/main" type="title" preserve="1">
   <p:cSld name="Title Slide">
@@ -778,7 +1431,7 @@
           <a:p>
             <a:fld id="{875CF0EB-321F-0749-B37A-89BBA859503C}" type="datetimeFigureOut">
               <a:rPr lang="en-US" smtClean="0"/>
-              <a:t>19/12/17</a:t>
+              <a:t>28/11/18</a:t>
             </a:fld>
             <a:endParaRPr lang="en-US"/>
           </a:p>
@@ -982,7 +1635,7 @@
           <a:p>
             <a:fld id="{875CF0EB-321F-0749-B37A-89BBA859503C}" type="datetimeFigureOut">
               <a:rPr lang="en-US" smtClean="0"/>
-              <a:t>19/12/17</a:t>
+              <a:t>28/11/18</a:t>
             </a:fld>
             <a:endParaRPr lang="en-US"/>
           </a:p>
@@ -1176,7 +1829,7 @@
           <a:p>
             <a:fld id="{875CF0EB-321F-0749-B37A-89BBA859503C}" type="datetimeFigureOut">
               <a:rPr lang="en-US" smtClean="0"/>
-              <a:t>19/12/17</a:t>
+              <a:t>28/11/18</a:t>
             </a:fld>
             <a:endParaRPr lang="en-US"/>
           </a:p>
@@ -1446,7 +2099,7 @@
           <a:p>
             <a:fld id="{875CF0EB-321F-0749-B37A-89BBA859503C}" type="datetimeFigureOut">
               <a:rPr lang="en-US" smtClean="0"/>
-              <a:t>19/12/17</a:t>
+              <a:t>28/11/18</a:t>
             </a:fld>
             <a:endParaRPr lang="en-US"/>
           </a:p>
@@ -1758,7 +2411,7 @@
           <a:p>
             <a:fld id="{875CF0EB-321F-0749-B37A-89BBA859503C}" type="datetimeFigureOut">
               <a:rPr lang="en-US" smtClean="0"/>
-              <a:t>19/12/17</a:t>
+              <a:t>28/11/18</a:t>
             </a:fld>
             <a:endParaRPr lang="en-US"/>
           </a:p>
@@ -2204,7 +2857,7 @@
           <a:p>
             <a:fld id="{875CF0EB-321F-0749-B37A-89BBA859503C}" type="datetimeFigureOut">
               <a:rPr lang="en-US" smtClean="0"/>
-              <a:t>19/12/17</a:t>
+              <a:t>28/11/18</a:t>
             </a:fld>
             <a:endParaRPr lang="en-US"/>
           </a:p>
@@ -2346,7 +2999,7 @@
           <a:p>
             <a:fld id="{875CF0EB-321F-0749-B37A-89BBA859503C}" type="datetimeFigureOut">
               <a:rPr lang="en-US" smtClean="0"/>
-              <a:t>19/12/17</a:t>
+              <a:t>28/11/18</a:t>
             </a:fld>
             <a:endParaRPr lang="en-US"/>
           </a:p>
@@ -2465,7 +3118,7 @@
           <a:p>
             <a:fld id="{875CF0EB-321F-0749-B37A-89BBA859503C}" type="datetimeFigureOut">
               <a:rPr lang="en-US" smtClean="0"/>
-              <a:t>19/12/17</a:t>
+              <a:t>28/11/18</a:t>
             </a:fld>
             <a:endParaRPr lang="en-US"/>
           </a:p>
@@ -2766,7 +3419,7 @@
           <a:p>
             <a:fld id="{875CF0EB-321F-0749-B37A-89BBA859503C}" type="datetimeFigureOut">
               <a:rPr lang="en-US" smtClean="0"/>
-              <a:t>19/12/17</a:t>
+              <a:t>28/11/18</a:t>
             </a:fld>
             <a:endParaRPr lang="en-US"/>
           </a:p>
@@ -3043,7 +3696,7 @@
           <a:p>
             <a:fld id="{875CF0EB-321F-0749-B37A-89BBA859503C}" type="datetimeFigureOut">
               <a:rPr lang="en-US" smtClean="0"/>
-              <a:t>19/12/17</a:t>
+              <a:t>28/11/18</a:t>
             </a:fld>
             <a:endParaRPr lang="en-US"/>
           </a:p>
@@ -3861,11 +4514,18 @@
           </a:p>
           <a:p>
             <a:r>
+              <a:rPr lang="en-US" smtClean="0">
+                <a:ea typeface="ヒラギノ角ゴ ProN W3" charset="0"/>
+                <a:cs typeface="ヒラギノ角ゴ ProN W3" charset="0"/>
+              </a:rPr>
+              <a:t>December </a:t>
+            </a:r>
+            <a:r>
               <a:rPr lang="en-US" dirty="0" smtClean="0">
                 <a:ea typeface="ヒラギノ角ゴ ProN W3" charset="0"/>
                 <a:cs typeface="ヒラギノ角ゴ ProN W3" charset="0"/>
               </a:rPr>
-              <a:t>January 2018</a:t>
+              <a:t>2018</a:t>
             </a:r>
             <a:endParaRPr lang="en-US" dirty="0">
               <a:ea typeface="ヒラギノ角ゴ ProN W3" charset="0"/>
@@ -3902,7 +4562,7 @@
   <p:cSld>
     <p:spTree>
       <p:nvGrpSpPr>
-        <p:cNvPr id="1" name=""/>
+        <p:cNvPr id="1" name="Shape 256"/>
         <p:cNvGrpSpPr/>
         <p:nvPr/>
       </p:nvGrpSpPr>
@@ -3916,53 +4576,166 @@
       </p:grpSpPr>
       <p:sp>
         <p:nvSpPr>
-          <p:cNvPr id="7169" name="Rectangle 1"/>
-          <p:cNvSpPr>
-            <a:spLocks noGrp="1" noChangeArrowheads="1"/>
-          </p:cNvSpPr>
-          <p:nvPr>
-            <p:ph type="title"/>
-          </p:nvPr>
-        </p:nvSpPr>
-        <p:spPr>
-          <a:ln/>
-        </p:spPr>
-        <p:txBody>
-          <a:bodyPr/>
+          <p:cNvPr id="257" name="Google Shape;257;p28"/>
+          <p:cNvSpPr/>
+          <p:nvPr/>
+        </p:nvSpPr>
+        <p:spPr>
+          <a:xfrm>
+            <a:off x="4567650" y="2826967"/>
+            <a:ext cx="4298400" cy="2348800"/>
+          </a:xfrm>
+          <a:prstGeom prst="rect">
+            <a:avLst/>
+          </a:prstGeom>
+          <a:noFill/>
+          <a:ln>
+            <a:noFill/>
+          </a:ln>
+        </p:spPr>
+        <p:txBody>
+          <a:bodyPr spcFirstLastPara="1" wrap="square" lIns="365750" tIns="91425" rIns="91425" bIns="91425" anchor="ctr" anchorCtr="0">
+            <a:noAutofit/>
+          </a:bodyPr>
           <a:lstStyle/>
           <a:p>
-            <a:r>
-              <a:rPr lang="en-US"/>
-              <a:t>API Manager Components</a:t>
-            </a:r>
+            <a:pPr marL="0" lvl="0" indent="0" algn="l" rtl="0">
+              <a:lnSpc>
+                <a:spcPct val="115000"/>
+              </a:lnSpc>
+              <a:spcBef>
+                <a:spcPts val="0"/>
+              </a:spcBef>
+              <a:spcAft>
+                <a:spcPts val="0"/>
+              </a:spcAft>
+              <a:buNone/>
+            </a:pPr>
+            <a:r>
+              <a:rPr lang="en" sz="2200">
+                <a:latin typeface="Quicksand"/>
+                <a:ea typeface="Quicksand"/>
+                <a:cs typeface="Quicksand"/>
+                <a:sym typeface="Quicksand"/>
+              </a:rPr>
+              <a:t>APIs automate and accelerate the flow of money across 10K credit unions.</a:t>
+            </a:r>
+            <a:endParaRPr sz="2200">
+              <a:latin typeface="Quicksand"/>
+              <a:ea typeface="Quicksand"/>
+              <a:cs typeface="Quicksand"/>
+              <a:sym typeface="Quicksand"/>
+            </a:endParaRPr>
+          </a:p>
+        </p:txBody>
+      </p:sp>
+      <p:cxnSp>
+        <p:nvCxnSpPr>
+          <p:cNvPr id="258" name="Google Shape;258;p28"/>
+          <p:cNvCxnSpPr/>
+          <p:nvPr/>
+        </p:nvCxnSpPr>
+        <p:spPr>
+          <a:xfrm>
+            <a:off x="855750" y="2827067"/>
+            <a:ext cx="5542500" cy="0"/>
+          </a:xfrm>
+          <a:prstGeom prst="straightConnector1">
+            <a:avLst/>
+          </a:prstGeom>
+          <a:noFill/>
+          <a:ln w="9525" cap="flat" cmpd="sng">
+            <a:solidFill>
+              <a:srgbClr val="999999"/>
+            </a:solidFill>
+            <a:prstDash val="solid"/>
+            <a:round/>
+            <a:headEnd type="none" w="med" len="med"/>
+            <a:tailEnd type="none" w="med" len="med"/>
+          </a:ln>
+        </p:spPr>
+      </p:cxnSp>
+      <p:sp>
+        <p:nvSpPr>
+          <p:cNvPr id="259" name="Google Shape;259;p28"/>
+          <p:cNvSpPr/>
+          <p:nvPr/>
+        </p:nvSpPr>
+        <p:spPr>
+          <a:xfrm>
+            <a:off x="4567650" y="2224951"/>
+            <a:ext cx="2603400" cy="602000"/>
+          </a:xfrm>
+          <a:prstGeom prst="rect">
+            <a:avLst/>
+          </a:prstGeom>
+          <a:noFill/>
+          <a:ln>
+            <a:noFill/>
+          </a:ln>
+        </p:spPr>
+        <p:txBody>
+          <a:bodyPr spcFirstLastPara="1" wrap="square" lIns="365750" tIns="91425" rIns="91425" bIns="91425" anchor="ctr" anchorCtr="0">
+            <a:noAutofit/>
+          </a:bodyPr>
+          <a:lstStyle/>
+          <a:p>
+            <a:pPr marL="0" lvl="0" indent="0" algn="l" rtl="0">
+              <a:lnSpc>
+                <a:spcPct val="114000"/>
+              </a:lnSpc>
+              <a:spcBef>
+                <a:spcPts val="0"/>
+              </a:spcBef>
+              <a:spcAft>
+                <a:spcPts val="0"/>
+              </a:spcAft>
+              <a:buClr>
+                <a:schemeClr val="dk1"/>
+              </a:buClr>
+              <a:buSzPts val="1100"/>
+              <a:buFont typeface="Arial"/>
+              <a:buNone/>
+            </a:pPr>
+            <a:r>
+              <a:rPr lang="en" sz="1600">
+                <a:solidFill>
+                  <a:srgbClr val="434343"/>
+                </a:solidFill>
+                <a:latin typeface="Quicksand"/>
+                <a:ea typeface="Quicksand"/>
+                <a:cs typeface="Quicksand"/>
+                <a:sym typeface="Quicksand"/>
+              </a:rPr>
+              <a:t>The role of APIs</a:t>
+            </a:r>
+            <a:endParaRPr sz="1600">
+              <a:latin typeface="Quicksand"/>
+              <a:ea typeface="Quicksand"/>
+              <a:cs typeface="Quicksand"/>
+              <a:sym typeface="Quicksand"/>
+            </a:endParaRPr>
           </a:p>
         </p:txBody>
       </p:sp>
       <p:pic>
         <p:nvPicPr>
-          <p:cNvPr id="7170" name="Picture 2"/>
-          <p:cNvPicPr>
-            <a:picLocks noChangeAspect="1" noChangeArrowheads="1"/>
-          </p:cNvPicPr>
+          <p:cNvPr id="260" name="Google Shape;260;p28"/>
+          <p:cNvPicPr preferRelativeResize="0"/>
           <p:nvPr/>
         </p:nvPicPr>
         <p:blipFill>
-          <a:blip r:embed="rId2">
-            <a:extLst>
-              <a:ext uri="{28A0092B-C50C-407E-A947-70E740481C1C}">
-                <a14:useLocalDpi xmlns:a14="http://schemas.microsoft.com/office/drawing/2010/main" val="0"/>
-              </a:ext>
-            </a:extLst>
+          <a:blip r:embed="rId3">
+            <a:alphaModFix/>
           </a:blip>
-          <a:srcRect/>
           <a:stretch>
             <a:fillRect/>
           </a:stretch>
         </p:blipFill>
-        <p:spPr bwMode="auto">
-          <a:xfrm>
-            <a:off x="591592" y="1330523"/>
-            <a:ext cx="7768828" cy="4889004"/>
+        <p:spPr>
+          <a:xfrm>
+            <a:off x="6" y="1"/>
+            <a:ext cx="4567939" cy="6857999"/>
           </a:xfrm>
           <a:prstGeom prst="rect">
             <a:avLst/>
@@ -3971,52 +4744,151 @@
           <a:ln>
             <a:noFill/>
           </a:ln>
-          <a:extLst>
-            <a:ext uri="{909E8E84-426E-40dd-AFC4-6F175D3DCCD1}">
-              <a14:hiddenFill xmlns:a14="http://schemas.microsoft.com/office/drawing/2010/main">
+        </p:spPr>
+      </p:pic>
+      <p:sp>
+        <p:nvSpPr>
+          <p:cNvPr id="261" name="Google Shape;261;p28"/>
+          <p:cNvSpPr/>
+          <p:nvPr/>
+        </p:nvSpPr>
+        <p:spPr>
+          <a:xfrm>
+            <a:off x="648125" y="2826951"/>
+            <a:ext cx="3919500" cy="2348800"/>
+          </a:xfrm>
+          <a:prstGeom prst="rect">
+            <a:avLst/>
+          </a:prstGeom>
+          <a:solidFill>
+            <a:srgbClr val="000000">
+              <a:alpha val="68460"/>
+            </a:srgbClr>
+          </a:solidFill>
+          <a:ln>
+            <a:noFill/>
+          </a:ln>
+        </p:spPr>
+        <p:txBody>
+          <a:bodyPr spcFirstLastPara="1" wrap="square" lIns="365750" tIns="91425" rIns="365750" bIns="91425" anchor="ctr" anchorCtr="0">
+            <a:noAutofit/>
+          </a:bodyPr>
+          <a:lstStyle/>
+          <a:p>
+            <a:pPr marL="0" lvl="0" indent="0" algn="l" rtl="0">
+              <a:lnSpc>
+                <a:spcPct val="115000"/>
+              </a:lnSpc>
+              <a:spcBef>
+                <a:spcPts val="0"/>
+              </a:spcBef>
+              <a:spcAft>
+                <a:spcPts val="0"/>
+              </a:spcAft>
+              <a:buNone/>
+            </a:pPr>
+            <a:r>
+              <a:rPr lang="en" sz="2200">
                 <a:solidFill>
                   <a:srgbClr val="FFFFFF"/>
                 </a:solidFill>
-              </a14:hiddenFill>
-            </a:ext>
-            <a:ext uri="{91240B29-F687-4f45-9708-019B960494DF}">
-              <a14:hiddenLine xmlns:a14="http://schemas.microsoft.com/office/drawing/2010/main" w="25400" cap="flat">
-                <a:solidFill>
-                  <a:schemeClr val="tx1"/>
-                </a:solidFill>
-                <a:round/>
-                <a:headEnd/>
-                <a:tailEnd/>
-              </a14:hiddenLine>
-            </a:ext>
-          </a:extLst>
+                <a:latin typeface="Quicksand"/>
+                <a:ea typeface="Quicksand"/>
+                <a:cs typeface="Quicksand"/>
+                <a:sym typeface="Quicksand"/>
+              </a:rPr>
+              <a:t>Turning wealth into a globally connected network.</a:t>
+            </a:r>
+            <a:endParaRPr sz="2200">
+              <a:solidFill>
+                <a:srgbClr val="FFFFFF"/>
+              </a:solidFill>
+              <a:latin typeface="Quicksand"/>
+              <a:ea typeface="Quicksand"/>
+              <a:cs typeface="Quicksand"/>
+              <a:sym typeface="Quicksand"/>
+            </a:endParaRPr>
+          </a:p>
+        </p:txBody>
+      </p:sp>
+      <p:sp>
+        <p:nvSpPr>
+          <p:cNvPr id="262" name="Google Shape;262;p28"/>
+          <p:cNvSpPr/>
+          <p:nvPr/>
+        </p:nvSpPr>
+        <p:spPr>
+          <a:xfrm>
+            <a:off x="0" y="1074667"/>
+            <a:ext cx="2979900" cy="1752400"/>
+          </a:xfrm>
+          <a:prstGeom prst="rect">
+            <a:avLst/>
+          </a:prstGeom>
+          <a:solidFill>
+            <a:srgbClr val="FFFFFF"/>
+          </a:solidFill>
+          <a:ln>
+            <a:noFill/>
+          </a:ln>
+        </p:spPr>
+        <p:txBody>
+          <a:bodyPr spcFirstLastPara="1" wrap="square" lIns="91425" tIns="91425" rIns="91425" bIns="91425" anchor="ctr" anchorCtr="0">
+            <a:noAutofit/>
+          </a:bodyPr>
+          <a:lstStyle/>
+          <a:p>
+            <a:pPr marL="0" lvl="0" indent="0" algn="l" rtl="0">
+              <a:spcBef>
+                <a:spcPts val="0"/>
+              </a:spcBef>
+              <a:spcAft>
+                <a:spcPts val="0"/>
+              </a:spcAft>
+              <a:buNone/>
+            </a:pPr>
+            <a:endParaRPr/>
+          </a:p>
+        </p:txBody>
+      </p:sp>
+      <p:pic>
+        <p:nvPicPr>
+          <p:cNvPr id="263" name="Google Shape;263;p28"/>
+          <p:cNvPicPr preferRelativeResize="0"/>
+          <p:nvPr/>
+        </p:nvPicPr>
+        <p:blipFill>
+          <a:blip r:embed="rId4">
+            <a:alphaModFix/>
+          </a:blip>
+          <a:stretch>
+            <a:fillRect/>
+          </a:stretch>
+        </p:blipFill>
+        <p:spPr>
+          <a:xfrm>
+            <a:off x="648125" y="1478368"/>
+            <a:ext cx="1983450" cy="746584"/>
+          </a:xfrm>
+          <a:prstGeom prst="rect">
+            <a:avLst/>
+          </a:prstGeom>
+          <a:noFill/>
+          <a:ln>
+            <a:noFill/>
+          </a:ln>
         </p:spPr>
       </p:pic>
     </p:spTree>
     <p:extLst>
       <p:ext uri="{BB962C8B-B14F-4D97-AF65-F5344CB8AC3E}">
-        <p14:creationId xmlns:p14="http://schemas.microsoft.com/office/powerpoint/2010/main" val="1398328523"/>
+        <p14:creationId xmlns:p14="http://schemas.microsoft.com/office/powerpoint/2010/main" val="4263114647"/>
       </p:ext>
     </p:extLst>
   </p:cSld>
   <p:clrMapOvr>
     <a:masterClrMapping/>
   </p:clrMapOvr>
-  <mc:AlternateContent xmlns:mc="http://schemas.openxmlformats.org/markup-compatibility/2006" xmlns:p14="http://schemas.microsoft.com/office/powerpoint/2010/main">
-    <mc:Choice Requires="p14">
-      <p:transition spd="slow" p14:dur="2000"/>
-    </mc:Choice>
-    <mc:Fallback xmlns="">
-      <p:transition xmlns:p14="http://schemas.microsoft.com/office/powerpoint/2010/main" spd="slow"/>
-    </mc:Fallback>
-  </mc:AlternateContent>
-  <p:timing>
-    <p:tnLst>
-      <p:par>
-        <p:cTn xmlns:p14="http://schemas.microsoft.com/office/powerpoint/2010/main" id="1" dur="indefinite" restart="never" nodeType="tmRoot"/>
-      </p:par>
-    </p:tnLst>
-  </p:timing>
 </p:sld>
 </file>
 
@@ -4039,227 +4911,273 @@
       </p:grpSpPr>
       <p:sp>
         <p:nvSpPr>
-          <p:cNvPr id="10241" name="Rectangle 1"/>
-          <p:cNvSpPr>
-            <a:spLocks noGrp="1" noChangeArrowheads="1"/>
-          </p:cNvSpPr>
-          <p:nvPr>
-            <p:ph type="title"/>
-          </p:nvPr>
-        </p:nvSpPr>
-        <p:spPr>
-          <a:ln/>
-        </p:spPr>
-        <p:txBody>
-          <a:bodyPr/>
-          <a:lstStyle/>
-          <a:p>
-            <a:r>
-              <a:rPr lang="en-US"/>
-              <a:t>Understanding the Flow</a:t>
-            </a:r>
-          </a:p>
-        </p:txBody>
-      </p:sp>
-      <p:sp>
-        <p:nvSpPr>
-          <p:cNvPr id="10242" name="Rectangle 2"/>
-          <p:cNvSpPr>
-            <a:spLocks noGrp="1" noChangeArrowheads="1"/>
-          </p:cNvSpPr>
-          <p:nvPr>
-            <p:ph type="body" idx="1"/>
-          </p:nvPr>
-        </p:nvSpPr>
-        <p:spPr>
-          <a:ln/>
-        </p:spPr>
-        <p:txBody>
-          <a:bodyPr>
-            <a:normAutofit fontScale="92500" lnSpcReduction="10000"/>
+          <p:cNvPr id="4" name="Google Shape;290;p31"/>
+          <p:cNvSpPr txBox="1">
+            <a:spLocks/>
+          </p:cNvSpPr>
+          <p:nvPr/>
+        </p:nvSpPr>
+        <p:spPr>
+          <a:xfrm>
+            <a:off x="1017150" y="938475"/>
+            <a:ext cx="7105500" cy="761700"/>
+          </a:xfrm>
+          <a:prstGeom prst="rect">
+            <a:avLst/>
+          </a:prstGeom>
+          <a:solidFill>
+            <a:srgbClr val="FFFFFF">
+              <a:alpha val="77690"/>
+            </a:srgbClr>
+          </a:solidFill>
+        </p:spPr>
+        <p:txBody>
+          <a:bodyPr spcFirstLastPara="1" vert="horz" wrap="square" lIns="91425" tIns="91425" rIns="91425" bIns="91425" rtlCol="0" anchor="ctr" anchorCtr="0">
+            <a:noAutofit/>
           </a:bodyPr>
-          <a:lstStyle/>
-          <a:p>
-            <a:pPr>
+          <a:lstStyle>
+            <a:lvl1pPr algn="ctr" defTabSz="457200" rtl="0" eaLnBrk="1" latinLnBrk="0" hangingPunct="1">
               <a:spcBef>
                 <a:spcPct val="0"/>
               </a:spcBef>
-            </a:pPr>
-            <a:r>
-              <a:rPr lang="en-US" sz="2100"/>
-              <a:t>API Creator adds API into API Manager</a:t>
-            </a:r>
-          </a:p>
-          <a:p>
-            <a:pPr marL="558086" lvl="1">
+              <a:buNone/>
+              <a:defRPr sz="4400" kern="1200">
+                <a:solidFill>
+                  <a:schemeClr val="tx1"/>
+                </a:solidFill>
+                <a:latin typeface="Montserrat"/>
+                <a:ea typeface="+mj-ea"/>
+                <a:cs typeface="+mj-cs"/>
+              </a:defRPr>
+            </a:lvl1pPr>
+          </a:lstStyle>
+          <a:p>
+            <a:pPr>
               <a:spcBef>
-                <a:spcPts val="343"/>
+                <a:spcPts val="0"/>
               </a:spcBef>
             </a:pPr>
             <a:r>
-              <a:rPr lang="en-US" sz="1800"/>
-              <a:t>[Optionally provides Sandbox endpoint]</a:t>
-            </a:r>
-          </a:p>
-          <a:p>
-            <a:pPr>
+              <a:rPr lang="en" dirty="0" smtClean="0">
+                <a:solidFill>
+                  <a:srgbClr val="FF5000"/>
+                </a:solidFill>
+              </a:rPr>
+              <a:t>The Global Impact</a:t>
+            </a:r>
+            <a:endParaRPr lang="en" dirty="0">
+              <a:solidFill>
+                <a:srgbClr val="FF5000"/>
+              </a:solidFill>
+            </a:endParaRPr>
+          </a:p>
+        </p:txBody>
+      </p:sp>
+      <p:sp>
+        <p:nvSpPr>
+          <p:cNvPr id="5" name="Google Shape;291;p31"/>
+          <p:cNvSpPr txBox="1"/>
+          <p:nvPr/>
+        </p:nvSpPr>
+        <p:spPr>
+          <a:xfrm>
+            <a:off x="1016990" y="2136699"/>
+            <a:ext cx="7105500" cy="761700"/>
+          </a:xfrm>
+          <a:prstGeom prst="rect">
+            <a:avLst/>
+          </a:prstGeom>
+          <a:solidFill>
+            <a:srgbClr val="000000">
+              <a:alpha val="73850"/>
+            </a:srgbClr>
+          </a:solidFill>
+          <a:ln>
+            <a:noFill/>
+          </a:ln>
+        </p:spPr>
+        <p:txBody>
+          <a:bodyPr spcFirstLastPara="1" wrap="square" lIns="457200" tIns="91425" rIns="457200" bIns="91425" anchor="ctr" anchorCtr="0">
+            <a:noAutofit/>
+          </a:bodyPr>
+          <a:lstStyle/>
+          <a:p>
+            <a:pPr marL="0" lvl="0" indent="0" algn="l" rtl="0">
+              <a:lnSpc>
+                <a:spcPct val="114000"/>
+              </a:lnSpc>
               <a:spcBef>
-                <a:spcPts val="439"/>
+                <a:spcPts val="0"/>
               </a:spcBef>
+              <a:spcAft>
+                <a:spcPts val="0"/>
+              </a:spcAft>
+              <a:buNone/>
             </a:pPr>
             <a:r>
-              <a:rPr lang="en-US" sz="2100"/>
-              <a:t>API Publisher approves publish</a:t>
-            </a:r>
-          </a:p>
-          <a:p>
-            <a:pPr>
+              <a:rPr lang="en" sz="1800">
+                <a:solidFill>
+                  <a:srgbClr val="FFFFFF"/>
+                </a:solidFill>
+                <a:latin typeface="Quicksand"/>
+                <a:ea typeface="Quicksand"/>
+                <a:cs typeface="Quicksand"/>
+                <a:sym typeface="Quicksand"/>
+              </a:rPr>
+              <a:t>APIs now account for 25% of the Internet’s traffic.</a:t>
+            </a:r>
+            <a:endParaRPr sz="1800">
+              <a:solidFill>
+                <a:srgbClr val="FFFFFF"/>
+              </a:solidFill>
+              <a:latin typeface="Quicksand"/>
+              <a:ea typeface="Quicksand"/>
+              <a:cs typeface="Quicksand"/>
+              <a:sym typeface="Quicksand"/>
+            </a:endParaRPr>
+          </a:p>
+        </p:txBody>
+      </p:sp>
+      <p:sp>
+        <p:nvSpPr>
+          <p:cNvPr id="6" name="Google Shape;292;p31"/>
+          <p:cNvSpPr txBox="1"/>
+          <p:nvPr/>
+        </p:nvSpPr>
+        <p:spPr>
+          <a:xfrm>
+            <a:off x="1016990" y="2898549"/>
+            <a:ext cx="7105500" cy="1038300"/>
+          </a:xfrm>
+          <a:prstGeom prst="rect">
+            <a:avLst/>
+          </a:prstGeom>
+          <a:solidFill>
+            <a:srgbClr val="000000">
+              <a:alpha val="73850"/>
+            </a:srgbClr>
+          </a:solidFill>
+          <a:ln>
+            <a:noFill/>
+          </a:ln>
+        </p:spPr>
+        <p:txBody>
+          <a:bodyPr spcFirstLastPara="1" wrap="square" lIns="457200" tIns="91425" rIns="457200" bIns="91425" anchor="ctr" anchorCtr="0">
+            <a:noAutofit/>
+          </a:bodyPr>
+          <a:lstStyle/>
+          <a:p>
+            <a:pPr marL="0" lvl="0" indent="0" algn="l" rtl="0">
+              <a:lnSpc>
+                <a:spcPct val="114000"/>
+              </a:lnSpc>
               <a:spcBef>
-                <a:spcPts val="439"/>
+                <a:spcPts val="0"/>
               </a:spcBef>
+              <a:spcAft>
+                <a:spcPts val="0"/>
+              </a:spcAft>
+              <a:buNone/>
             </a:pPr>
             <a:r>
-              <a:rPr lang="en-US" sz="2100"/>
-              <a:t>API Consumer finds API</a:t>
-            </a:r>
-          </a:p>
-          <a:p>
-            <a:pPr>
+              <a:rPr lang="en" sz="1800" dirty="0">
+                <a:solidFill>
+                  <a:srgbClr val="FFFFFF"/>
+                </a:solidFill>
+                <a:latin typeface="Quicksand"/>
+                <a:ea typeface="Quicksand"/>
+                <a:cs typeface="Quicksand"/>
+                <a:sym typeface="Quicksand"/>
+              </a:rPr>
+              <a:t>$1 trillion is up for grabs through the redistribution of revenue through APIs (McKinsey 2017).</a:t>
+            </a:r>
+            <a:endParaRPr sz="1800" dirty="0">
+              <a:solidFill>
+                <a:srgbClr val="FFFFFF"/>
+              </a:solidFill>
+              <a:latin typeface="Quicksand"/>
+              <a:ea typeface="Quicksand"/>
+              <a:cs typeface="Quicksand"/>
+              <a:sym typeface="Quicksand"/>
+            </a:endParaRPr>
+          </a:p>
+        </p:txBody>
+      </p:sp>
+      <p:sp>
+        <p:nvSpPr>
+          <p:cNvPr id="7" name="Google Shape;293;p31"/>
+          <p:cNvSpPr txBox="1"/>
+          <p:nvPr/>
+        </p:nvSpPr>
+        <p:spPr>
+          <a:xfrm>
+            <a:off x="1016990" y="3936849"/>
+            <a:ext cx="7105500" cy="704700"/>
+          </a:xfrm>
+          <a:prstGeom prst="rect">
+            <a:avLst/>
+          </a:prstGeom>
+          <a:solidFill>
+            <a:srgbClr val="000000">
+              <a:alpha val="73850"/>
+            </a:srgbClr>
+          </a:solidFill>
+          <a:ln>
+            <a:noFill/>
+          </a:ln>
+        </p:spPr>
+        <p:txBody>
+          <a:bodyPr spcFirstLastPara="1" wrap="square" lIns="457200" tIns="91425" rIns="457200" bIns="91425" anchor="ctr" anchorCtr="0">
+            <a:noAutofit/>
+          </a:bodyPr>
+          <a:lstStyle/>
+          <a:p>
+            <a:pPr marL="0" lvl="0" indent="0" algn="l" rtl="0">
+              <a:lnSpc>
+                <a:spcPct val="114000"/>
+              </a:lnSpc>
               <a:spcBef>
-                <a:spcPts val="439"/>
+                <a:spcPts val="0"/>
               </a:spcBef>
+              <a:spcAft>
+                <a:spcPts val="0"/>
+              </a:spcAft>
+              <a:buNone/>
             </a:pPr>
             <a:r>
-              <a:rPr lang="en-US" sz="2100"/>
-              <a:t>API Consumer subscribes to API and obtains a key</a:t>
-            </a:r>
-          </a:p>
-          <a:p>
-            <a:pPr marL="558086" lvl="1">
-              <a:spcBef>
-                <a:spcPts val="343"/>
-              </a:spcBef>
-            </a:pPr>
-            <a:r>
-              <a:rPr lang="en-US" sz="1800"/>
-              <a:t>[Optional an approval process is started]</a:t>
-            </a:r>
-          </a:p>
-          <a:p>
-            <a:pPr>
-              <a:spcBef>
-                <a:spcPts val="439"/>
-              </a:spcBef>
-            </a:pPr>
-            <a:r>
-              <a:rPr lang="en-US" sz="2100"/>
-              <a:t>OAuth2-based Key issued</a:t>
-            </a:r>
-          </a:p>
-          <a:p>
-            <a:pPr marL="558086" lvl="1">
-              <a:spcBef>
-                <a:spcPts val="343"/>
-              </a:spcBef>
-            </a:pPr>
-            <a:r>
-              <a:rPr lang="en-US" sz="1800"/>
-              <a:t>[Optionally issue both production and sandbox keys]</a:t>
-            </a:r>
-          </a:p>
-          <a:p>
-            <a:pPr>
-              <a:spcBef>
-                <a:spcPts val="439"/>
-              </a:spcBef>
-            </a:pPr>
-            <a:r>
-              <a:rPr lang="en-US" sz="2100"/>
-              <a:t>API Consumer application makes a call</a:t>
-            </a:r>
-          </a:p>
-          <a:p>
-            <a:pPr>
-              <a:spcBef>
-                <a:spcPts val="439"/>
-              </a:spcBef>
-            </a:pPr>
-            <a:r>
-              <a:rPr lang="en-US" sz="2100"/>
-              <a:t>API Key is validated</a:t>
-            </a:r>
-          </a:p>
-          <a:p>
-            <a:pPr>
-              <a:spcBef>
-                <a:spcPts val="439"/>
-              </a:spcBef>
-            </a:pPr>
-            <a:r>
-              <a:rPr lang="en-US" sz="2100"/>
-              <a:t>API Key metadata is used to identify:</a:t>
-            </a:r>
-          </a:p>
-          <a:p>
-            <a:pPr marL="558086" lvl="1">
-              <a:spcBef>
-                <a:spcPts val="343"/>
-              </a:spcBef>
-            </a:pPr>
-            <a:r>
-              <a:rPr lang="en-US" sz="1800"/>
-              <a:t>Throttling / Rate limiting policy</a:t>
-            </a:r>
-          </a:p>
-          <a:p>
-            <a:pPr marL="558086" lvl="1">
-              <a:spcBef>
-                <a:spcPts val="343"/>
-              </a:spcBef>
-            </a:pPr>
-            <a:r>
-              <a:rPr lang="en-US" sz="1800"/>
-              <a:t>Sandbox / Production endpoint</a:t>
-            </a:r>
-          </a:p>
-          <a:p>
-            <a:pPr marL="558086" lvl="1">
-              <a:spcBef>
-                <a:spcPts val="343"/>
-              </a:spcBef>
-            </a:pPr>
-            <a:r>
-              <a:rPr lang="en-US" sz="1800"/>
-              <a:t>Event is metered/monitored against the API, Key, IP address, etc</a:t>
-            </a:r>
+              <a:rPr lang="en" sz="1800">
+                <a:solidFill>
+                  <a:srgbClr val="FFFFFF"/>
+                </a:solidFill>
+                <a:latin typeface="Quicksand"/>
+                <a:ea typeface="Quicksand"/>
+                <a:cs typeface="Quicksand"/>
+                <a:sym typeface="Quicksand"/>
+              </a:rPr>
+              <a:t>25% of revenue flows through APIs (Vanson Bourne 2018).</a:t>
+            </a:r>
+            <a:endParaRPr sz="1800">
+              <a:solidFill>
+                <a:srgbClr val="FFFFFF"/>
+              </a:solidFill>
+              <a:latin typeface="Quicksand"/>
+              <a:ea typeface="Quicksand"/>
+              <a:cs typeface="Quicksand"/>
+              <a:sym typeface="Quicksand"/>
+            </a:endParaRPr>
           </a:p>
         </p:txBody>
       </p:sp>
     </p:spTree>
     <p:extLst>
       <p:ext uri="{BB962C8B-B14F-4D97-AF65-F5344CB8AC3E}">
-        <p14:creationId xmlns:p14="http://schemas.microsoft.com/office/powerpoint/2010/main" val="1538908941"/>
+        <p14:creationId xmlns:p14="http://schemas.microsoft.com/office/powerpoint/2010/main" val="544952232"/>
       </p:ext>
     </p:extLst>
   </p:cSld>
   <p:clrMapOvr>
     <a:masterClrMapping/>
   </p:clrMapOvr>
-  <mc:AlternateContent xmlns:mc="http://schemas.openxmlformats.org/markup-compatibility/2006" xmlns:p14="http://schemas.microsoft.com/office/powerpoint/2010/main">
-    <mc:Choice Requires="p14">
-      <p:transition spd="slow" p14:dur="2000"/>
-    </mc:Choice>
-    <mc:Fallback xmlns="">
-      <p:transition xmlns:p14="http://schemas.microsoft.com/office/powerpoint/2010/main" spd="slow"/>
-    </mc:Fallback>
-  </mc:AlternateContent>
-  <p:timing>
-    <p:tnLst>
-      <p:par>
-        <p:cTn xmlns:p14="http://schemas.microsoft.com/office/powerpoint/2010/main" id="1" dur="indefinite" restart="never" nodeType="tmRoot"/>
-      </p:par>
-    </p:tnLst>
-  </p:timing>
 </p:sld>
 </file>
 
@@ -4268,7 +5186,7 @@
   <p:cSld>
     <p:spTree>
       <p:nvGrpSpPr>
-        <p:cNvPr id="1" name=""/>
+        <p:cNvPr id="1" name="Shape 299"/>
         <p:cNvGrpSpPr/>
         <p:nvPr/>
       </p:nvGrpSpPr>
@@ -4282,56 +5200,14 @@
       </p:grpSpPr>
       <p:sp>
         <p:nvSpPr>
-          <p:cNvPr id="28673" name="Rectangle 1"/>
-          <p:cNvSpPr>
-            <a:spLocks noGrp="1" noChangeArrowheads="1"/>
-          </p:cNvSpPr>
-          <p:nvPr>
-            <p:ph type="title"/>
-          </p:nvPr>
-        </p:nvSpPr>
-        <p:spPr/>
-        <p:txBody>
-          <a:bodyPr>
-            <a:normAutofit fontScale="90000"/>
-          </a:bodyPr>
-          <a:lstStyle/>
-          <a:p>
-            <a:pPr eaLnBrk="1" hangingPunct="1">
-              <a:defRPr/>
-            </a:pPr>
-            <a:r>
-              <a:rPr lang="en-US" dirty="0" smtClean="0"/>
-              <a:t>Using the API key to enable context</a:t>
-            </a:r>
-          </a:p>
-        </p:txBody>
-      </p:sp>
-      <p:pic>
-        <p:nvPicPr>
-          <p:cNvPr id="30722" name="Picture 2"/>
-          <p:cNvPicPr>
-            <a:picLocks noChangeAspect="1" noChangeArrowheads="1"/>
-          </p:cNvPicPr>
+          <p:cNvPr id="300" name="Google Shape;300;p32"/>
+          <p:cNvSpPr txBox="1"/>
           <p:nvPr/>
-        </p:nvPicPr>
-        <p:blipFill>
-          <a:blip r:embed="rId2">
-            <a:extLst>
-              <a:ext uri="{28A0092B-C50C-407E-A947-70E740481C1C}">
-                <a14:useLocalDpi xmlns:a14="http://schemas.microsoft.com/office/drawing/2010/main" val="0"/>
-              </a:ext>
-            </a:extLst>
-          </a:blip>
-          <a:srcRect/>
-          <a:stretch>
-            <a:fillRect/>
-          </a:stretch>
-        </p:blipFill>
-        <p:spPr bwMode="auto">
-          <a:xfrm>
-            <a:off x="231056" y="2268141"/>
-            <a:ext cx="8680772" cy="2778249"/>
+        </p:nvSpPr>
+        <p:spPr>
+          <a:xfrm>
+            <a:off x="795798" y="994919"/>
+            <a:ext cx="791100" cy="1306000"/>
           </a:xfrm>
           <a:prstGeom prst="rect">
             <a:avLst/>
@@ -4340,1238 +5216,258 @@
           <a:ln>
             <a:noFill/>
           </a:ln>
-          <a:extLst>
-            <a:ext uri="{909E8E84-426E-40dd-AFC4-6F175D3DCCD1}">
-              <a14:hiddenFill xmlns:a14="http://schemas.microsoft.com/office/drawing/2010/main">
+        </p:spPr>
+        <p:txBody>
+          <a:bodyPr spcFirstLastPara="1" wrap="square" lIns="91425" tIns="91425" rIns="91425" bIns="91425" anchor="t" anchorCtr="0">
+            <a:noAutofit/>
+          </a:bodyPr>
+          <a:lstStyle/>
+          <a:p>
+            <a:pPr marL="0" lvl="0" indent="0" algn="l" rtl="0">
+              <a:spcBef>
+                <a:spcPts val="0"/>
+              </a:spcBef>
+              <a:spcAft>
+                <a:spcPts val="0"/>
+              </a:spcAft>
+              <a:buNone/>
+            </a:pPr>
+            <a:r>
+              <a:rPr lang="en" sz="7200" b="1">
                 <a:solidFill>
-                  <a:srgbClr val="FFFFFF"/>
+                  <a:srgbClr val="FF5000"/>
                 </a:solidFill>
-              </a14:hiddenFill>
-            </a:ext>
-            <a:ext uri="{91240B29-F687-4f45-9708-019B960494DF}">
-              <a14:hiddenLine xmlns:a14="http://schemas.microsoft.com/office/drawing/2010/main" w="25400">
+                <a:latin typeface="Source Code Pro"/>
+                <a:ea typeface="Source Code Pro"/>
+                <a:cs typeface="Source Code Pro"/>
+                <a:sym typeface="Source Code Pro"/>
+              </a:rPr>
+              <a:t>“</a:t>
+            </a:r>
+            <a:endParaRPr sz="7200" b="1">
+              <a:solidFill>
+                <a:srgbClr val="FF5000"/>
+              </a:solidFill>
+              <a:latin typeface="Source Code Pro"/>
+              <a:ea typeface="Source Code Pro"/>
+              <a:cs typeface="Source Code Pro"/>
+              <a:sym typeface="Source Code Pro"/>
+            </a:endParaRPr>
+          </a:p>
+        </p:txBody>
+      </p:sp>
+      <p:sp>
+        <p:nvSpPr>
+          <p:cNvPr id="301" name="Google Shape;301;p32"/>
+          <p:cNvSpPr txBox="1"/>
+          <p:nvPr/>
+        </p:nvSpPr>
+        <p:spPr>
+          <a:xfrm>
+            <a:off x="1414350" y="1565613"/>
+            <a:ext cx="6862200" cy="2838800"/>
+          </a:xfrm>
+          <a:prstGeom prst="rect">
+            <a:avLst/>
+          </a:prstGeom>
+          <a:noFill/>
+          <a:ln>
+            <a:noFill/>
+          </a:ln>
+        </p:spPr>
+        <p:txBody>
+          <a:bodyPr spcFirstLastPara="1" wrap="square" lIns="91425" tIns="91425" rIns="91425" bIns="91425" anchor="t" anchorCtr="0">
+            <a:noAutofit/>
+          </a:bodyPr>
+          <a:lstStyle/>
+          <a:p>
+            <a:pPr marL="0" marR="0" lvl="0" indent="0" algn="l" rtl="0">
+              <a:lnSpc>
+                <a:spcPct val="114000"/>
+              </a:lnSpc>
+              <a:spcBef>
+                <a:spcPts val="0"/>
+              </a:spcBef>
+              <a:spcAft>
+                <a:spcPts val="0"/>
+              </a:spcAft>
+              <a:buClr>
+                <a:schemeClr val="dk1"/>
+              </a:buClr>
+              <a:buSzPts val="1100"/>
+              <a:buFont typeface="Arial"/>
+              <a:buNone/>
+            </a:pPr>
+            <a:r>
+              <a:rPr lang="en" sz="2800">
                 <a:solidFill>
-                  <a:schemeClr val="tx1"/>
+                  <a:srgbClr val="434343"/>
                 </a:solidFill>
-                <a:round/>
-                <a:headEnd/>
-                <a:tailEnd/>
-              </a14:hiddenLine>
-            </a:ext>
-          </a:extLst>
-        </p:spPr>
-      </p:pic>
+                <a:latin typeface="Quicksand"/>
+                <a:ea typeface="Quicksand"/>
+                <a:cs typeface="Quicksand"/>
+                <a:sym typeface="Quicksand"/>
+              </a:rPr>
+              <a:t>APIs create business agility that fosters the rapid business reconfiguration necessary to continually adapt to an unknown future of constant change.</a:t>
+            </a:r>
+            <a:endParaRPr sz="2800">
+              <a:solidFill>
+                <a:srgbClr val="434343"/>
+              </a:solidFill>
+              <a:latin typeface="Quicksand"/>
+              <a:ea typeface="Quicksand"/>
+              <a:cs typeface="Quicksand"/>
+              <a:sym typeface="Quicksand"/>
+            </a:endParaRPr>
+          </a:p>
+          <a:p>
+            <a:pPr marL="0" marR="0" lvl="0" indent="0" algn="l" rtl="0">
+              <a:lnSpc>
+                <a:spcPct val="114000"/>
+              </a:lnSpc>
+              <a:spcBef>
+                <a:spcPts val="0"/>
+              </a:spcBef>
+              <a:spcAft>
+                <a:spcPts val="0"/>
+              </a:spcAft>
+              <a:buClr>
+                <a:schemeClr val="dk1"/>
+              </a:buClr>
+              <a:buSzPts val="1100"/>
+              <a:buFont typeface="Arial"/>
+              <a:buNone/>
+            </a:pPr>
+            <a:endParaRPr sz="2800">
+              <a:solidFill>
+                <a:srgbClr val="434343"/>
+              </a:solidFill>
+              <a:latin typeface="Quicksand"/>
+              <a:ea typeface="Quicksand"/>
+              <a:cs typeface="Quicksand"/>
+              <a:sym typeface="Quicksand"/>
+            </a:endParaRPr>
+          </a:p>
+        </p:txBody>
+      </p:sp>
+      <p:sp>
+        <p:nvSpPr>
+          <p:cNvPr id="302" name="Google Shape;302;p32"/>
+          <p:cNvSpPr/>
+          <p:nvPr/>
+        </p:nvSpPr>
+        <p:spPr>
+          <a:xfrm>
+            <a:off x="1326675" y="4546500"/>
+            <a:ext cx="4230600" cy="545600"/>
+          </a:xfrm>
+          <a:prstGeom prst="snip1Rect">
+            <a:avLst>
+              <a:gd name="adj" fmla="val 16667"/>
+            </a:avLst>
+          </a:prstGeom>
+          <a:noFill/>
+          <a:ln>
+            <a:noFill/>
+          </a:ln>
+        </p:spPr>
+        <p:txBody>
+          <a:bodyPr spcFirstLastPara="1" wrap="square" lIns="91425" tIns="91425" rIns="91425" bIns="91425" anchor="ctr" anchorCtr="0">
+            <a:noAutofit/>
+          </a:bodyPr>
+          <a:lstStyle/>
+          <a:p>
+            <a:pPr marL="0" lvl="0" indent="0" algn="l" rtl="0">
+              <a:spcBef>
+                <a:spcPts val="0"/>
+              </a:spcBef>
+              <a:spcAft>
+                <a:spcPts val="0"/>
+              </a:spcAft>
+              <a:buNone/>
+            </a:pPr>
+            <a:r>
+              <a:rPr lang="en" sz="1800" b="1">
+                <a:solidFill>
+                  <a:srgbClr val="434343"/>
+                </a:solidFill>
+                <a:latin typeface="Quicksand"/>
+                <a:ea typeface="Quicksand"/>
+                <a:cs typeface="Quicksand"/>
+                <a:sym typeface="Quicksand"/>
+              </a:rPr>
+              <a:t>- Randy Heffner</a:t>
+            </a:r>
+            <a:endParaRPr sz="1800" b="1">
+              <a:solidFill>
+                <a:srgbClr val="434343"/>
+              </a:solidFill>
+              <a:latin typeface="Quicksand"/>
+              <a:ea typeface="Quicksand"/>
+              <a:cs typeface="Quicksand"/>
+              <a:sym typeface="Quicksand"/>
+            </a:endParaRPr>
+          </a:p>
+          <a:p>
+            <a:pPr marL="0" lvl="0" indent="0" algn="l" rtl="0">
+              <a:spcBef>
+                <a:spcPts val="0"/>
+              </a:spcBef>
+              <a:spcAft>
+                <a:spcPts val="0"/>
+              </a:spcAft>
+              <a:buNone/>
+            </a:pPr>
+            <a:r>
+              <a:rPr lang="en" sz="900">
+                <a:solidFill>
+                  <a:srgbClr val="434343"/>
+                </a:solidFill>
+                <a:latin typeface="Quicksand"/>
+                <a:ea typeface="Quicksand"/>
+                <a:cs typeface="Quicksand"/>
+                <a:sym typeface="Quicksand"/>
+              </a:rPr>
+              <a:t>    </a:t>
+            </a:r>
+            <a:r>
+              <a:rPr lang="en" sz="1600">
+                <a:solidFill>
+                  <a:srgbClr val="434343"/>
+                </a:solidFill>
+                <a:latin typeface="Quicksand"/>
+                <a:ea typeface="Quicksand"/>
+                <a:cs typeface="Quicksand"/>
+                <a:sym typeface="Quicksand"/>
+              </a:rPr>
+              <a:t>Forrester Research</a:t>
+            </a:r>
+            <a:endParaRPr sz="1600">
+              <a:solidFill>
+                <a:srgbClr val="434343"/>
+              </a:solidFill>
+              <a:latin typeface="Quicksand"/>
+              <a:ea typeface="Quicksand"/>
+              <a:cs typeface="Quicksand"/>
+              <a:sym typeface="Quicksand"/>
+            </a:endParaRPr>
+          </a:p>
+        </p:txBody>
+      </p:sp>
     </p:spTree>
     <p:extLst>
       <p:ext uri="{BB962C8B-B14F-4D97-AF65-F5344CB8AC3E}">
-        <p14:creationId xmlns:p14="http://schemas.microsoft.com/office/powerpoint/2010/main" val="3759088289"/>
+        <p14:creationId xmlns:p14="http://schemas.microsoft.com/office/powerpoint/2010/main" val="994770351"/>
       </p:ext>
     </p:extLst>
   </p:cSld>
   <p:clrMapOvr>
     <a:masterClrMapping/>
   </p:clrMapOvr>
-  <mc:AlternateContent xmlns:mc="http://schemas.openxmlformats.org/markup-compatibility/2006" xmlns:p14="http://schemas.microsoft.com/office/powerpoint/2010/main">
-    <mc:Choice Requires="p14">
-      <p:transition spd="slow" p14:dur="2000"/>
-    </mc:Choice>
-    <mc:Fallback xmlns="">
-      <p:transition xmlns:p14="http://schemas.microsoft.com/office/powerpoint/2010/main" spd="slow"/>
-    </mc:Fallback>
-  </mc:AlternateContent>
-  <p:timing>
-    <p:tnLst>
-      <p:par>
-        <p:cTn xmlns:p14="http://schemas.microsoft.com/office/powerpoint/2010/main" id="1" dur="indefinite" restart="never" nodeType="tmRoot"/>
-      </p:par>
-    </p:tnLst>
-  </p:timing>
 </p:sld>
 </file>
 
 <file path=ppt/slides/slide13.xml><?xml version="1.0" encoding="utf-8"?>
-<p:sld xmlns:a="http://schemas.openxmlformats.org/drawingml/2006/main" xmlns:r="http://schemas.openxmlformats.org/officeDocument/2006/relationships" xmlns:p="http://schemas.openxmlformats.org/presentationml/2006/main">
-  <p:cSld>
-    <p:spTree>
-      <p:nvGrpSpPr>
-        <p:cNvPr id="1" name=""/>
-        <p:cNvGrpSpPr/>
-        <p:nvPr/>
-      </p:nvGrpSpPr>
-      <p:grpSpPr>
-        <a:xfrm>
-          <a:off x="0" y="0"/>
-          <a:ext cx="0" cy="0"/>
-          <a:chOff x="0" y="0"/>
-          <a:chExt cx="0" cy="0"/>
-        </a:xfrm>
-      </p:grpSpPr>
-      <p:sp>
-        <p:nvSpPr>
-          <p:cNvPr id="2" name="Title 1"/>
-          <p:cNvSpPr>
-            <a:spLocks noGrp="1"/>
-          </p:cNvSpPr>
-          <p:nvPr>
-            <p:ph type="title"/>
-          </p:nvPr>
-        </p:nvSpPr>
-        <p:spPr/>
-        <p:txBody>
-          <a:bodyPr/>
-          <a:lstStyle/>
-          <a:p>
-            <a:r>
-              <a:rPr lang="en-US" dirty="0" smtClean="0"/>
-              <a:t>API Management benefits</a:t>
-            </a:r>
-            <a:endParaRPr lang="en-US" dirty="0"/>
-          </a:p>
-        </p:txBody>
-      </p:sp>
-      <p:sp>
-        <p:nvSpPr>
-          <p:cNvPr id="3" name="Content Placeholder 2"/>
-          <p:cNvSpPr>
-            <a:spLocks noGrp="1"/>
-          </p:cNvSpPr>
-          <p:nvPr>
-            <p:ph idx="1"/>
-          </p:nvPr>
-        </p:nvSpPr>
-        <p:spPr/>
-        <p:txBody>
-          <a:bodyPr>
-            <a:normAutofit fontScale="92500" lnSpcReduction="20000"/>
-          </a:bodyPr>
-          <a:lstStyle/>
-          <a:p>
-            <a:r>
-              <a:rPr lang="en-US" dirty="0" smtClean="0"/>
-              <a:t>Prototyping and </a:t>
-            </a:r>
-            <a:r>
-              <a:rPr lang="en-US" smtClean="0"/>
-              <a:t>fast feedback</a:t>
-            </a:r>
-          </a:p>
-          <a:p>
-            <a:r>
-              <a:rPr lang="en-US" dirty="0" smtClean="0"/>
-              <a:t>Aggregation and virtualisation</a:t>
-            </a:r>
-          </a:p>
-          <a:p>
-            <a:r>
-              <a:rPr lang="en-US" dirty="0" smtClean="0"/>
-              <a:t>Versioning</a:t>
-            </a:r>
-          </a:p>
-          <a:p>
-            <a:r>
-              <a:rPr lang="en-US" dirty="0" smtClean="0"/>
-              <a:t>Documentation</a:t>
-            </a:r>
-          </a:p>
-          <a:p>
-            <a:r>
-              <a:rPr lang="en-US" dirty="0" smtClean="0"/>
-              <a:t>Key issuing and management </a:t>
-            </a:r>
-          </a:p>
-          <a:p>
-            <a:pPr lvl="1"/>
-            <a:r>
-              <a:rPr lang="en-US" dirty="0" smtClean="0"/>
-              <a:t>Transparent OAuth2 </a:t>
-            </a:r>
-          </a:p>
-          <a:p>
-            <a:r>
-              <a:rPr lang="en-US" dirty="0" smtClean="0"/>
-              <a:t>Workflows </a:t>
-            </a:r>
-          </a:p>
-          <a:p>
-            <a:pPr lvl="1"/>
-            <a:r>
-              <a:rPr lang="en-US" dirty="0"/>
-              <a:t>O</a:t>
-            </a:r>
-            <a:r>
-              <a:rPr lang="en-US" dirty="0" smtClean="0"/>
-              <a:t>n-boarding, subscription, approval</a:t>
-            </a:r>
-          </a:p>
-          <a:p>
-            <a:r>
-              <a:rPr lang="en-US" dirty="0" smtClean="0"/>
-              <a:t>Throttling and monetisation</a:t>
-            </a:r>
-          </a:p>
-          <a:p>
-            <a:r>
-              <a:rPr lang="en-US" dirty="0" smtClean="0"/>
-              <a:t>Analytics </a:t>
-            </a:r>
-            <a:endParaRPr lang="en-US" dirty="0"/>
-          </a:p>
-        </p:txBody>
-      </p:sp>
-    </p:spTree>
-    <p:extLst>
-      <p:ext uri="{BB962C8B-B14F-4D97-AF65-F5344CB8AC3E}">
-        <p14:creationId xmlns:p14="http://schemas.microsoft.com/office/powerpoint/2010/main" val="1174110540"/>
-      </p:ext>
-    </p:extLst>
-  </p:cSld>
-  <p:clrMapOvr>
-    <a:masterClrMapping/>
-  </p:clrMapOvr>
-  <p:timing>
-    <p:tnLst>
-      <p:par>
-        <p:cTn xmlns:p14="http://schemas.microsoft.com/office/powerpoint/2010/main" id="1" dur="indefinite" restart="never" nodeType="tmRoot"/>
-      </p:par>
-    </p:tnLst>
-  </p:timing>
-</p:sld>
-</file>
-
-<file path=ppt/slides/slide14.xml><?xml version="1.0" encoding="utf-8"?>
-<p:sld xmlns:a="http://schemas.openxmlformats.org/drawingml/2006/main" xmlns:r="http://schemas.openxmlformats.org/officeDocument/2006/relationships" xmlns:p="http://schemas.openxmlformats.org/presentationml/2006/main">
-  <p:cSld>
-    <p:spTree>
-      <p:nvGrpSpPr>
-        <p:cNvPr id="1" name=""/>
-        <p:cNvGrpSpPr/>
-        <p:nvPr/>
-      </p:nvGrpSpPr>
-      <p:grpSpPr>
-        <a:xfrm>
-          <a:off x="0" y="0"/>
-          <a:ext cx="0" cy="0"/>
-          <a:chOff x="0" y="0"/>
-          <a:chExt cx="0" cy="0"/>
-        </a:xfrm>
-      </p:grpSpPr>
-      <p:sp>
-        <p:nvSpPr>
-          <p:cNvPr id="2" name="Title 1"/>
-          <p:cNvSpPr>
-            <a:spLocks noGrp="1"/>
-          </p:cNvSpPr>
-          <p:nvPr>
-            <p:ph type="title"/>
-          </p:nvPr>
-        </p:nvSpPr>
-        <p:spPr/>
-        <p:txBody>
-          <a:bodyPr/>
-          <a:lstStyle/>
-          <a:p>
-            <a:r>
-              <a:rPr lang="en-US" dirty="0" smtClean="0"/>
-              <a:t>API Management market</a:t>
-            </a:r>
-            <a:endParaRPr lang="en-US" dirty="0"/>
-          </a:p>
-        </p:txBody>
-      </p:sp>
-      <p:sp>
-        <p:nvSpPr>
-          <p:cNvPr id="3" name="Content Placeholder 2"/>
-          <p:cNvSpPr>
-            <a:spLocks noGrp="1"/>
-          </p:cNvSpPr>
-          <p:nvPr>
-            <p:ph idx="1"/>
-          </p:nvPr>
-        </p:nvSpPr>
-        <p:spPr/>
-        <p:txBody>
-          <a:bodyPr/>
-          <a:lstStyle/>
-          <a:p>
-            <a:r>
-              <a:rPr lang="en-US" dirty="0" err="1" smtClean="0"/>
-              <a:t>Apigee</a:t>
-            </a:r>
-            <a:endParaRPr lang="en-US" dirty="0" smtClean="0"/>
-          </a:p>
-          <a:p>
-            <a:r>
-              <a:rPr lang="en-US" dirty="0" smtClean="0"/>
-              <a:t>Layer7 / CA</a:t>
-            </a:r>
-          </a:p>
-          <a:p>
-            <a:r>
-              <a:rPr lang="en-US" dirty="0" smtClean="0"/>
-              <a:t>3Scale</a:t>
-            </a:r>
-          </a:p>
-          <a:p>
-            <a:r>
-              <a:rPr lang="en-US" dirty="0" err="1" smtClean="0"/>
-              <a:t>Mashery</a:t>
-            </a:r>
-            <a:r>
-              <a:rPr lang="en-US" dirty="0" smtClean="0"/>
-              <a:t> </a:t>
-            </a:r>
-            <a:r>
-              <a:rPr lang="en-US" smtClean="0"/>
-              <a:t>/ Intel</a:t>
-            </a:r>
-            <a:endParaRPr lang="en-US" dirty="0" smtClean="0"/>
-          </a:p>
-          <a:p>
-            <a:r>
-              <a:rPr lang="en-US" dirty="0" smtClean="0"/>
-              <a:t>IBM </a:t>
-            </a:r>
-            <a:r>
-              <a:rPr lang="en-US" dirty="0" err="1" smtClean="0"/>
-              <a:t>Castiron</a:t>
-            </a:r>
-            <a:endParaRPr lang="en-US" dirty="0" smtClean="0"/>
-          </a:p>
-          <a:p>
-            <a:r>
-              <a:rPr lang="en-US" dirty="0" smtClean="0"/>
-              <a:t>WSO2 API Manager</a:t>
-            </a:r>
-            <a:endParaRPr lang="en-US" dirty="0"/>
-          </a:p>
-        </p:txBody>
-      </p:sp>
-    </p:spTree>
-    <p:extLst>
-      <p:ext uri="{BB962C8B-B14F-4D97-AF65-F5344CB8AC3E}">
-        <p14:creationId xmlns:p14="http://schemas.microsoft.com/office/powerpoint/2010/main" val="744747162"/>
-      </p:ext>
-    </p:extLst>
-  </p:cSld>
-  <p:clrMapOvr>
-    <a:masterClrMapping/>
-  </p:clrMapOvr>
-  <p:timing>
-    <p:tnLst>
-      <p:par>
-        <p:cTn xmlns:p14="http://schemas.microsoft.com/office/powerpoint/2010/main" id="1" dur="indefinite" restart="never" nodeType="tmRoot"/>
-      </p:par>
-    </p:tnLst>
-  </p:timing>
-</p:sld>
-</file>
-
-<file path=ppt/slides/slide15.xml><?xml version="1.0" encoding="utf-8"?>
-<p:sld xmlns:a="http://schemas.openxmlformats.org/drawingml/2006/main" xmlns:r="http://schemas.openxmlformats.org/officeDocument/2006/relationships" xmlns:p="http://schemas.openxmlformats.org/presentationml/2006/main">
-  <p:cSld>
-    <p:spTree>
-      <p:nvGrpSpPr>
-        <p:cNvPr id="1" name=""/>
-        <p:cNvGrpSpPr/>
-        <p:nvPr/>
-      </p:nvGrpSpPr>
-      <p:grpSpPr>
-        <a:xfrm>
-          <a:off x="0" y="0"/>
-          <a:ext cx="0" cy="0"/>
-          <a:chOff x="0" y="0"/>
-          <a:chExt cx="0" cy="0"/>
-        </a:xfrm>
-      </p:grpSpPr>
-      <p:sp>
-        <p:nvSpPr>
-          <p:cNvPr id="2" name="Title 1"/>
-          <p:cNvSpPr>
-            <a:spLocks noGrp="1"/>
-          </p:cNvSpPr>
-          <p:nvPr>
-            <p:ph type="title"/>
-          </p:nvPr>
-        </p:nvSpPr>
-        <p:spPr/>
-        <p:txBody>
-          <a:bodyPr/>
-          <a:lstStyle/>
-          <a:p>
-            <a:r>
-              <a:rPr lang="en-US" dirty="0" smtClean="0"/>
-              <a:t>Questions?</a:t>
-            </a:r>
-            <a:endParaRPr lang="en-US" dirty="0"/>
-          </a:p>
-        </p:txBody>
-      </p:sp>
-    </p:spTree>
-    <p:extLst>
-      <p:ext uri="{BB962C8B-B14F-4D97-AF65-F5344CB8AC3E}">
-        <p14:creationId xmlns:p14="http://schemas.microsoft.com/office/powerpoint/2010/main" val="2017936457"/>
-      </p:ext>
-    </p:extLst>
-  </p:cSld>
-  <p:clrMapOvr>
-    <a:masterClrMapping/>
-  </p:clrMapOvr>
-  <p:timing>
-    <p:tnLst>
-      <p:par>
-        <p:cTn xmlns:p14="http://schemas.microsoft.com/office/powerpoint/2010/main" id="1" dur="indefinite" restart="never" nodeType="tmRoot"/>
-      </p:par>
-    </p:tnLst>
-  </p:timing>
-</p:sld>
-</file>
-
-<file path=ppt/slides/slide2.xml><?xml version="1.0" encoding="utf-8"?>
-<p:sld xmlns:a="http://schemas.openxmlformats.org/drawingml/2006/main" xmlns:r="http://schemas.openxmlformats.org/officeDocument/2006/relationships" xmlns:p="http://schemas.openxmlformats.org/presentationml/2006/main">
-  <p:cSld>
-    <p:spTree>
-      <p:nvGrpSpPr>
-        <p:cNvPr id="1" name=""/>
-        <p:cNvGrpSpPr/>
-        <p:nvPr/>
-      </p:nvGrpSpPr>
-      <p:grpSpPr>
-        <a:xfrm>
-          <a:off x="0" y="0"/>
-          <a:ext cx="0" cy="0"/>
-          <a:chOff x="0" y="0"/>
-          <a:chExt cx="0" cy="0"/>
-        </a:xfrm>
-      </p:grpSpPr>
-      <p:sp>
-        <p:nvSpPr>
-          <p:cNvPr id="2" name="Title 1"/>
-          <p:cNvSpPr>
-            <a:spLocks noGrp="1"/>
-          </p:cNvSpPr>
-          <p:nvPr>
-            <p:ph type="title"/>
-          </p:nvPr>
-        </p:nvSpPr>
-        <p:spPr/>
-        <p:txBody>
-          <a:bodyPr>
-            <a:normAutofit fontScale="90000"/>
-          </a:bodyPr>
-          <a:lstStyle/>
-          <a:p>
-            <a:r>
-              <a:rPr lang="en-US" dirty="0" smtClean="0"/>
-              <a:t>The Breakup of the Corporation</a:t>
-            </a:r>
-            <a:endParaRPr lang="en-US" dirty="0"/>
-          </a:p>
-        </p:txBody>
-      </p:sp>
-      <p:sp>
-        <p:nvSpPr>
-          <p:cNvPr id="5" name="Content Placeholder 4"/>
-          <p:cNvSpPr>
-            <a:spLocks noGrp="1"/>
-          </p:cNvSpPr>
-          <p:nvPr>
-            <p:ph idx="1"/>
-          </p:nvPr>
-        </p:nvSpPr>
-        <p:spPr/>
-        <p:txBody>
-          <a:bodyPr/>
-          <a:lstStyle/>
-          <a:p>
-            <a:endParaRPr lang="en-US"/>
-          </a:p>
-        </p:txBody>
-      </p:sp>
-      <p:pic>
-        <p:nvPicPr>
-          <p:cNvPr id="4" name="Picture 3"/>
-          <p:cNvPicPr>
-            <a:picLocks noChangeAspect="1"/>
-          </p:cNvPicPr>
-          <p:nvPr/>
-        </p:nvPicPr>
-        <p:blipFill>
-          <a:blip r:embed="rId2"/>
-          <a:stretch>
-            <a:fillRect/>
-          </a:stretch>
-        </p:blipFill>
-        <p:spPr>
-          <a:xfrm>
-            <a:off x="457200" y="1409700"/>
-            <a:ext cx="8229600" cy="5182204"/>
-          </a:xfrm>
-          <a:prstGeom prst="rect">
-            <a:avLst/>
-          </a:prstGeom>
-        </p:spPr>
-      </p:pic>
-    </p:spTree>
-    <p:extLst>
-      <p:ext uri="{BB962C8B-B14F-4D97-AF65-F5344CB8AC3E}">
-        <p14:creationId xmlns:p14="http://schemas.microsoft.com/office/powerpoint/2010/main" val="419989542"/>
-      </p:ext>
-    </p:extLst>
-  </p:cSld>
-  <p:clrMapOvr>
-    <a:masterClrMapping/>
-  </p:clrMapOvr>
-  <p:timing>
-    <p:tnLst>
-      <p:par>
-        <p:cTn xmlns:p14="http://schemas.microsoft.com/office/powerpoint/2010/main" id="1" dur="indefinite" restart="never" nodeType="tmRoot"/>
-      </p:par>
-    </p:tnLst>
-  </p:timing>
-</p:sld>
-</file>
-
-<file path=ppt/slides/slide3.xml><?xml version="1.0" encoding="utf-8"?>
-<p:sld xmlns:a="http://schemas.openxmlformats.org/drawingml/2006/main" xmlns:r="http://schemas.openxmlformats.org/officeDocument/2006/relationships" xmlns:p="http://schemas.openxmlformats.org/presentationml/2006/main">
-  <p:cSld>
-    <p:spTree>
-      <p:nvGrpSpPr>
-        <p:cNvPr id="1" name=""/>
-        <p:cNvGrpSpPr/>
-        <p:nvPr/>
-      </p:nvGrpSpPr>
-      <p:grpSpPr>
-        <a:xfrm>
-          <a:off x="0" y="0"/>
-          <a:ext cx="0" cy="0"/>
-          <a:chOff x="0" y="0"/>
-          <a:chExt cx="0" cy="0"/>
-        </a:xfrm>
-      </p:grpSpPr>
-      <p:sp>
-        <p:nvSpPr>
-          <p:cNvPr id="5121" name="Rectangle 1"/>
-          <p:cNvSpPr>
-            <a:spLocks noGrp="1" noChangeArrowheads="1"/>
-          </p:cNvSpPr>
-          <p:nvPr>
-            <p:ph type="title"/>
-          </p:nvPr>
-        </p:nvSpPr>
-        <p:spPr>
-          <a:ln/>
-        </p:spPr>
-        <p:txBody>
-          <a:bodyPr/>
-          <a:lstStyle/>
-          <a:p>
-            <a:r>
-              <a:rPr lang="en-US"/>
-              <a:t>APIs</a:t>
-            </a:r>
-          </a:p>
-        </p:txBody>
-      </p:sp>
-      <p:sp>
-        <p:nvSpPr>
-          <p:cNvPr id="5122" name="Rectangle 2"/>
-          <p:cNvSpPr>
-            <a:spLocks noGrp="1" noChangeArrowheads="1"/>
-          </p:cNvSpPr>
-          <p:nvPr>
-            <p:ph type="body" idx="1"/>
-          </p:nvPr>
-        </p:nvSpPr>
-        <p:spPr>
-          <a:ln/>
-        </p:spPr>
-        <p:txBody>
-          <a:bodyPr>
-            <a:normAutofit fontScale="92500" lnSpcReduction="10000"/>
-          </a:bodyPr>
-          <a:lstStyle/>
-          <a:p>
-            <a:r>
-              <a:rPr lang="en-US" sz="2700" b="1"/>
-              <a:t>An API</a:t>
-            </a:r>
-            <a:r>
-              <a:rPr lang="en-US" sz="2700"/>
-              <a:t> is a business capability delivered over the Internet to internal or external consumers</a:t>
-            </a:r>
-          </a:p>
-          <a:p>
-            <a:pPr marL="558086" lvl="1"/>
-            <a:r>
-              <a:rPr lang="en-US" sz="2200"/>
-              <a:t>Network accessible function </a:t>
-            </a:r>
-          </a:p>
-          <a:p>
-            <a:pPr marL="558086" lvl="1"/>
-            <a:r>
-              <a:rPr lang="en-US" sz="2200"/>
-              <a:t>Available using standard web protocols</a:t>
-            </a:r>
-          </a:p>
-          <a:p>
-            <a:pPr marL="558086" lvl="1"/>
-            <a:r>
-              <a:rPr lang="en-US" sz="2200"/>
-              <a:t>With well-defined interfaces</a:t>
-            </a:r>
-          </a:p>
-          <a:p>
-            <a:pPr marL="558086" lvl="1"/>
-            <a:r>
-              <a:rPr lang="en-US" sz="2200"/>
-              <a:t>Designed for access by third-parties</a:t>
-            </a:r>
-            <a:br>
-              <a:rPr lang="en-US" sz="2200"/>
-            </a:br>
-            <a:endParaRPr lang="en-US" sz="2200"/>
-          </a:p>
-          <a:p>
-            <a:r>
-              <a:rPr lang="en-US" sz="2700" b="1"/>
-              <a:t>A Managed API</a:t>
-            </a:r>
-            <a:r>
-              <a:rPr lang="en-US" sz="2700"/>
-              <a:t> is:</a:t>
-            </a:r>
-          </a:p>
-          <a:p>
-            <a:pPr marL="558086" lvl="1"/>
-            <a:r>
-              <a:rPr lang="en-US" sz="2200"/>
-              <a:t>Actively advertised and subscribe-able</a:t>
-            </a:r>
-          </a:p>
-          <a:p>
-            <a:pPr marL="558086" lvl="1"/>
-            <a:r>
-              <a:rPr lang="en-US" sz="2200"/>
-              <a:t>Available with SLAs</a:t>
-            </a:r>
-          </a:p>
-          <a:p>
-            <a:pPr marL="558086" lvl="1"/>
-            <a:r>
-              <a:rPr lang="en-US" sz="2200"/>
-              <a:t>Secured, authenticated, authorized and protected</a:t>
-            </a:r>
-          </a:p>
-          <a:p>
-            <a:pPr marL="558086" lvl="1"/>
-            <a:r>
-              <a:rPr lang="en-US" sz="2200"/>
-              <a:t>Monitored and monetized with analytics</a:t>
-            </a:r>
-          </a:p>
-        </p:txBody>
-      </p:sp>
-    </p:spTree>
-    <p:extLst>
-      <p:ext uri="{BB962C8B-B14F-4D97-AF65-F5344CB8AC3E}">
-        <p14:creationId xmlns:p14="http://schemas.microsoft.com/office/powerpoint/2010/main" val="4004756126"/>
-      </p:ext>
-    </p:extLst>
-  </p:cSld>
-  <p:clrMapOvr>
-    <a:masterClrMapping/>
-  </p:clrMapOvr>
-  <mc:AlternateContent xmlns:mc="http://schemas.openxmlformats.org/markup-compatibility/2006" xmlns:p14="http://schemas.microsoft.com/office/powerpoint/2010/main">
-    <mc:Choice Requires="p14">
-      <p:transition spd="slow" p14:dur="2000"/>
-    </mc:Choice>
-    <mc:Fallback xmlns="">
-      <p:transition xmlns:p14="http://schemas.microsoft.com/office/powerpoint/2010/main" spd="slow"/>
-    </mc:Fallback>
-  </mc:AlternateContent>
-  <p:timing>
-    <p:tnLst>
-      <p:par>
-        <p:cTn xmlns:p14="http://schemas.microsoft.com/office/powerpoint/2010/main" id="1" dur="indefinite" restart="never" nodeType="tmRoot"/>
-      </p:par>
-    </p:tnLst>
-  </p:timing>
-</p:sld>
-</file>
-
-<file path=ppt/slides/slide4.xml><?xml version="1.0" encoding="utf-8"?>
-<p:sld xmlns:a="http://schemas.openxmlformats.org/drawingml/2006/main" xmlns:r="http://schemas.openxmlformats.org/officeDocument/2006/relationships" xmlns:p="http://schemas.openxmlformats.org/presentationml/2006/main">
-  <p:cSld>
-    <p:spTree>
-      <p:nvGrpSpPr>
-        <p:cNvPr id="1" name=""/>
-        <p:cNvGrpSpPr/>
-        <p:nvPr/>
-      </p:nvGrpSpPr>
-      <p:grpSpPr>
-        <a:xfrm>
-          <a:off x="0" y="0"/>
-          <a:ext cx="0" cy="0"/>
-          <a:chOff x="0" y="0"/>
-          <a:chExt cx="0" cy="0"/>
-        </a:xfrm>
-      </p:grpSpPr>
-      <p:sp>
-        <p:nvSpPr>
-          <p:cNvPr id="2" name="Title 1"/>
-          <p:cNvSpPr>
-            <a:spLocks noGrp="1"/>
-          </p:cNvSpPr>
-          <p:nvPr>
-            <p:ph type="title"/>
-          </p:nvPr>
-        </p:nvSpPr>
-        <p:spPr/>
-        <p:txBody>
-          <a:bodyPr/>
-          <a:lstStyle/>
-          <a:p>
-            <a:r>
-              <a:rPr lang="en-US" dirty="0" smtClean="0"/>
-              <a:t>APIs All the Way…</a:t>
-            </a:r>
-            <a:endParaRPr lang="en-US" dirty="0"/>
-          </a:p>
-        </p:txBody>
-      </p:sp>
-      <p:pic>
-        <p:nvPicPr>
-          <p:cNvPr id="4" name="Picture 2"/>
-          <p:cNvPicPr>
-            <a:picLocks noGrp="1" noChangeAspect="1" noChangeArrowheads="1"/>
-          </p:cNvPicPr>
-          <p:nvPr>
-            <p:ph idx="1"/>
-          </p:nvPr>
-        </p:nvPicPr>
-        <p:blipFill>
-          <a:blip r:embed="rId2"/>
-          <a:srcRect/>
-          <a:stretch>
-            <a:fillRect/>
-          </a:stretch>
-        </p:blipFill>
-        <p:spPr bwMode="auto">
-          <a:xfrm>
-            <a:off x="1200784" y="1550378"/>
-            <a:ext cx="6943599" cy="3938618"/>
-          </a:xfrm>
-          <a:prstGeom prst="rect">
-            <a:avLst/>
-          </a:prstGeom>
-          <a:noFill/>
-          <a:ln w="9525">
-            <a:noFill/>
-            <a:round/>
-            <a:headEnd/>
-            <a:tailEnd/>
-          </a:ln>
-          <a:effectLst/>
-        </p:spPr>
-      </p:pic>
-    </p:spTree>
-    <p:extLst>
-      <p:ext uri="{BB962C8B-B14F-4D97-AF65-F5344CB8AC3E}">
-        <p14:creationId xmlns:p14="http://schemas.microsoft.com/office/powerpoint/2010/main" val="3680598348"/>
-      </p:ext>
-    </p:extLst>
-  </p:cSld>
-  <p:clrMapOvr>
-    <a:masterClrMapping/>
-  </p:clrMapOvr>
-  <p:timing>
-    <p:tnLst>
-      <p:par>
-        <p:cTn xmlns:p14="http://schemas.microsoft.com/office/powerpoint/2010/main" id="1" dur="indefinite" restart="never" nodeType="tmRoot"/>
-      </p:par>
-    </p:tnLst>
-  </p:timing>
-</p:sld>
-</file>
-
-<file path=ppt/slides/slide5.xml><?xml version="1.0" encoding="utf-8"?>
-<p:sld xmlns:a="http://schemas.openxmlformats.org/drawingml/2006/main" xmlns:r="http://schemas.openxmlformats.org/officeDocument/2006/relationships" xmlns:p="http://schemas.openxmlformats.org/presentationml/2006/main">
-  <p:cSld>
-    <p:spTree>
-      <p:nvGrpSpPr>
-        <p:cNvPr id="1" name=""/>
-        <p:cNvGrpSpPr/>
-        <p:nvPr/>
-      </p:nvGrpSpPr>
-      <p:grpSpPr>
-        <a:xfrm>
-          <a:off x="0" y="0"/>
-          <a:ext cx="0" cy="0"/>
-          <a:chOff x="0" y="0"/>
-          <a:chExt cx="0" cy="0"/>
-        </a:xfrm>
-      </p:grpSpPr>
-      <p:pic>
-        <p:nvPicPr>
-          <p:cNvPr id="2" name="Picture 1"/>
-          <p:cNvPicPr>
-            <a:picLocks noChangeAspect="1"/>
-          </p:cNvPicPr>
-          <p:nvPr/>
-        </p:nvPicPr>
-        <p:blipFill>
-          <a:blip r:embed="rId2"/>
-          <a:stretch>
-            <a:fillRect/>
-          </a:stretch>
-        </p:blipFill>
-        <p:spPr>
-          <a:xfrm>
-            <a:off x="0" y="0"/>
-            <a:ext cx="9144000" cy="6093143"/>
-          </a:xfrm>
-          <a:prstGeom prst="rect">
-            <a:avLst/>
-          </a:prstGeom>
-        </p:spPr>
-      </p:pic>
-    </p:spTree>
-    <p:extLst>
-      <p:ext uri="{BB962C8B-B14F-4D97-AF65-F5344CB8AC3E}">
-        <p14:creationId xmlns:p14="http://schemas.microsoft.com/office/powerpoint/2010/main" val="2138060514"/>
-      </p:ext>
-    </p:extLst>
-  </p:cSld>
-  <p:clrMapOvr>
-    <a:masterClrMapping/>
-  </p:clrMapOvr>
-  <p:timing>
-    <p:tnLst>
-      <p:par>
-        <p:cTn xmlns:p14="http://schemas.microsoft.com/office/powerpoint/2010/main" id="1" dur="indefinite" restart="never" nodeType="tmRoot"/>
-      </p:par>
-    </p:tnLst>
-  </p:timing>
-</p:sld>
-</file>
-
-<file path=ppt/slides/slide6.xml><?xml version="1.0" encoding="utf-8"?>
-<p:sld xmlns:a="http://schemas.openxmlformats.org/drawingml/2006/main" xmlns:r="http://schemas.openxmlformats.org/officeDocument/2006/relationships" xmlns:p="http://schemas.openxmlformats.org/presentationml/2006/main">
-  <p:cSld>
-    <p:spTree>
-      <p:nvGrpSpPr>
-        <p:cNvPr id="1" name=""/>
-        <p:cNvGrpSpPr/>
-        <p:nvPr/>
-      </p:nvGrpSpPr>
-      <p:grpSpPr>
-        <a:xfrm>
-          <a:off x="0" y="0"/>
-          <a:ext cx="0" cy="0"/>
-          <a:chOff x="0" y="0"/>
-          <a:chExt cx="0" cy="0"/>
-        </a:xfrm>
-      </p:grpSpPr>
-      <p:sp>
-        <p:nvSpPr>
-          <p:cNvPr id="2" name="Title 1"/>
-          <p:cNvSpPr>
-            <a:spLocks noGrp="1"/>
-          </p:cNvSpPr>
-          <p:nvPr>
-            <p:ph type="title"/>
-          </p:nvPr>
-        </p:nvSpPr>
-        <p:spPr/>
-        <p:txBody>
-          <a:bodyPr>
-            <a:normAutofit fontScale="90000"/>
-          </a:bodyPr>
-          <a:lstStyle/>
-          <a:p>
-            <a:r>
-              <a:rPr lang="en-US" dirty="0" smtClean="0"/>
-              <a:t>Some statistics</a:t>
-            </a:r>
-            <a:br>
-              <a:rPr lang="en-US" dirty="0" smtClean="0"/>
-            </a:br>
-            <a:r>
-              <a:rPr lang="en-US" dirty="0" smtClean="0"/>
-              <a:t>3 </a:t>
-            </a:r>
-            <a:r>
-              <a:rPr lang="en-US" smtClean="0"/>
-              <a:t>years old!</a:t>
-            </a:r>
-            <a:endParaRPr lang="en-US" dirty="0"/>
-          </a:p>
-        </p:txBody>
-      </p:sp>
-      <p:sp>
-        <p:nvSpPr>
-          <p:cNvPr id="3" name="Content Placeholder 2"/>
-          <p:cNvSpPr>
-            <a:spLocks noGrp="1"/>
-          </p:cNvSpPr>
-          <p:nvPr>
-            <p:ph idx="1"/>
-          </p:nvPr>
-        </p:nvSpPr>
-        <p:spPr/>
-        <p:txBody>
-          <a:bodyPr>
-            <a:normAutofit/>
-          </a:bodyPr>
-          <a:lstStyle/>
-          <a:p>
-            <a:pPr marL="195864" indent="-195864" algn="ctr">
-              <a:lnSpc>
-                <a:spcPct val="140000"/>
-              </a:lnSpc>
-              <a:buFont typeface="Arial" pitchFamily="34" charset="0"/>
-              <a:buChar char="•"/>
-              <a:tabLst>
-                <a:tab pos="656722" algn="l"/>
-                <a:tab pos="1313444" algn="l"/>
-                <a:tab pos="1970166" algn="l"/>
-                <a:tab pos="2626888" algn="l"/>
-                <a:tab pos="3283610" algn="l"/>
-                <a:tab pos="3940332" algn="l"/>
-                <a:tab pos="4597055" algn="l"/>
-                <a:tab pos="5253777" algn="l"/>
-                <a:tab pos="5910499" algn="l"/>
-                <a:tab pos="6567221" algn="l"/>
-                <a:tab pos="7223943" algn="l"/>
-              </a:tabLst>
-            </a:pPr>
-            <a:r>
-              <a:rPr lang="en-US" sz="1800" dirty="0" smtClean="0">
-                <a:cs typeface="ＭＳ Ｐゴシック" charset="0"/>
-              </a:rPr>
-              <a:t>Twitter : More than 15 billion calls per day 75% through APIs</a:t>
-            </a:r>
-          </a:p>
-          <a:p>
-            <a:pPr marL="195864" indent="-195864" algn="ctr">
-              <a:lnSpc>
-                <a:spcPct val="140000"/>
-              </a:lnSpc>
-              <a:buFont typeface="Arial" pitchFamily="34" charset="0"/>
-              <a:buChar char="•"/>
-              <a:tabLst>
-                <a:tab pos="656722" algn="l"/>
-                <a:tab pos="1313444" algn="l"/>
-                <a:tab pos="1970166" algn="l"/>
-                <a:tab pos="2626888" algn="l"/>
-                <a:tab pos="3283610" algn="l"/>
-                <a:tab pos="3940332" algn="l"/>
-                <a:tab pos="4597055" algn="l"/>
-                <a:tab pos="5253777" algn="l"/>
-                <a:tab pos="5910499" algn="l"/>
-                <a:tab pos="6567221" algn="l"/>
-                <a:tab pos="7223943" algn="l"/>
-              </a:tabLst>
-            </a:pPr>
-            <a:r>
-              <a:rPr lang="en-US" sz="1800" dirty="0" smtClean="0">
-                <a:cs typeface="ＭＳ Ｐゴシック" charset="0"/>
-              </a:rPr>
-              <a:t>Netflix : More than 1 </a:t>
-            </a:r>
-            <a:r>
-              <a:rPr lang="en-US" sz="1600" dirty="0" smtClean="0">
-                <a:cs typeface="ＭＳ Ｐゴシック" charset="0"/>
-              </a:rPr>
-              <a:t>billion</a:t>
-            </a:r>
-            <a:r>
-              <a:rPr lang="en-US" sz="1800" dirty="0" smtClean="0">
-                <a:cs typeface="ＭＳ Ｐゴシック" charset="0"/>
-              </a:rPr>
-              <a:t> calls per day </a:t>
-            </a:r>
-          </a:p>
-          <a:p>
-            <a:pPr marL="195864" indent="-195864" algn="ctr">
-              <a:lnSpc>
-                <a:spcPct val="140000"/>
-              </a:lnSpc>
-              <a:buFont typeface="Arial" pitchFamily="34" charset="0"/>
-              <a:buChar char="•"/>
-              <a:tabLst>
-                <a:tab pos="656722" algn="l"/>
-                <a:tab pos="1313444" algn="l"/>
-                <a:tab pos="1970166" algn="l"/>
-                <a:tab pos="2626888" algn="l"/>
-                <a:tab pos="3283610" algn="l"/>
-                <a:tab pos="3940332" algn="l"/>
-                <a:tab pos="4597055" algn="l"/>
-                <a:tab pos="5253777" algn="l"/>
-                <a:tab pos="5910499" algn="l"/>
-                <a:tab pos="6567221" algn="l"/>
-                <a:tab pos="7223943" algn="l"/>
-              </a:tabLst>
-            </a:pPr>
-            <a:r>
-              <a:rPr lang="en-US" sz="1800" dirty="0" err="1" smtClean="0">
-                <a:cs typeface="ＭＳ Ｐゴシック" charset="0"/>
-              </a:rPr>
-              <a:t>Facebook</a:t>
-            </a:r>
-            <a:r>
-              <a:rPr lang="en-US" sz="1800" dirty="0" smtClean="0">
-                <a:cs typeface="ＭＳ Ｐゴシック" charset="0"/>
-              </a:rPr>
-              <a:t> : More than 5 billion calls per day </a:t>
-            </a:r>
-          </a:p>
-          <a:p>
-            <a:pPr marL="195864" indent="-195864" algn="ctr">
-              <a:lnSpc>
-                <a:spcPct val="140000"/>
-              </a:lnSpc>
-              <a:buFont typeface="Arial" pitchFamily="34" charset="0"/>
-              <a:buChar char="•"/>
-              <a:tabLst>
-                <a:tab pos="656722" algn="l"/>
-                <a:tab pos="1313444" algn="l"/>
-                <a:tab pos="1970166" algn="l"/>
-                <a:tab pos="2626888" algn="l"/>
-                <a:tab pos="3283610" algn="l"/>
-                <a:tab pos="3940332" algn="l"/>
-                <a:tab pos="4597055" algn="l"/>
-                <a:tab pos="5253777" algn="l"/>
-                <a:tab pos="5910499" algn="l"/>
-                <a:tab pos="6567221" algn="l"/>
-                <a:tab pos="7223943" algn="l"/>
-              </a:tabLst>
-            </a:pPr>
-            <a:r>
-              <a:rPr lang="en-US" sz="1800" dirty="0" smtClean="0">
-                <a:cs typeface="ＭＳ Ｐゴシック" charset="0"/>
-              </a:rPr>
-              <a:t>Amazon : More than 260 billion objects store in S3</a:t>
-            </a:r>
-          </a:p>
-          <a:p>
-            <a:pPr marL="195864" indent="-195864" algn="ctr">
-              <a:lnSpc>
-                <a:spcPct val="140000"/>
-              </a:lnSpc>
-              <a:buFont typeface="Arial" pitchFamily="34" charset="0"/>
-              <a:buChar char="•"/>
-              <a:tabLst>
-                <a:tab pos="656722" algn="l"/>
-                <a:tab pos="1313444" algn="l"/>
-                <a:tab pos="1970166" algn="l"/>
-                <a:tab pos="2626888" algn="l"/>
-                <a:tab pos="3283610" algn="l"/>
-                <a:tab pos="3940332" algn="l"/>
-                <a:tab pos="4597055" algn="l"/>
-                <a:tab pos="5253777" algn="l"/>
-                <a:tab pos="5910499" algn="l"/>
-                <a:tab pos="6567221" algn="l"/>
-                <a:tab pos="7223943" algn="l"/>
-              </a:tabLst>
-            </a:pPr>
-            <a:r>
-              <a:rPr lang="en-US" sz="1800" dirty="0" smtClean="0">
-                <a:cs typeface="ＭＳ Ｐゴシック" charset="0"/>
-              </a:rPr>
-              <a:t>eBay : More than 6 billion transactions per day</a:t>
-            </a:r>
-            <a:endParaRPr lang="en-US" sz="1800" dirty="0"/>
-          </a:p>
-        </p:txBody>
-      </p:sp>
-      <p:pic>
-        <p:nvPicPr>
-          <p:cNvPr id="4" name="Picture 1"/>
-          <p:cNvPicPr>
-            <a:picLocks noChangeAspect="1" noChangeArrowheads="1"/>
-          </p:cNvPicPr>
-          <p:nvPr/>
-        </p:nvPicPr>
-        <p:blipFill>
-          <a:blip r:embed="rId2"/>
-          <a:srcRect/>
-          <a:stretch>
-            <a:fillRect/>
-          </a:stretch>
-        </p:blipFill>
-        <p:spPr bwMode="auto">
-          <a:xfrm>
-            <a:off x="3897779" y="3832084"/>
-            <a:ext cx="2227292" cy="1022078"/>
-          </a:xfrm>
-          <a:prstGeom prst="rect">
-            <a:avLst/>
-          </a:prstGeom>
-          <a:noFill/>
-          <a:ln w="9525">
-            <a:noFill/>
-            <a:round/>
-            <a:headEnd/>
-            <a:tailEnd/>
-          </a:ln>
-          <a:effectLst/>
-        </p:spPr>
-      </p:pic>
-      <p:pic>
-        <p:nvPicPr>
-          <p:cNvPr id="5" name="Picture 3"/>
-          <p:cNvPicPr>
-            <a:picLocks noChangeAspect="1" noChangeArrowheads="1"/>
-          </p:cNvPicPr>
-          <p:nvPr/>
-        </p:nvPicPr>
-        <p:blipFill>
-          <a:blip r:embed="rId3"/>
-          <a:srcRect/>
-          <a:stretch>
-            <a:fillRect/>
-          </a:stretch>
-        </p:blipFill>
-        <p:spPr bwMode="auto">
-          <a:xfrm>
-            <a:off x="565484" y="4027861"/>
-            <a:ext cx="2845344" cy="551346"/>
-          </a:xfrm>
-          <a:prstGeom prst="rect">
-            <a:avLst/>
-          </a:prstGeom>
-          <a:noFill/>
-          <a:ln w="9525">
-            <a:noFill/>
-            <a:round/>
-            <a:headEnd/>
-            <a:tailEnd/>
-          </a:ln>
-          <a:effectLst/>
-        </p:spPr>
-      </p:pic>
-      <p:pic>
-        <p:nvPicPr>
-          <p:cNvPr id="6" name="Picture 4"/>
-          <p:cNvPicPr>
-            <a:picLocks noChangeAspect="1" noChangeArrowheads="1"/>
-          </p:cNvPicPr>
-          <p:nvPr/>
-        </p:nvPicPr>
-        <p:blipFill>
-          <a:blip r:embed="rId4"/>
-          <a:srcRect/>
-          <a:stretch>
-            <a:fillRect/>
-          </a:stretch>
-        </p:blipFill>
-        <p:spPr bwMode="auto">
-          <a:xfrm>
-            <a:off x="2003284" y="4698692"/>
-            <a:ext cx="2031360" cy="941463"/>
-          </a:xfrm>
-          <a:prstGeom prst="rect">
-            <a:avLst/>
-          </a:prstGeom>
-          <a:noFill/>
-          <a:ln w="9525">
-            <a:noFill/>
-            <a:round/>
-            <a:headEnd/>
-            <a:tailEnd/>
-          </a:ln>
-          <a:effectLst/>
-        </p:spPr>
-      </p:pic>
-      <p:pic>
-        <p:nvPicPr>
-          <p:cNvPr id="7" name="Picture 5"/>
-          <p:cNvPicPr>
-            <a:picLocks noChangeAspect="1" noChangeArrowheads="1"/>
-          </p:cNvPicPr>
-          <p:nvPr/>
-        </p:nvPicPr>
-        <p:blipFill>
-          <a:blip r:embed="rId5"/>
-          <a:srcRect/>
-          <a:stretch>
-            <a:fillRect/>
-          </a:stretch>
-        </p:blipFill>
-        <p:spPr bwMode="auto">
-          <a:xfrm>
-            <a:off x="5901766" y="3832083"/>
-            <a:ext cx="2635004" cy="924189"/>
-          </a:xfrm>
-          <a:prstGeom prst="rect">
-            <a:avLst/>
-          </a:prstGeom>
-          <a:noFill/>
-          <a:ln w="9525">
-            <a:noFill/>
-            <a:round/>
-            <a:headEnd/>
-            <a:tailEnd/>
-          </a:ln>
-          <a:effectLst/>
-        </p:spPr>
-      </p:pic>
-      <p:pic>
-        <p:nvPicPr>
-          <p:cNvPr id="8" name="Picture 6"/>
-          <p:cNvPicPr>
-            <a:picLocks noChangeAspect="1" noChangeArrowheads="1"/>
-          </p:cNvPicPr>
-          <p:nvPr/>
-        </p:nvPicPr>
-        <p:blipFill>
-          <a:blip r:embed="rId6"/>
-          <a:srcRect/>
-          <a:stretch>
-            <a:fillRect/>
-          </a:stretch>
-        </p:blipFill>
-        <p:spPr bwMode="auto">
-          <a:xfrm>
-            <a:off x="7035581" y="4918941"/>
-            <a:ext cx="1367206" cy="1019199"/>
-          </a:xfrm>
-          <a:prstGeom prst="rect">
-            <a:avLst/>
-          </a:prstGeom>
-          <a:noFill/>
-          <a:ln w="9525">
-            <a:noFill/>
-            <a:round/>
-            <a:headEnd/>
-            <a:tailEnd/>
-          </a:ln>
-          <a:effectLst/>
-        </p:spPr>
-      </p:pic>
-    </p:spTree>
-    <p:extLst>
-      <p:ext uri="{BB962C8B-B14F-4D97-AF65-F5344CB8AC3E}">
-        <p14:creationId xmlns:p14="http://schemas.microsoft.com/office/powerpoint/2010/main" val="2081243168"/>
-      </p:ext>
-    </p:extLst>
-  </p:cSld>
-  <p:clrMapOvr>
-    <a:masterClrMapping/>
-  </p:clrMapOvr>
-  <p:timing>
-    <p:tnLst>
-      <p:par>
-        <p:cTn xmlns:p14="http://schemas.microsoft.com/office/powerpoint/2010/main" id="1" dur="indefinite" restart="never" nodeType="tmRoot"/>
-      </p:par>
-    </p:tnLst>
-  </p:timing>
-</p:sld>
-</file>
-
-<file path=ppt/slides/slide7.xml><?xml version="1.0" encoding="utf-8"?>
 <p:sld xmlns:a="http://schemas.openxmlformats.org/drawingml/2006/main" xmlns:r="http://schemas.openxmlformats.org/officeDocument/2006/relationships" xmlns:p="http://schemas.openxmlformats.org/presentationml/2006/main">
   <p:cSld>
     <p:spTree>
@@ -5933,7 +5829,7 @@
 </p:sld>
 </file>
 
-<file path=ppt/slides/slide8.xml><?xml version="1.0" encoding="utf-8"?>
+<file path=ppt/slides/slide14.xml><?xml version="1.0" encoding="utf-8"?>
 <p:sld xmlns:a="http://schemas.openxmlformats.org/drawingml/2006/main" xmlns:r="http://schemas.openxmlformats.org/officeDocument/2006/relationships" xmlns:p="http://schemas.openxmlformats.org/presentationml/2006/main">
   <p:cSld>
     <p:spTree>
@@ -6068,7 +5964,7 @@
 </p:sld>
 </file>
 
-<file path=ppt/slides/slide9.xml><?xml version="1.0" encoding="utf-8"?>
+<file path=ppt/slides/slide15.xml><?xml version="1.0" encoding="utf-8"?>
 <p:sld xmlns:a="http://schemas.openxmlformats.org/drawingml/2006/main" xmlns:r="http://schemas.openxmlformats.org/officeDocument/2006/relationships" xmlns:p="http://schemas.openxmlformats.org/presentationml/2006/main">
   <p:cSld>
     <p:spTree>
@@ -6087,7 +5983,7 @@
       </p:grpSpPr>
       <p:sp>
         <p:nvSpPr>
-          <p:cNvPr id="6145" name="Rectangle 1"/>
+          <p:cNvPr id="7169" name="Rectangle 1"/>
           <p:cNvSpPr>
             <a:spLocks noGrp="1" noChangeArrowheads="1"/>
           </p:cNvSpPr>
@@ -6096,286 +5992,77 @@
           </p:nvPr>
         </p:nvSpPr>
         <p:spPr>
-          <a:xfrm>
-            <a:off x="321469" y="-71437"/>
-            <a:ext cx="5786438" cy="895201"/>
-          </a:xfrm>
-          <a:ln/>
-        </p:spPr>
-        <p:txBody>
-          <a:bodyPr>
-            <a:normAutofit fontScale="90000"/>
-          </a:bodyPr>
-          <a:lstStyle/>
-          <a:p>
-            <a:r>
-              <a:rPr lang="en-US"/>
-              <a:t>API Ecosystem Model</a:t>
-            </a:r>
-          </a:p>
-        </p:txBody>
-      </p:sp>
-      <p:sp>
-        <p:nvSpPr>
-          <p:cNvPr id="6146" name="Rectangle 2"/>
-          <p:cNvSpPr>
-            <a:spLocks noGrp="1" noChangeArrowheads="1"/>
-          </p:cNvSpPr>
-          <p:nvPr>
-            <p:ph type="body" idx="1"/>
-          </p:nvPr>
-        </p:nvSpPr>
-        <p:spPr>
-          <a:xfrm>
-            <a:off x="321469" y="1007939"/>
-            <a:ext cx="7625953" cy="5223867"/>
-          </a:xfrm>
           <a:ln/>
         </p:spPr>
         <p:txBody>
           <a:bodyPr/>
           <a:lstStyle/>
           <a:p>
-            <a:pPr marL="0" indent="0">
-              <a:spcBef>
-                <a:spcPct val="0"/>
-              </a:spcBef>
-              <a:buNone/>
-            </a:pPr>
-            <a:r>
-              <a:rPr lang="en-US" sz="2000" b="1" dirty="0"/>
-              <a:t>From SOA lessons learned, best practices roles</a:t>
-            </a:r>
-            <a:r>
-              <a:rPr lang="en-US" sz="2000" b="1" dirty="0">
-                <a:ea typeface="ヒラギノ角ゴ ProN W6" charset="0"/>
-                <a:cs typeface="ヒラギノ角ゴ ProN W6" charset="0"/>
-              </a:rPr>
-              <a:t/>
-            </a:r>
-            <a:br>
-              <a:rPr lang="en-US" sz="2000" b="1" dirty="0">
-                <a:ea typeface="ヒラギノ角ゴ ProN W6" charset="0"/>
-                <a:cs typeface="ヒラギノ角ゴ ProN W6" charset="0"/>
-              </a:rPr>
-            </a:br>
-            <a:endParaRPr lang="en-US" sz="2000" b="1" dirty="0">
-              <a:ea typeface="ヒラギノ角ゴ ProN W6" charset="0"/>
-              <a:cs typeface="ヒラギノ角ゴ ProN W6" charset="0"/>
-            </a:endParaRPr>
-          </a:p>
-          <a:p>
-            <a:pPr marL="0" indent="0">
-              <a:buClr>
-                <a:srgbClr val="000000"/>
-              </a:buClr>
-              <a:buFont typeface="Arial" charset="0"/>
-              <a:buChar char="•"/>
-            </a:pPr>
-            <a:r>
-              <a:rPr lang="en-US" sz="1800" b="1" dirty="0"/>
-              <a:t>API Creator</a:t>
-            </a:r>
-            <a:endParaRPr lang="en-US" sz="1800" b="1" dirty="0">
-              <a:ea typeface="ヒラギノ角ゴ ProN W6" charset="0"/>
-              <a:cs typeface="ヒラギノ角ゴ ProN W6" charset="0"/>
-            </a:endParaRPr>
-          </a:p>
-          <a:p>
-            <a:pPr marL="459863" lvl="1" indent="-125011">
-              <a:spcBef>
-                <a:spcPts val="352"/>
-              </a:spcBef>
-              <a:buClr>
-                <a:srgbClr val="000000"/>
-              </a:buClr>
-              <a:buFont typeface="Arial" charset="0"/>
-              <a:buChar char="•"/>
-            </a:pPr>
-            <a:r>
-              <a:rPr lang="en-US" sz="1700" dirty="0"/>
-              <a:t>Builds, manages, and versions API</a:t>
-            </a:r>
-          </a:p>
-          <a:p>
-            <a:pPr marL="459863" lvl="1" indent="-125011">
-              <a:spcBef>
-                <a:spcPts val="352"/>
-              </a:spcBef>
-              <a:buClr>
-                <a:srgbClr val="000000"/>
-              </a:buClr>
-              <a:buFont typeface="Arial" charset="0"/>
-              <a:buChar char="•"/>
-            </a:pPr>
-            <a:r>
-              <a:rPr lang="en-US" sz="1700" dirty="0"/>
-              <a:t>Understand business and technical requirements</a:t>
-            </a:r>
-          </a:p>
-          <a:p>
-            <a:pPr marL="459863" lvl="1" indent="-125011">
-              <a:spcBef>
-                <a:spcPts val="352"/>
-              </a:spcBef>
-              <a:buClr>
-                <a:srgbClr val="000000"/>
-              </a:buClr>
-              <a:buFont typeface="Arial" charset="0"/>
-              <a:buChar char="•"/>
-            </a:pPr>
-            <a:r>
-              <a:rPr lang="en-US" sz="1700" dirty="0"/>
-              <a:t>Cares about usage and scaling</a:t>
-            </a:r>
-          </a:p>
-          <a:p>
-            <a:pPr marL="459863" lvl="1" indent="-125011">
-              <a:spcBef>
-                <a:spcPts val="352"/>
-              </a:spcBef>
-              <a:buClr>
-                <a:srgbClr val="000000"/>
-              </a:buClr>
-              <a:buFont typeface="Arial" charset="0"/>
-              <a:buChar char="•"/>
-            </a:pPr>
-            <a:r>
-              <a:rPr lang="en-US" sz="1700" dirty="0"/>
-              <a:t>Seeks feedback, ratings, usage</a:t>
-            </a:r>
-          </a:p>
-          <a:p>
-            <a:pPr marL="0" indent="0">
-              <a:buClr>
-                <a:srgbClr val="000000"/>
-              </a:buClr>
-              <a:buFont typeface="Arial" charset="0"/>
-              <a:buChar char="•"/>
-            </a:pPr>
-            <a:r>
-              <a:rPr lang="en-US" sz="1800" b="1" dirty="0"/>
-              <a:t>API Publisher</a:t>
-            </a:r>
-            <a:endParaRPr lang="en-US" sz="1800" b="1" dirty="0">
-              <a:ea typeface="ヒラギノ角ゴ ProN W6" charset="0"/>
-              <a:cs typeface="ヒラギノ角ゴ ProN W6" charset="0"/>
-            </a:endParaRPr>
-          </a:p>
-          <a:p>
-            <a:pPr marL="459863" lvl="1" indent="-125011">
-              <a:buClr>
-                <a:srgbClr val="000000"/>
-              </a:buClr>
-              <a:buFont typeface="Arial" charset="0"/>
-              <a:buChar char="•"/>
-            </a:pPr>
-            <a:r>
-              <a:rPr lang="en-US" sz="1700" dirty="0"/>
-              <a:t>Publishes, Promotes and encourages consumers to adopt APIs</a:t>
-            </a:r>
-          </a:p>
-          <a:p>
-            <a:pPr marL="459863" lvl="1" indent="-125011">
-              <a:buClr>
-                <a:srgbClr val="000000"/>
-              </a:buClr>
-              <a:buFont typeface="Arial" charset="0"/>
-              <a:buChar char="•"/>
-            </a:pPr>
-            <a:r>
-              <a:rPr lang="en-US" sz="1700" dirty="0"/>
-              <a:t>Determines usage patterns and how to best monetize asset</a:t>
-            </a:r>
-          </a:p>
-          <a:p>
-            <a:pPr marL="459863" lvl="1" indent="-125011">
-              <a:buClr>
-                <a:srgbClr val="000000"/>
-              </a:buClr>
-              <a:buFont typeface="Arial" charset="0"/>
-              <a:buChar char="•"/>
-            </a:pPr>
-            <a:r>
-              <a:rPr lang="en-US" sz="1700" dirty="0"/>
-              <a:t>Monitors and secures</a:t>
-            </a:r>
-          </a:p>
-          <a:p>
-            <a:pPr marL="0" indent="0">
-              <a:buClr>
-                <a:srgbClr val="000000"/>
-              </a:buClr>
-              <a:buFont typeface="Arial" charset="0"/>
-              <a:buChar char="•"/>
-            </a:pPr>
-            <a:r>
-              <a:rPr lang="en-US" sz="1800" b="1" dirty="0"/>
-              <a:t>API Consumer</a:t>
-            </a:r>
-            <a:endParaRPr lang="en-US" sz="1800" b="1" dirty="0">
-              <a:ea typeface="ヒラギノ角ゴ ProN W6" charset="0"/>
-              <a:cs typeface="ヒラギノ角ゴ ProN W6" charset="0"/>
-            </a:endParaRPr>
-          </a:p>
-          <a:p>
-            <a:pPr marL="459863" lvl="1" indent="-125011">
-              <a:buClr>
-                <a:srgbClr val="000000"/>
-              </a:buClr>
-              <a:buFont typeface="Arial" charset="0"/>
-              <a:buChar char="•"/>
-            </a:pPr>
-            <a:r>
-              <a:rPr lang="en-US" sz="1700" dirty="0"/>
-              <a:t>Understands the interface definition </a:t>
-            </a:r>
-          </a:p>
-          <a:p>
-            <a:pPr marL="459863" lvl="1" indent="-125011">
-              <a:buClr>
-                <a:srgbClr val="000000"/>
-              </a:buClr>
-              <a:buFont typeface="Arial" charset="0"/>
-              <a:buChar char="•"/>
-            </a:pPr>
-            <a:r>
-              <a:rPr lang="en-US" sz="1700" dirty="0"/>
-              <a:t>Subscribes and connects application to API</a:t>
-            </a:r>
-          </a:p>
-          <a:p>
-            <a:pPr marL="459863" lvl="1" indent="-125011">
-              <a:buClr>
-                <a:srgbClr val="000000"/>
-              </a:buClr>
-              <a:buFont typeface="Arial" charset="0"/>
-              <a:buChar char="•"/>
-            </a:pPr>
-            <a:r>
-              <a:rPr lang="en-US" sz="1700" dirty="0"/>
-              <a:t>Monitors own usage and cost basis</a:t>
-            </a:r>
-          </a:p>
-          <a:p>
-            <a:pPr marL="459863" lvl="1" indent="-125011">
-              <a:buClr>
-                <a:srgbClr val="000000"/>
-              </a:buClr>
-              <a:buFont typeface="Arial" charset="0"/>
-              <a:buChar char="•"/>
-            </a:pPr>
-            <a:r>
-              <a:rPr lang="en-US" sz="1700" dirty="0"/>
-              <a:t>Provides feedback and ratings</a:t>
-            </a:r>
-          </a:p>
-        </p:txBody>
-      </p:sp>
+            <a:r>
+              <a:rPr lang="en-US"/>
+              <a:t>API Manager Components</a:t>
+            </a:r>
+          </a:p>
+        </p:txBody>
+      </p:sp>
+      <p:pic>
+        <p:nvPicPr>
+          <p:cNvPr id="7170" name="Picture 2"/>
+          <p:cNvPicPr>
+            <a:picLocks noChangeAspect="1" noChangeArrowheads="1"/>
+          </p:cNvPicPr>
+          <p:nvPr/>
+        </p:nvPicPr>
+        <p:blipFill>
+          <a:blip r:embed="rId2">
+            <a:extLst>
+              <a:ext uri="{28A0092B-C50C-407E-A947-70E740481C1C}">
+                <a14:useLocalDpi xmlns:a14="http://schemas.microsoft.com/office/drawing/2010/main" val="0"/>
+              </a:ext>
+            </a:extLst>
+          </a:blip>
+          <a:srcRect/>
+          <a:stretch>
+            <a:fillRect/>
+          </a:stretch>
+        </p:blipFill>
+        <p:spPr bwMode="auto">
+          <a:xfrm>
+            <a:off x="591592" y="1330523"/>
+            <a:ext cx="7768828" cy="4889004"/>
+          </a:xfrm>
+          <a:prstGeom prst="rect">
+            <a:avLst/>
+          </a:prstGeom>
+          <a:noFill/>
+          <a:ln>
+            <a:noFill/>
+          </a:ln>
+          <a:extLst>
+            <a:ext uri="{909E8E84-426E-40dd-AFC4-6F175D3DCCD1}">
+              <a14:hiddenFill xmlns:a14="http://schemas.microsoft.com/office/drawing/2010/main">
+                <a:solidFill>
+                  <a:srgbClr val="FFFFFF"/>
+                </a:solidFill>
+              </a14:hiddenFill>
+            </a:ext>
+            <a:ext uri="{91240B29-F687-4f45-9708-019B960494DF}">
+              <a14:hiddenLine xmlns:a14="http://schemas.microsoft.com/office/drawing/2010/main" w="25400" cap="flat">
+                <a:solidFill>
+                  <a:schemeClr val="tx1"/>
+                </a:solidFill>
+                <a:round/>
+                <a:headEnd/>
+                <a:tailEnd/>
+              </a14:hiddenLine>
+            </a:ext>
+          </a:extLst>
+        </p:spPr>
+      </p:pic>
     </p:spTree>
     <p:extLst>
       <p:ext uri="{BB962C8B-B14F-4D97-AF65-F5344CB8AC3E}">
-        <p14:creationId xmlns:p14="http://schemas.microsoft.com/office/powerpoint/2010/main" val="2195036050"/>
+        <p14:creationId xmlns:p14="http://schemas.microsoft.com/office/powerpoint/2010/main" val="1398328523"/>
       </p:ext>
     </p:extLst>
   </p:cSld>
@@ -6397,6 +6084,2526 @@
       </p:par>
     </p:tnLst>
   </p:timing>
+</p:sld>
+</file>
+
+<file path=ppt/slides/slide16.xml><?xml version="1.0" encoding="utf-8"?>
+<p:sld xmlns:a="http://schemas.openxmlformats.org/drawingml/2006/main" xmlns:r="http://schemas.openxmlformats.org/officeDocument/2006/relationships" xmlns:p="http://schemas.openxmlformats.org/presentationml/2006/main">
+  <p:cSld>
+    <p:spTree>
+      <p:nvGrpSpPr>
+        <p:cNvPr id="1" name=""/>
+        <p:cNvGrpSpPr/>
+        <p:nvPr/>
+      </p:nvGrpSpPr>
+      <p:grpSpPr>
+        <a:xfrm>
+          <a:off x="0" y="0"/>
+          <a:ext cx="0" cy="0"/>
+          <a:chOff x="0" y="0"/>
+          <a:chExt cx="0" cy="0"/>
+        </a:xfrm>
+      </p:grpSpPr>
+      <p:sp>
+        <p:nvSpPr>
+          <p:cNvPr id="10241" name="Rectangle 1"/>
+          <p:cNvSpPr>
+            <a:spLocks noGrp="1" noChangeArrowheads="1"/>
+          </p:cNvSpPr>
+          <p:nvPr>
+            <p:ph type="title"/>
+          </p:nvPr>
+        </p:nvSpPr>
+        <p:spPr>
+          <a:ln/>
+        </p:spPr>
+        <p:txBody>
+          <a:bodyPr/>
+          <a:lstStyle/>
+          <a:p>
+            <a:r>
+              <a:rPr lang="en-US"/>
+              <a:t>Understanding the Flow</a:t>
+            </a:r>
+          </a:p>
+        </p:txBody>
+      </p:sp>
+      <p:sp>
+        <p:nvSpPr>
+          <p:cNvPr id="10242" name="Rectangle 2"/>
+          <p:cNvSpPr>
+            <a:spLocks noGrp="1" noChangeArrowheads="1"/>
+          </p:cNvSpPr>
+          <p:nvPr>
+            <p:ph type="body" idx="1"/>
+          </p:nvPr>
+        </p:nvSpPr>
+        <p:spPr>
+          <a:ln/>
+        </p:spPr>
+        <p:txBody>
+          <a:bodyPr>
+            <a:normAutofit fontScale="92500" lnSpcReduction="10000"/>
+          </a:bodyPr>
+          <a:lstStyle/>
+          <a:p>
+            <a:pPr>
+              <a:spcBef>
+                <a:spcPct val="0"/>
+              </a:spcBef>
+            </a:pPr>
+            <a:r>
+              <a:rPr lang="en-US" sz="2100"/>
+              <a:t>API Creator adds API into API Manager</a:t>
+            </a:r>
+          </a:p>
+          <a:p>
+            <a:pPr marL="558086" lvl="1">
+              <a:spcBef>
+                <a:spcPts val="343"/>
+              </a:spcBef>
+            </a:pPr>
+            <a:r>
+              <a:rPr lang="en-US" sz="1800"/>
+              <a:t>[Optionally provides Sandbox endpoint]</a:t>
+            </a:r>
+          </a:p>
+          <a:p>
+            <a:pPr>
+              <a:spcBef>
+                <a:spcPts val="439"/>
+              </a:spcBef>
+            </a:pPr>
+            <a:r>
+              <a:rPr lang="en-US" sz="2100"/>
+              <a:t>API Publisher approves publish</a:t>
+            </a:r>
+          </a:p>
+          <a:p>
+            <a:pPr>
+              <a:spcBef>
+                <a:spcPts val="439"/>
+              </a:spcBef>
+            </a:pPr>
+            <a:r>
+              <a:rPr lang="en-US" sz="2100"/>
+              <a:t>API Consumer finds API</a:t>
+            </a:r>
+          </a:p>
+          <a:p>
+            <a:pPr>
+              <a:spcBef>
+                <a:spcPts val="439"/>
+              </a:spcBef>
+            </a:pPr>
+            <a:r>
+              <a:rPr lang="en-US" sz="2100"/>
+              <a:t>API Consumer subscribes to API and obtains a key</a:t>
+            </a:r>
+          </a:p>
+          <a:p>
+            <a:pPr marL="558086" lvl="1">
+              <a:spcBef>
+                <a:spcPts val="343"/>
+              </a:spcBef>
+            </a:pPr>
+            <a:r>
+              <a:rPr lang="en-US" sz="1800"/>
+              <a:t>[Optional an approval process is started]</a:t>
+            </a:r>
+          </a:p>
+          <a:p>
+            <a:pPr>
+              <a:spcBef>
+                <a:spcPts val="439"/>
+              </a:spcBef>
+            </a:pPr>
+            <a:r>
+              <a:rPr lang="en-US" sz="2100"/>
+              <a:t>OAuth2-based Key issued</a:t>
+            </a:r>
+          </a:p>
+          <a:p>
+            <a:pPr marL="558086" lvl="1">
+              <a:spcBef>
+                <a:spcPts val="343"/>
+              </a:spcBef>
+            </a:pPr>
+            <a:r>
+              <a:rPr lang="en-US" sz="1800"/>
+              <a:t>[Optionally issue both production and sandbox keys]</a:t>
+            </a:r>
+          </a:p>
+          <a:p>
+            <a:pPr>
+              <a:spcBef>
+                <a:spcPts val="439"/>
+              </a:spcBef>
+            </a:pPr>
+            <a:r>
+              <a:rPr lang="en-US" sz="2100"/>
+              <a:t>API Consumer application makes a call</a:t>
+            </a:r>
+          </a:p>
+          <a:p>
+            <a:pPr>
+              <a:spcBef>
+                <a:spcPts val="439"/>
+              </a:spcBef>
+            </a:pPr>
+            <a:r>
+              <a:rPr lang="en-US" sz="2100"/>
+              <a:t>API Key is validated</a:t>
+            </a:r>
+          </a:p>
+          <a:p>
+            <a:pPr>
+              <a:spcBef>
+                <a:spcPts val="439"/>
+              </a:spcBef>
+            </a:pPr>
+            <a:r>
+              <a:rPr lang="en-US" sz="2100"/>
+              <a:t>API Key metadata is used to identify:</a:t>
+            </a:r>
+          </a:p>
+          <a:p>
+            <a:pPr marL="558086" lvl="1">
+              <a:spcBef>
+                <a:spcPts val="343"/>
+              </a:spcBef>
+            </a:pPr>
+            <a:r>
+              <a:rPr lang="en-US" sz="1800"/>
+              <a:t>Throttling / Rate limiting policy</a:t>
+            </a:r>
+          </a:p>
+          <a:p>
+            <a:pPr marL="558086" lvl="1">
+              <a:spcBef>
+                <a:spcPts val="343"/>
+              </a:spcBef>
+            </a:pPr>
+            <a:r>
+              <a:rPr lang="en-US" sz="1800"/>
+              <a:t>Sandbox / Production endpoint</a:t>
+            </a:r>
+          </a:p>
+          <a:p>
+            <a:pPr marL="558086" lvl="1">
+              <a:spcBef>
+                <a:spcPts val="343"/>
+              </a:spcBef>
+            </a:pPr>
+            <a:r>
+              <a:rPr lang="en-US" sz="1800"/>
+              <a:t>Event is metered/monitored against the API, Key, IP address, etc</a:t>
+            </a:r>
+          </a:p>
+        </p:txBody>
+      </p:sp>
+    </p:spTree>
+    <p:extLst>
+      <p:ext uri="{BB962C8B-B14F-4D97-AF65-F5344CB8AC3E}">
+        <p14:creationId xmlns:p14="http://schemas.microsoft.com/office/powerpoint/2010/main" val="1538908941"/>
+      </p:ext>
+    </p:extLst>
+  </p:cSld>
+  <p:clrMapOvr>
+    <a:masterClrMapping/>
+  </p:clrMapOvr>
+  <mc:AlternateContent xmlns:mc="http://schemas.openxmlformats.org/markup-compatibility/2006" xmlns:p14="http://schemas.microsoft.com/office/powerpoint/2010/main">
+    <mc:Choice Requires="p14">
+      <p:transition spd="slow" p14:dur="2000"/>
+    </mc:Choice>
+    <mc:Fallback xmlns="">
+      <p:transition xmlns:p14="http://schemas.microsoft.com/office/powerpoint/2010/main" spd="slow"/>
+    </mc:Fallback>
+  </mc:AlternateContent>
+  <p:timing>
+    <p:tnLst>
+      <p:par>
+        <p:cTn xmlns:p14="http://schemas.microsoft.com/office/powerpoint/2010/main" id="1" dur="indefinite" restart="never" nodeType="tmRoot"/>
+      </p:par>
+    </p:tnLst>
+  </p:timing>
+</p:sld>
+</file>
+
+<file path=ppt/slides/slide17.xml><?xml version="1.0" encoding="utf-8"?>
+<p:sld xmlns:a="http://schemas.openxmlformats.org/drawingml/2006/main" xmlns:r="http://schemas.openxmlformats.org/officeDocument/2006/relationships" xmlns:p="http://schemas.openxmlformats.org/presentationml/2006/main">
+  <p:cSld>
+    <p:spTree>
+      <p:nvGrpSpPr>
+        <p:cNvPr id="1" name=""/>
+        <p:cNvGrpSpPr/>
+        <p:nvPr/>
+      </p:nvGrpSpPr>
+      <p:grpSpPr>
+        <a:xfrm>
+          <a:off x="0" y="0"/>
+          <a:ext cx="0" cy="0"/>
+          <a:chOff x="0" y="0"/>
+          <a:chExt cx="0" cy="0"/>
+        </a:xfrm>
+      </p:grpSpPr>
+      <p:sp>
+        <p:nvSpPr>
+          <p:cNvPr id="28673" name="Rectangle 1"/>
+          <p:cNvSpPr>
+            <a:spLocks noGrp="1" noChangeArrowheads="1"/>
+          </p:cNvSpPr>
+          <p:nvPr>
+            <p:ph type="title"/>
+          </p:nvPr>
+        </p:nvSpPr>
+        <p:spPr/>
+        <p:txBody>
+          <a:bodyPr>
+            <a:normAutofit fontScale="90000"/>
+          </a:bodyPr>
+          <a:lstStyle/>
+          <a:p>
+            <a:pPr eaLnBrk="1" hangingPunct="1">
+              <a:defRPr/>
+            </a:pPr>
+            <a:r>
+              <a:rPr lang="en-US" dirty="0" smtClean="0"/>
+              <a:t>Using the API key to enable context</a:t>
+            </a:r>
+          </a:p>
+        </p:txBody>
+      </p:sp>
+      <p:pic>
+        <p:nvPicPr>
+          <p:cNvPr id="30722" name="Picture 2"/>
+          <p:cNvPicPr>
+            <a:picLocks noChangeAspect="1" noChangeArrowheads="1"/>
+          </p:cNvPicPr>
+          <p:nvPr/>
+        </p:nvPicPr>
+        <p:blipFill>
+          <a:blip r:embed="rId2">
+            <a:extLst>
+              <a:ext uri="{28A0092B-C50C-407E-A947-70E740481C1C}">
+                <a14:useLocalDpi xmlns:a14="http://schemas.microsoft.com/office/drawing/2010/main" val="0"/>
+              </a:ext>
+            </a:extLst>
+          </a:blip>
+          <a:srcRect/>
+          <a:stretch>
+            <a:fillRect/>
+          </a:stretch>
+        </p:blipFill>
+        <p:spPr bwMode="auto">
+          <a:xfrm>
+            <a:off x="231056" y="2268141"/>
+            <a:ext cx="8680772" cy="2778249"/>
+          </a:xfrm>
+          <a:prstGeom prst="rect">
+            <a:avLst/>
+          </a:prstGeom>
+          <a:noFill/>
+          <a:ln>
+            <a:noFill/>
+          </a:ln>
+          <a:extLst>
+            <a:ext uri="{909E8E84-426E-40dd-AFC4-6F175D3DCCD1}">
+              <a14:hiddenFill xmlns:a14="http://schemas.microsoft.com/office/drawing/2010/main">
+                <a:solidFill>
+                  <a:srgbClr val="FFFFFF"/>
+                </a:solidFill>
+              </a14:hiddenFill>
+            </a:ext>
+            <a:ext uri="{91240B29-F687-4f45-9708-019B960494DF}">
+              <a14:hiddenLine xmlns:a14="http://schemas.microsoft.com/office/drawing/2010/main" w="25400">
+                <a:solidFill>
+                  <a:schemeClr val="tx1"/>
+                </a:solidFill>
+                <a:round/>
+                <a:headEnd/>
+                <a:tailEnd/>
+              </a14:hiddenLine>
+            </a:ext>
+          </a:extLst>
+        </p:spPr>
+      </p:pic>
+    </p:spTree>
+    <p:extLst>
+      <p:ext uri="{BB962C8B-B14F-4D97-AF65-F5344CB8AC3E}">
+        <p14:creationId xmlns:p14="http://schemas.microsoft.com/office/powerpoint/2010/main" val="3759088289"/>
+      </p:ext>
+    </p:extLst>
+  </p:cSld>
+  <p:clrMapOvr>
+    <a:masterClrMapping/>
+  </p:clrMapOvr>
+  <mc:AlternateContent xmlns:mc="http://schemas.openxmlformats.org/markup-compatibility/2006" xmlns:p14="http://schemas.microsoft.com/office/powerpoint/2010/main">
+    <mc:Choice Requires="p14">
+      <p:transition spd="slow" p14:dur="2000"/>
+    </mc:Choice>
+    <mc:Fallback xmlns="">
+      <p:transition xmlns:p14="http://schemas.microsoft.com/office/powerpoint/2010/main" spd="slow"/>
+    </mc:Fallback>
+  </mc:AlternateContent>
+  <p:timing>
+    <p:tnLst>
+      <p:par>
+        <p:cTn xmlns:p14="http://schemas.microsoft.com/office/powerpoint/2010/main" id="1" dur="indefinite" restart="never" nodeType="tmRoot"/>
+      </p:par>
+    </p:tnLst>
+  </p:timing>
+</p:sld>
+</file>
+
+<file path=ppt/slides/slide18.xml><?xml version="1.0" encoding="utf-8"?>
+<p:sld xmlns:a="http://schemas.openxmlformats.org/drawingml/2006/main" xmlns:r="http://schemas.openxmlformats.org/officeDocument/2006/relationships" xmlns:p="http://schemas.openxmlformats.org/presentationml/2006/main">
+  <p:cSld>
+    <p:spTree>
+      <p:nvGrpSpPr>
+        <p:cNvPr id="1" name=""/>
+        <p:cNvGrpSpPr/>
+        <p:nvPr/>
+      </p:nvGrpSpPr>
+      <p:grpSpPr>
+        <a:xfrm>
+          <a:off x="0" y="0"/>
+          <a:ext cx="0" cy="0"/>
+          <a:chOff x="0" y="0"/>
+          <a:chExt cx="0" cy="0"/>
+        </a:xfrm>
+      </p:grpSpPr>
+      <p:sp>
+        <p:nvSpPr>
+          <p:cNvPr id="2" name="Title 1"/>
+          <p:cNvSpPr>
+            <a:spLocks noGrp="1"/>
+          </p:cNvSpPr>
+          <p:nvPr>
+            <p:ph type="title"/>
+          </p:nvPr>
+        </p:nvSpPr>
+        <p:spPr/>
+        <p:txBody>
+          <a:bodyPr/>
+          <a:lstStyle/>
+          <a:p>
+            <a:r>
+              <a:rPr lang="en-US" dirty="0" smtClean="0"/>
+              <a:t>API Management benefits</a:t>
+            </a:r>
+            <a:endParaRPr lang="en-US" dirty="0"/>
+          </a:p>
+        </p:txBody>
+      </p:sp>
+      <p:sp>
+        <p:nvSpPr>
+          <p:cNvPr id="3" name="Content Placeholder 2"/>
+          <p:cNvSpPr>
+            <a:spLocks noGrp="1"/>
+          </p:cNvSpPr>
+          <p:nvPr>
+            <p:ph idx="1"/>
+          </p:nvPr>
+        </p:nvSpPr>
+        <p:spPr/>
+        <p:txBody>
+          <a:bodyPr>
+            <a:normAutofit fontScale="92500" lnSpcReduction="20000"/>
+          </a:bodyPr>
+          <a:lstStyle/>
+          <a:p>
+            <a:r>
+              <a:rPr lang="en-US" dirty="0" smtClean="0"/>
+              <a:t>Prototyping and </a:t>
+            </a:r>
+            <a:r>
+              <a:rPr lang="en-US" smtClean="0"/>
+              <a:t>fast feedback</a:t>
+            </a:r>
+          </a:p>
+          <a:p>
+            <a:r>
+              <a:rPr lang="en-US" dirty="0" smtClean="0"/>
+              <a:t>Aggregation and virtualisation</a:t>
+            </a:r>
+          </a:p>
+          <a:p>
+            <a:r>
+              <a:rPr lang="en-US" dirty="0" smtClean="0"/>
+              <a:t>Versioning</a:t>
+            </a:r>
+          </a:p>
+          <a:p>
+            <a:r>
+              <a:rPr lang="en-US" dirty="0" smtClean="0"/>
+              <a:t>Documentation</a:t>
+            </a:r>
+          </a:p>
+          <a:p>
+            <a:r>
+              <a:rPr lang="en-US" dirty="0" smtClean="0"/>
+              <a:t>Key issuing and management </a:t>
+            </a:r>
+          </a:p>
+          <a:p>
+            <a:pPr lvl="1"/>
+            <a:r>
+              <a:rPr lang="en-US" dirty="0" smtClean="0"/>
+              <a:t>Transparent OAuth2 </a:t>
+            </a:r>
+          </a:p>
+          <a:p>
+            <a:r>
+              <a:rPr lang="en-US" dirty="0" smtClean="0"/>
+              <a:t>Workflows </a:t>
+            </a:r>
+          </a:p>
+          <a:p>
+            <a:pPr lvl="1"/>
+            <a:r>
+              <a:rPr lang="en-US" dirty="0"/>
+              <a:t>O</a:t>
+            </a:r>
+            <a:r>
+              <a:rPr lang="en-US" dirty="0" smtClean="0"/>
+              <a:t>n-boarding, subscription, approval</a:t>
+            </a:r>
+          </a:p>
+          <a:p>
+            <a:r>
+              <a:rPr lang="en-US" dirty="0" smtClean="0"/>
+              <a:t>Throttling and monetisation</a:t>
+            </a:r>
+          </a:p>
+          <a:p>
+            <a:r>
+              <a:rPr lang="en-US" dirty="0" smtClean="0"/>
+              <a:t>Analytics </a:t>
+            </a:r>
+            <a:endParaRPr lang="en-US" dirty="0"/>
+          </a:p>
+        </p:txBody>
+      </p:sp>
+    </p:spTree>
+    <p:extLst>
+      <p:ext uri="{BB962C8B-B14F-4D97-AF65-F5344CB8AC3E}">
+        <p14:creationId xmlns:p14="http://schemas.microsoft.com/office/powerpoint/2010/main" val="1174110540"/>
+      </p:ext>
+    </p:extLst>
+  </p:cSld>
+  <p:clrMapOvr>
+    <a:masterClrMapping/>
+  </p:clrMapOvr>
+  <p:timing>
+    <p:tnLst>
+      <p:par>
+        <p:cTn xmlns:p14="http://schemas.microsoft.com/office/powerpoint/2010/main" id="1" dur="indefinite" restart="never" nodeType="tmRoot"/>
+      </p:par>
+    </p:tnLst>
+  </p:timing>
+</p:sld>
+</file>
+
+<file path=ppt/slides/slide19.xml><?xml version="1.0" encoding="utf-8"?>
+<p:sld xmlns:a="http://schemas.openxmlformats.org/drawingml/2006/main" xmlns:r="http://schemas.openxmlformats.org/officeDocument/2006/relationships" xmlns:p="http://schemas.openxmlformats.org/presentationml/2006/main">
+  <p:cSld>
+    <p:spTree>
+      <p:nvGrpSpPr>
+        <p:cNvPr id="1" name=""/>
+        <p:cNvGrpSpPr/>
+        <p:nvPr/>
+      </p:nvGrpSpPr>
+      <p:grpSpPr>
+        <a:xfrm>
+          <a:off x="0" y="0"/>
+          <a:ext cx="0" cy="0"/>
+          <a:chOff x="0" y="0"/>
+          <a:chExt cx="0" cy="0"/>
+        </a:xfrm>
+      </p:grpSpPr>
+      <p:pic>
+        <p:nvPicPr>
+          <p:cNvPr id="4" name="Google Shape;414;p37"/>
+          <p:cNvPicPr preferRelativeResize="0"/>
+          <p:nvPr/>
+        </p:nvPicPr>
+        <p:blipFill>
+          <a:blip r:embed="rId2">
+            <a:alphaModFix/>
+          </a:blip>
+          <a:stretch>
+            <a:fillRect/>
+          </a:stretch>
+        </p:blipFill>
+        <p:spPr>
+          <a:xfrm>
+            <a:off x="3347489" y="198201"/>
+            <a:ext cx="5364861" cy="5782673"/>
+          </a:xfrm>
+          <a:prstGeom prst="rect">
+            <a:avLst/>
+          </a:prstGeom>
+          <a:noFill/>
+          <a:ln>
+            <a:noFill/>
+          </a:ln>
+        </p:spPr>
+      </p:pic>
+      <p:sp>
+        <p:nvSpPr>
+          <p:cNvPr id="2" name="Rectangle 1"/>
+          <p:cNvSpPr/>
+          <p:nvPr/>
+        </p:nvSpPr>
+        <p:spPr>
+          <a:xfrm>
+            <a:off x="189353" y="1438674"/>
+            <a:ext cx="3547666" cy="2308324"/>
+          </a:xfrm>
+          <a:prstGeom prst="rect">
+            <a:avLst/>
+          </a:prstGeom>
+        </p:spPr>
+        <p:txBody>
+          <a:bodyPr wrap="none">
+            <a:spAutoFit/>
+          </a:bodyPr>
+          <a:lstStyle/>
+          <a:p>
+            <a:r>
+              <a:rPr lang="en-US" sz="4800" dirty="0"/>
+              <a:t>API </a:t>
+            </a:r>
+            <a:endParaRPr lang="en-US" sz="4800" dirty="0" smtClean="0"/>
+          </a:p>
+          <a:p>
+            <a:r>
+              <a:rPr lang="en-US" sz="4800" dirty="0" smtClean="0"/>
+              <a:t>Management</a:t>
+            </a:r>
+          </a:p>
+          <a:p>
+            <a:r>
+              <a:rPr lang="en-US" sz="4800" dirty="0"/>
+              <a:t>M</a:t>
+            </a:r>
+            <a:r>
+              <a:rPr lang="en-US" sz="4800" dirty="0" smtClean="0"/>
+              <a:t>arket</a:t>
+            </a:r>
+            <a:endParaRPr lang="en-US" sz="4800" dirty="0"/>
+          </a:p>
+        </p:txBody>
+      </p:sp>
+    </p:spTree>
+    <p:extLst>
+      <p:ext uri="{BB962C8B-B14F-4D97-AF65-F5344CB8AC3E}">
+        <p14:creationId xmlns:p14="http://schemas.microsoft.com/office/powerpoint/2010/main" val="3926907146"/>
+      </p:ext>
+    </p:extLst>
+  </p:cSld>
+  <p:clrMapOvr>
+    <a:masterClrMapping/>
+  </p:clrMapOvr>
+</p:sld>
+</file>
+
+<file path=ppt/slides/slide2.xml><?xml version="1.0" encoding="utf-8"?>
+<p:sld xmlns:a="http://schemas.openxmlformats.org/drawingml/2006/main" xmlns:r="http://schemas.openxmlformats.org/officeDocument/2006/relationships" xmlns:p="http://schemas.openxmlformats.org/presentationml/2006/main">
+  <p:cSld>
+    <p:spTree>
+      <p:nvGrpSpPr>
+        <p:cNvPr id="1" name=""/>
+        <p:cNvGrpSpPr/>
+        <p:nvPr/>
+      </p:nvGrpSpPr>
+      <p:grpSpPr>
+        <a:xfrm>
+          <a:off x="0" y="0"/>
+          <a:ext cx="0" cy="0"/>
+          <a:chOff x="0" y="0"/>
+          <a:chExt cx="0" cy="0"/>
+        </a:xfrm>
+      </p:grpSpPr>
+      <p:sp>
+        <p:nvSpPr>
+          <p:cNvPr id="2" name="Title 1"/>
+          <p:cNvSpPr>
+            <a:spLocks noGrp="1"/>
+          </p:cNvSpPr>
+          <p:nvPr>
+            <p:ph type="title"/>
+          </p:nvPr>
+        </p:nvSpPr>
+        <p:spPr/>
+        <p:txBody>
+          <a:bodyPr>
+            <a:normAutofit fontScale="90000"/>
+          </a:bodyPr>
+          <a:lstStyle/>
+          <a:p>
+            <a:r>
+              <a:rPr lang="en-US" dirty="0" smtClean="0"/>
+              <a:t>The Breakup of the Corporation</a:t>
+            </a:r>
+            <a:endParaRPr lang="en-US" dirty="0"/>
+          </a:p>
+        </p:txBody>
+      </p:sp>
+      <p:sp>
+        <p:nvSpPr>
+          <p:cNvPr id="5" name="Content Placeholder 4"/>
+          <p:cNvSpPr>
+            <a:spLocks noGrp="1"/>
+          </p:cNvSpPr>
+          <p:nvPr>
+            <p:ph idx="1"/>
+          </p:nvPr>
+        </p:nvSpPr>
+        <p:spPr/>
+        <p:txBody>
+          <a:bodyPr/>
+          <a:lstStyle/>
+          <a:p>
+            <a:endParaRPr lang="en-US"/>
+          </a:p>
+        </p:txBody>
+      </p:sp>
+      <p:pic>
+        <p:nvPicPr>
+          <p:cNvPr id="4" name="Picture 3"/>
+          <p:cNvPicPr>
+            <a:picLocks noChangeAspect="1"/>
+          </p:cNvPicPr>
+          <p:nvPr/>
+        </p:nvPicPr>
+        <p:blipFill>
+          <a:blip r:embed="rId2"/>
+          <a:stretch>
+            <a:fillRect/>
+          </a:stretch>
+        </p:blipFill>
+        <p:spPr>
+          <a:xfrm>
+            <a:off x="457200" y="1409700"/>
+            <a:ext cx="8229600" cy="5182204"/>
+          </a:xfrm>
+          <a:prstGeom prst="rect">
+            <a:avLst/>
+          </a:prstGeom>
+        </p:spPr>
+      </p:pic>
+    </p:spTree>
+    <p:extLst>
+      <p:ext uri="{BB962C8B-B14F-4D97-AF65-F5344CB8AC3E}">
+        <p14:creationId xmlns:p14="http://schemas.microsoft.com/office/powerpoint/2010/main" val="419989542"/>
+      </p:ext>
+    </p:extLst>
+  </p:cSld>
+  <p:clrMapOvr>
+    <a:masterClrMapping/>
+  </p:clrMapOvr>
+  <p:timing>
+    <p:tnLst>
+      <p:par>
+        <p:cTn xmlns:p14="http://schemas.microsoft.com/office/powerpoint/2010/main" id="1" dur="indefinite" restart="never" nodeType="tmRoot"/>
+      </p:par>
+    </p:tnLst>
+  </p:timing>
+</p:sld>
+</file>
+
+<file path=ppt/slides/slide20.xml><?xml version="1.0" encoding="utf-8"?>
+<p:sld xmlns:a="http://schemas.openxmlformats.org/drawingml/2006/main" xmlns:r="http://schemas.openxmlformats.org/officeDocument/2006/relationships" xmlns:p="http://schemas.openxmlformats.org/presentationml/2006/main">
+  <p:cSld>
+    <p:spTree>
+      <p:nvGrpSpPr>
+        <p:cNvPr id="1" name=""/>
+        <p:cNvGrpSpPr/>
+        <p:nvPr/>
+      </p:nvGrpSpPr>
+      <p:grpSpPr>
+        <a:xfrm>
+          <a:off x="0" y="0"/>
+          <a:ext cx="0" cy="0"/>
+          <a:chOff x="0" y="0"/>
+          <a:chExt cx="0" cy="0"/>
+        </a:xfrm>
+      </p:grpSpPr>
+      <p:sp>
+        <p:nvSpPr>
+          <p:cNvPr id="2" name="Title 1"/>
+          <p:cNvSpPr>
+            <a:spLocks noGrp="1"/>
+          </p:cNvSpPr>
+          <p:nvPr>
+            <p:ph type="title"/>
+          </p:nvPr>
+        </p:nvSpPr>
+        <p:spPr/>
+        <p:txBody>
+          <a:bodyPr/>
+          <a:lstStyle/>
+          <a:p>
+            <a:r>
+              <a:rPr lang="en-US" dirty="0" smtClean="0"/>
+              <a:t>Questions?</a:t>
+            </a:r>
+            <a:endParaRPr lang="en-US" dirty="0"/>
+          </a:p>
+        </p:txBody>
+      </p:sp>
+    </p:spTree>
+    <p:extLst>
+      <p:ext uri="{BB962C8B-B14F-4D97-AF65-F5344CB8AC3E}">
+        <p14:creationId xmlns:p14="http://schemas.microsoft.com/office/powerpoint/2010/main" val="2017936457"/>
+      </p:ext>
+    </p:extLst>
+  </p:cSld>
+  <p:clrMapOvr>
+    <a:masterClrMapping/>
+  </p:clrMapOvr>
+  <p:timing>
+    <p:tnLst>
+      <p:par>
+        <p:cTn xmlns:p14="http://schemas.microsoft.com/office/powerpoint/2010/main" id="1" dur="indefinite" restart="never" nodeType="tmRoot"/>
+      </p:par>
+    </p:tnLst>
+  </p:timing>
+</p:sld>
+</file>
+
+<file path=ppt/slides/slide3.xml><?xml version="1.0" encoding="utf-8"?>
+<p:sld xmlns:a="http://schemas.openxmlformats.org/drawingml/2006/main" xmlns:r="http://schemas.openxmlformats.org/officeDocument/2006/relationships" xmlns:p="http://schemas.openxmlformats.org/presentationml/2006/main">
+  <p:cSld>
+    <p:spTree>
+      <p:nvGrpSpPr>
+        <p:cNvPr id="1" name=""/>
+        <p:cNvGrpSpPr/>
+        <p:nvPr/>
+      </p:nvGrpSpPr>
+      <p:grpSpPr>
+        <a:xfrm>
+          <a:off x="0" y="0"/>
+          <a:ext cx="0" cy="0"/>
+          <a:chOff x="0" y="0"/>
+          <a:chExt cx="0" cy="0"/>
+        </a:xfrm>
+      </p:grpSpPr>
+      <p:sp>
+        <p:nvSpPr>
+          <p:cNvPr id="5121" name="Rectangle 1"/>
+          <p:cNvSpPr>
+            <a:spLocks noGrp="1" noChangeArrowheads="1"/>
+          </p:cNvSpPr>
+          <p:nvPr>
+            <p:ph type="title"/>
+          </p:nvPr>
+        </p:nvSpPr>
+        <p:spPr>
+          <a:ln/>
+        </p:spPr>
+        <p:txBody>
+          <a:bodyPr/>
+          <a:lstStyle/>
+          <a:p>
+            <a:r>
+              <a:rPr lang="en-US"/>
+              <a:t>APIs</a:t>
+            </a:r>
+          </a:p>
+        </p:txBody>
+      </p:sp>
+      <p:sp>
+        <p:nvSpPr>
+          <p:cNvPr id="5122" name="Rectangle 2"/>
+          <p:cNvSpPr>
+            <a:spLocks noGrp="1" noChangeArrowheads="1"/>
+          </p:cNvSpPr>
+          <p:nvPr>
+            <p:ph type="body" idx="1"/>
+          </p:nvPr>
+        </p:nvSpPr>
+        <p:spPr>
+          <a:ln/>
+        </p:spPr>
+        <p:txBody>
+          <a:bodyPr>
+            <a:normAutofit fontScale="92500" lnSpcReduction="10000"/>
+          </a:bodyPr>
+          <a:lstStyle/>
+          <a:p>
+            <a:r>
+              <a:rPr lang="en-US" sz="2700" b="1"/>
+              <a:t>An API</a:t>
+            </a:r>
+            <a:r>
+              <a:rPr lang="en-US" sz="2700"/>
+              <a:t> is a business capability delivered over the Internet to internal or external consumers</a:t>
+            </a:r>
+          </a:p>
+          <a:p>
+            <a:pPr marL="558086" lvl="1"/>
+            <a:r>
+              <a:rPr lang="en-US" sz="2200"/>
+              <a:t>Network accessible function </a:t>
+            </a:r>
+          </a:p>
+          <a:p>
+            <a:pPr marL="558086" lvl="1"/>
+            <a:r>
+              <a:rPr lang="en-US" sz="2200"/>
+              <a:t>Available using standard web protocols</a:t>
+            </a:r>
+          </a:p>
+          <a:p>
+            <a:pPr marL="558086" lvl="1"/>
+            <a:r>
+              <a:rPr lang="en-US" sz="2200"/>
+              <a:t>With well-defined interfaces</a:t>
+            </a:r>
+          </a:p>
+          <a:p>
+            <a:pPr marL="558086" lvl="1"/>
+            <a:r>
+              <a:rPr lang="en-US" sz="2200"/>
+              <a:t>Designed for access by third-parties</a:t>
+            </a:r>
+            <a:br>
+              <a:rPr lang="en-US" sz="2200"/>
+            </a:br>
+            <a:endParaRPr lang="en-US" sz="2200"/>
+          </a:p>
+          <a:p>
+            <a:r>
+              <a:rPr lang="en-US" sz="2700" b="1"/>
+              <a:t>A Managed API</a:t>
+            </a:r>
+            <a:r>
+              <a:rPr lang="en-US" sz="2700"/>
+              <a:t> is:</a:t>
+            </a:r>
+          </a:p>
+          <a:p>
+            <a:pPr marL="558086" lvl="1"/>
+            <a:r>
+              <a:rPr lang="en-US" sz="2200"/>
+              <a:t>Actively advertised and subscribe-able</a:t>
+            </a:r>
+          </a:p>
+          <a:p>
+            <a:pPr marL="558086" lvl="1"/>
+            <a:r>
+              <a:rPr lang="en-US" sz="2200"/>
+              <a:t>Available with SLAs</a:t>
+            </a:r>
+          </a:p>
+          <a:p>
+            <a:pPr marL="558086" lvl="1"/>
+            <a:r>
+              <a:rPr lang="en-US" sz="2200"/>
+              <a:t>Secured, authenticated, authorized and protected</a:t>
+            </a:r>
+          </a:p>
+          <a:p>
+            <a:pPr marL="558086" lvl="1"/>
+            <a:r>
+              <a:rPr lang="en-US" sz="2200"/>
+              <a:t>Monitored and monetized with analytics</a:t>
+            </a:r>
+          </a:p>
+        </p:txBody>
+      </p:sp>
+    </p:spTree>
+    <p:extLst>
+      <p:ext uri="{BB962C8B-B14F-4D97-AF65-F5344CB8AC3E}">
+        <p14:creationId xmlns:p14="http://schemas.microsoft.com/office/powerpoint/2010/main" val="4004756126"/>
+      </p:ext>
+    </p:extLst>
+  </p:cSld>
+  <p:clrMapOvr>
+    <a:masterClrMapping/>
+  </p:clrMapOvr>
+  <mc:AlternateContent xmlns:mc="http://schemas.openxmlformats.org/markup-compatibility/2006" xmlns:p14="http://schemas.microsoft.com/office/powerpoint/2010/main">
+    <mc:Choice Requires="p14">
+      <p:transition spd="slow" p14:dur="2000"/>
+    </mc:Choice>
+    <mc:Fallback xmlns="">
+      <p:transition xmlns:p14="http://schemas.microsoft.com/office/powerpoint/2010/main" spd="slow"/>
+    </mc:Fallback>
+  </mc:AlternateContent>
+  <p:timing>
+    <p:tnLst>
+      <p:par>
+        <p:cTn xmlns:p14="http://schemas.microsoft.com/office/powerpoint/2010/main" id="1" dur="indefinite" restart="never" nodeType="tmRoot"/>
+      </p:par>
+    </p:tnLst>
+  </p:timing>
+</p:sld>
+</file>
+
+<file path=ppt/slides/slide4.xml><?xml version="1.0" encoding="utf-8"?>
+<p:sld xmlns:a="http://schemas.openxmlformats.org/drawingml/2006/main" xmlns:r="http://schemas.openxmlformats.org/officeDocument/2006/relationships" xmlns:p="http://schemas.openxmlformats.org/presentationml/2006/main">
+  <p:cSld>
+    <p:spTree>
+      <p:nvGrpSpPr>
+        <p:cNvPr id="1" name=""/>
+        <p:cNvGrpSpPr/>
+        <p:nvPr/>
+      </p:nvGrpSpPr>
+      <p:grpSpPr>
+        <a:xfrm>
+          <a:off x="0" y="0"/>
+          <a:ext cx="0" cy="0"/>
+          <a:chOff x="0" y="0"/>
+          <a:chExt cx="0" cy="0"/>
+        </a:xfrm>
+      </p:grpSpPr>
+      <p:sp>
+        <p:nvSpPr>
+          <p:cNvPr id="2" name="Title 1"/>
+          <p:cNvSpPr>
+            <a:spLocks noGrp="1"/>
+          </p:cNvSpPr>
+          <p:nvPr>
+            <p:ph type="title"/>
+          </p:nvPr>
+        </p:nvSpPr>
+        <p:spPr/>
+        <p:txBody>
+          <a:bodyPr/>
+          <a:lstStyle/>
+          <a:p>
+            <a:r>
+              <a:rPr lang="en-US" dirty="0" smtClean="0"/>
+              <a:t>APIs All the Way…</a:t>
+            </a:r>
+            <a:endParaRPr lang="en-US" dirty="0"/>
+          </a:p>
+        </p:txBody>
+      </p:sp>
+      <p:pic>
+        <p:nvPicPr>
+          <p:cNvPr id="4" name="Picture 2"/>
+          <p:cNvPicPr>
+            <a:picLocks noGrp="1" noChangeAspect="1" noChangeArrowheads="1"/>
+          </p:cNvPicPr>
+          <p:nvPr>
+            <p:ph idx="1"/>
+          </p:nvPr>
+        </p:nvPicPr>
+        <p:blipFill>
+          <a:blip r:embed="rId2"/>
+          <a:srcRect/>
+          <a:stretch>
+            <a:fillRect/>
+          </a:stretch>
+        </p:blipFill>
+        <p:spPr bwMode="auto">
+          <a:xfrm>
+            <a:off x="1200784" y="1550378"/>
+            <a:ext cx="6943599" cy="3938618"/>
+          </a:xfrm>
+          <a:prstGeom prst="rect">
+            <a:avLst/>
+          </a:prstGeom>
+          <a:noFill/>
+          <a:ln w="9525">
+            <a:noFill/>
+            <a:round/>
+            <a:headEnd/>
+            <a:tailEnd/>
+          </a:ln>
+          <a:effectLst/>
+        </p:spPr>
+      </p:pic>
+    </p:spTree>
+    <p:extLst>
+      <p:ext uri="{BB962C8B-B14F-4D97-AF65-F5344CB8AC3E}">
+        <p14:creationId xmlns:p14="http://schemas.microsoft.com/office/powerpoint/2010/main" val="3680598348"/>
+      </p:ext>
+    </p:extLst>
+  </p:cSld>
+  <p:clrMapOvr>
+    <a:masterClrMapping/>
+  </p:clrMapOvr>
+  <p:timing>
+    <p:tnLst>
+      <p:par>
+        <p:cTn xmlns:p14="http://schemas.microsoft.com/office/powerpoint/2010/main" id="1" dur="indefinite" restart="never" nodeType="tmRoot"/>
+      </p:par>
+    </p:tnLst>
+  </p:timing>
+</p:sld>
+</file>
+
+<file path=ppt/slides/slide5.xml><?xml version="1.0" encoding="utf-8"?>
+<p:sld xmlns:a="http://schemas.openxmlformats.org/drawingml/2006/main" xmlns:r="http://schemas.openxmlformats.org/officeDocument/2006/relationships" xmlns:p="http://schemas.openxmlformats.org/presentationml/2006/main">
+  <p:cSld>
+    <p:spTree>
+      <p:nvGrpSpPr>
+        <p:cNvPr id="1" name=""/>
+        <p:cNvGrpSpPr/>
+        <p:nvPr/>
+      </p:nvGrpSpPr>
+      <p:grpSpPr>
+        <a:xfrm>
+          <a:off x="0" y="0"/>
+          <a:ext cx="0" cy="0"/>
+          <a:chOff x="0" y="0"/>
+          <a:chExt cx="0" cy="0"/>
+        </a:xfrm>
+      </p:grpSpPr>
+      <p:pic>
+        <p:nvPicPr>
+          <p:cNvPr id="2" name="Picture 1"/>
+          <p:cNvPicPr>
+            <a:picLocks noChangeAspect="1"/>
+          </p:cNvPicPr>
+          <p:nvPr/>
+        </p:nvPicPr>
+        <p:blipFill>
+          <a:blip r:embed="rId2"/>
+          <a:stretch>
+            <a:fillRect/>
+          </a:stretch>
+        </p:blipFill>
+        <p:spPr>
+          <a:xfrm>
+            <a:off x="0" y="0"/>
+            <a:ext cx="9144000" cy="6093143"/>
+          </a:xfrm>
+          <a:prstGeom prst="rect">
+            <a:avLst/>
+          </a:prstGeom>
+        </p:spPr>
+      </p:pic>
+    </p:spTree>
+    <p:extLst>
+      <p:ext uri="{BB962C8B-B14F-4D97-AF65-F5344CB8AC3E}">
+        <p14:creationId xmlns:p14="http://schemas.microsoft.com/office/powerpoint/2010/main" val="2138060514"/>
+      </p:ext>
+    </p:extLst>
+  </p:cSld>
+  <p:clrMapOvr>
+    <a:masterClrMapping/>
+  </p:clrMapOvr>
+  <p:timing>
+    <p:tnLst>
+      <p:par>
+        <p:cTn xmlns:p14="http://schemas.microsoft.com/office/powerpoint/2010/main" id="1" dur="indefinite" restart="never" nodeType="tmRoot"/>
+      </p:par>
+    </p:tnLst>
+  </p:timing>
+</p:sld>
+</file>
+
+<file path=ppt/slides/slide6.xml><?xml version="1.0" encoding="utf-8"?>
+<p:sld xmlns:a="http://schemas.openxmlformats.org/drawingml/2006/main" xmlns:r="http://schemas.openxmlformats.org/officeDocument/2006/relationships" xmlns:p="http://schemas.openxmlformats.org/presentationml/2006/main">
+  <p:cSld>
+    <p:spTree>
+      <p:nvGrpSpPr>
+        <p:cNvPr id="1" name=""/>
+        <p:cNvGrpSpPr/>
+        <p:nvPr/>
+      </p:nvGrpSpPr>
+      <p:grpSpPr>
+        <a:xfrm>
+          <a:off x="0" y="0"/>
+          <a:ext cx="0" cy="0"/>
+          <a:chOff x="0" y="0"/>
+          <a:chExt cx="0" cy="0"/>
+        </a:xfrm>
+      </p:grpSpPr>
+      <p:sp>
+        <p:nvSpPr>
+          <p:cNvPr id="2" name="Title 1"/>
+          <p:cNvSpPr>
+            <a:spLocks noGrp="1"/>
+          </p:cNvSpPr>
+          <p:nvPr>
+            <p:ph type="title"/>
+          </p:nvPr>
+        </p:nvSpPr>
+        <p:spPr/>
+        <p:txBody>
+          <a:bodyPr>
+            <a:normAutofit fontScale="90000"/>
+          </a:bodyPr>
+          <a:lstStyle/>
+          <a:p>
+            <a:r>
+              <a:rPr lang="en-US" dirty="0" smtClean="0"/>
+              <a:t>Some statistics</a:t>
+            </a:r>
+            <a:br>
+              <a:rPr lang="en-US" dirty="0" smtClean="0"/>
+            </a:br>
+            <a:r>
+              <a:rPr lang="en-US" dirty="0" smtClean="0"/>
+              <a:t>(3-5 years old)</a:t>
+            </a:r>
+            <a:endParaRPr lang="en-US" dirty="0"/>
+          </a:p>
+        </p:txBody>
+      </p:sp>
+      <p:sp>
+        <p:nvSpPr>
+          <p:cNvPr id="3" name="Content Placeholder 2"/>
+          <p:cNvSpPr>
+            <a:spLocks noGrp="1"/>
+          </p:cNvSpPr>
+          <p:nvPr>
+            <p:ph idx="1"/>
+          </p:nvPr>
+        </p:nvSpPr>
+        <p:spPr/>
+        <p:txBody>
+          <a:bodyPr>
+            <a:normAutofit/>
+          </a:bodyPr>
+          <a:lstStyle/>
+          <a:p>
+            <a:pPr marL="195864" indent="-195864" algn="ctr">
+              <a:lnSpc>
+                <a:spcPct val="140000"/>
+              </a:lnSpc>
+              <a:buFont typeface="Arial" pitchFamily="34" charset="0"/>
+              <a:buChar char="•"/>
+              <a:tabLst>
+                <a:tab pos="656722" algn="l"/>
+                <a:tab pos="1313444" algn="l"/>
+                <a:tab pos="1970166" algn="l"/>
+                <a:tab pos="2626888" algn="l"/>
+                <a:tab pos="3283610" algn="l"/>
+                <a:tab pos="3940332" algn="l"/>
+                <a:tab pos="4597055" algn="l"/>
+                <a:tab pos="5253777" algn="l"/>
+                <a:tab pos="5910499" algn="l"/>
+                <a:tab pos="6567221" algn="l"/>
+                <a:tab pos="7223943" algn="l"/>
+              </a:tabLst>
+            </a:pPr>
+            <a:r>
+              <a:rPr lang="en-US" sz="1800" dirty="0" smtClean="0">
+                <a:cs typeface="ＭＳ Ｐゴシック" charset="0"/>
+              </a:rPr>
+              <a:t>Twitter : More than 15 billion calls per day 75% through APIs</a:t>
+            </a:r>
+          </a:p>
+          <a:p>
+            <a:pPr marL="195864" indent="-195864" algn="ctr">
+              <a:lnSpc>
+                <a:spcPct val="140000"/>
+              </a:lnSpc>
+              <a:buFont typeface="Arial" pitchFamily="34" charset="0"/>
+              <a:buChar char="•"/>
+              <a:tabLst>
+                <a:tab pos="656722" algn="l"/>
+                <a:tab pos="1313444" algn="l"/>
+                <a:tab pos="1970166" algn="l"/>
+                <a:tab pos="2626888" algn="l"/>
+                <a:tab pos="3283610" algn="l"/>
+                <a:tab pos="3940332" algn="l"/>
+                <a:tab pos="4597055" algn="l"/>
+                <a:tab pos="5253777" algn="l"/>
+                <a:tab pos="5910499" algn="l"/>
+                <a:tab pos="6567221" algn="l"/>
+                <a:tab pos="7223943" algn="l"/>
+              </a:tabLst>
+            </a:pPr>
+            <a:r>
+              <a:rPr lang="en-US" sz="1800" dirty="0" smtClean="0">
+                <a:cs typeface="ＭＳ Ｐゴシック" charset="0"/>
+              </a:rPr>
+              <a:t>Netflix : More than 1 </a:t>
+            </a:r>
+            <a:r>
+              <a:rPr lang="en-US" sz="1600" dirty="0" smtClean="0">
+                <a:cs typeface="ＭＳ Ｐゴシック" charset="0"/>
+              </a:rPr>
+              <a:t>billion</a:t>
+            </a:r>
+            <a:r>
+              <a:rPr lang="en-US" sz="1800" dirty="0" smtClean="0">
+                <a:cs typeface="ＭＳ Ｐゴシック" charset="0"/>
+              </a:rPr>
+              <a:t> calls per day </a:t>
+            </a:r>
+          </a:p>
+          <a:p>
+            <a:pPr marL="195864" indent="-195864" algn="ctr">
+              <a:lnSpc>
+                <a:spcPct val="140000"/>
+              </a:lnSpc>
+              <a:buFont typeface="Arial" pitchFamily="34" charset="0"/>
+              <a:buChar char="•"/>
+              <a:tabLst>
+                <a:tab pos="656722" algn="l"/>
+                <a:tab pos="1313444" algn="l"/>
+                <a:tab pos="1970166" algn="l"/>
+                <a:tab pos="2626888" algn="l"/>
+                <a:tab pos="3283610" algn="l"/>
+                <a:tab pos="3940332" algn="l"/>
+                <a:tab pos="4597055" algn="l"/>
+                <a:tab pos="5253777" algn="l"/>
+                <a:tab pos="5910499" algn="l"/>
+                <a:tab pos="6567221" algn="l"/>
+                <a:tab pos="7223943" algn="l"/>
+              </a:tabLst>
+            </a:pPr>
+            <a:r>
+              <a:rPr lang="en-US" sz="1800" dirty="0" err="1" smtClean="0">
+                <a:cs typeface="ＭＳ Ｐゴシック" charset="0"/>
+              </a:rPr>
+              <a:t>Facebook</a:t>
+            </a:r>
+            <a:r>
+              <a:rPr lang="en-US" sz="1800" dirty="0" smtClean="0">
+                <a:cs typeface="ＭＳ Ｐゴシック" charset="0"/>
+              </a:rPr>
+              <a:t> : More than 5 billion calls per day </a:t>
+            </a:r>
+          </a:p>
+          <a:p>
+            <a:pPr marL="195864" indent="-195864" algn="ctr">
+              <a:lnSpc>
+                <a:spcPct val="140000"/>
+              </a:lnSpc>
+              <a:buFont typeface="Arial" pitchFamily="34" charset="0"/>
+              <a:buChar char="•"/>
+              <a:tabLst>
+                <a:tab pos="656722" algn="l"/>
+                <a:tab pos="1313444" algn="l"/>
+                <a:tab pos="1970166" algn="l"/>
+                <a:tab pos="2626888" algn="l"/>
+                <a:tab pos="3283610" algn="l"/>
+                <a:tab pos="3940332" algn="l"/>
+                <a:tab pos="4597055" algn="l"/>
+                <a:tab pos="5253777" algn="l"/>
+                <a:tab pos="5910499" algn="l"/>
+                <a:tab pos="6567221" algn="l"/>
+                <a:tab pos="7223943" algn="l"/>
+              </a:tabLst>
+            </a:pPr>
+            <a:r>
+              <a:rPr lang="en-US" sz="1800" dirty="0" smtClean="0">
+                <a:cs typeface="ＭＳ Ｐゴシック" charset="0"/>
+              </a:rPr>
+              <a:t>Amazon : More than 260 billion objects store in S3</a:t>
+            </a:r>
+          </a:p>
+          <a:p>
+            <a:pPr marL="195864" indent="-195864" algn="ctr">
+              <a:lnSpc>
+                <a:spcPct val="140000"/>
+              </a:lnSpc>
+              <a:buFont typeface="Arial" pitchFamily="34" charset="0"/>
+              <a:buChar char="•"/>
+              <a:tabLst>
+                <a:tab pos="656722" algn="l"/>
+                <a:tab pos="1313444" algn="l"/>
+                <a:tab pos="1970166" algn="l"/>
+                <a:tab pos="2626888" algn="l"/>
+                <a:tab pos="3283610" algn="l"/>
+                <a:tab pos="3940332" algn="l"/>
+                <a:tab pos="4597055" algn="l"/>
+                <a:tab pos="5253777" algn="l"/>
+                <a:tab pos="5910499" algn="l"/>
+                <a:tab pos="6567221" algn="l"/>
+                <a:tab pos="7223943" algn="l"/>
+              </a:tabLst>
+            </a:pPr>
+            <a:r>
+              <a:rPr lang="en-US" sz="1800" dirty="0" smtClean="0">
+                <a:cs typeface="ＭＳ Ｐゴシック" charset="0"/>
+              </a:rPr>
+              <a:t>eBay : More than 6 billion transactions per day</a:t>
+            </a:r>
+            <a:endParaRPr lang="en-US" sz="1800" dirty="0"/>
+          </a:p>
+        </p:txBody>
+      </p:sp>
+      <p:pic>
+        <p:nvPicPr>
+          <p:cNvPr id="4" name="Picture 1"/>
+          <p:cNvPicPr>
+            <a:picLocks noChangeAspect="1" noChangeArrowheads="1"/>
+          </p:cNvPicPr>
+          <p:nvPr/>
+        </p:nvPicPr>
+        <p:blipFill>
+          <a:blip r:embed="rId2"/>
+          <a:srcRect/>
+          <a:stretch>
+            <a:fillRect/>
+          </a:stretch>
+        </p:blipFill>
+        <p:spPr bwMode="auto">
+          <a:xfrm>
+            <a:off x="3897779" y="3832084"/>
+            <a:ext cx="2227292" cy="1022078"/>
+          </a:xfrm>
+          <a:prstGeom prst="rect">
+            <a:avLst/>
+          </a:prstGeom>
+          <a:noFill/>
+          <a:ln w="9525">
+            <a:noFill/>
+            <a:round/>
+            <a:headEnd/>
+            <a:tailEnd/>
+          </a:ln>
+          <a:effectLst/>
+        </p:spPr>
+      </p:pic>
+      <p:pic>
+        <p:nvPicPr>
+          <p:cNvPr id="5" name="Picture 3"/>
+          <p:cNvPicPr>
+            <a:picLocks noChangeAspect="1" noChangeArrowheads="1"/>
+          </p:cNvPicPr>
+          <p:nvPr/>
+        </p:nvPicPr>
+        <p:blipFill>
+          <a:blip r:embed="rId3"/>
+          <a:srcRect/>
+          <a:stretch>
+            <a:fillRect/>
+          </a:stretch>
+        </p:blipFill>
+        <p:spPr bwMode="auto">
+          <a:xfrm>
+            <a:off x="565484" y="4027861"/>
+            <a:ext cx="2845344" cy="551346"/>
+          </a:xfrm>
+          <a:prstGeom prst="rect">
+            <a:avLst/>
+          </a:prstGeom>
+          <a:noFill/>
+          <a:ln w="9525">
+            <a:noFill/>
+            <a:round/>
+            <a:headEnd/>
+            <a:tailEnd/>
+          </a:ln>
+          <a:effectLst/>
+        </p:spPr>
+      </p:pic>
+      <p:pic>
+        <p:nvPicPr>
+          <p:cNvPr id="6" name="Picture 4"/>
+          <p:cNvPicPr>
+            <a:picLocks noChangeAspect="1" noChangeArrowheads="1"/>
+          </p:cNvPicPr>
+          <p:nvPr/>
+        </p:nvPicPr>
+        <p:blipFill>
+          <a:blip r:embed="rId4"/>
+          <a:srcRect/>
+          <a:stretch>
+            <a:fillRect/>
+          </a:stretch>
+        </p:blipFill>
+        <p:spPr bwMode="auto">
+          <a:xfrm>
+            <a:off x="2003284" y="4698692"/>
+            <a:ext cx="2031360" cy="941463"/>
+          </a:xfrm>
+          <a:prstGeom prst="rect">
+            <a:avLst/>
+          </a:prstGeom>
+          <a:noFill/>
+          <a:ln w="9525">
+            <a:noFill/>
+            <a:round/>
+            <a:headEnd/>
+            <a:tailEnd/>
+          </a:ln>
+          <a:effectLst/>
+        </p:spPr>
+      </p:pic>
+      <p:pic>
+        <p:nvPicPr>
+          <p:cNvPr id="7" name="Picture 5"/>
+          <p:cNvPicPr>
+            <a:picLocks noChangeAspect="1" noChangeArrowheads="1"/>
+          </p:cNvPicPr>
+          <p:nvPr/>
+        </p:nvPicPr>
+        <p:blipFill>
+          <a:blip r:embed="rId5"/>
+          <a:srcRect/>
+          <a:stretch>
+            <a:fillRect/>
+          </a:stretch>
+        </p:blipFill>
+        <p:spPr bwMode="auto">
+          <a:xfrm>
+            <a:off x="5901766" y="3832083"/>
+            <a:ext cx="2635004" cy="924189"/>
+          </a:xfrm>
+          <a:prstGeom prst="rect">
+            <a:avLst/>
+          </a:prstGeom>
+          <a:noFill/>
+          <a:ln w="9525">
+            <a:noFill/>
+            <a:round/>
+            <a:headEnd/>
+            <a:tailEnd/>
+          </a:ln>
+          <a:effectLst/>
+        </p:spPr>
+      </p:pic>
+      <p:pic>
+        <p:nvPicPr>
+          <p:cNvPr id="8" name="Picture 6"/>
+          <p:cNvPicPr>
+            <a:picLocks noChangeAspect="1" noChangeArrowheads="1"/>
+          </p:cNvPicPr>
+          <p:nvPr/>
+        </p:nvPicPr>
+        <p:blipFill>
+          <a:blip r:embed="rId6"/>
+          <a:srcRect/>
+          <a:stretch>
+            <a:fillRect/>
+          </a:stretch>
+        </p:blipFill>
+        <p:spPr bwMode="auto">
+          <a:xfrm>
+            <a:off x="7035581" y="4918941"/>
+            <a:ext cx="1367206" cy="1019199"/>
+          </a:xfrm>
+          <a:prstGeom prst="rect">
+            <a:avLst/>
+          </a:prstGeom>
+          <a:noFill/>
+          <a:ln w="9525">
+            <a:noFill/>
+            <a:round/>
+            <a:headEnd/>
+            <a:tailEnd/>
+          </a:ln>
+          <a:effectLst/>
+        </p:spPr>
+      </p:pic>
+    </p:spTree>
+    <p:extLst>
+      <p:ext uri="{BB962C8B-B14F-4D97-AF65-F5344CB8AC3E}">
+        <p14:creationId xmlns:p14="http://schemas.microsoft.com/office/powerpoint/2010/main" val="2081243168"/>
+      </p:ext>
+    </p:extLst>
+  </p:cSld>
+  <p:clrMapOvr>
+    <a:masterClrMapping/>
+  </p:clrMapOvr>
+  <p:timing>
+    <p:tnLst>
+      <p:par>
+        <p:cTn xmlns:p14="http://schemas.microsoft.com/office/powerpoint/2010/main" id="1" dur="indefinite" restart="never" nodeType="tmRoot"/>
+      </p:par>
+    </p:tnLst>
+  </p:timing>
+</p:sld>
+</file>
+
+<file path=ppt/slides/slide7.xml><?xml version="1.0" encoding="utf-8"?>
+<p:sld xmlns:a="http://schemas.openxmlformats.org/drawingml/2006/main" xmlns:r="http://schemas.openxmlformats.org/officeDocument/2006/relationships" xmlns:p="http://schemas.openxmlformats.org/presentationml/2006/main">
+  <p:cSld>
+    <p:spTree>
+      <p:nvGrpSpPr>
+        <p:cNvPr id="1" name="Shape 223"/>
+        <p:cNvGrpSpPr/>
+        <p:nvPr/>
+      </p:nvGrpSpPr>
+      <p:grpSpPr>
+        <a:xfrm>
+          <a:off x="0" y="0"/>
+          <a:ext cx="0" cy="0"/>
+          <a:chOff x="0" y="0"/>
+          <a:chExt cx="0" cy="0"/>
+        </a:xfrm>
+      </p:grpSpPr>
+      <p:pic>
+        <p:nvPicPr>
+          <p:cNvPr id="224" name="Google Shape;224;p25"/>
+          <p:cNvPicPr preferRelativeResize="0"/>
+          <p:nvPr/>
+        </p:nvPicPr>
+        <p:blipFill>
+          <a:blip r:embed="rId3">
+            <a:alphaModFix/>
+          </a:blip>
+          <a:stretch>
+            <a:fillRect/>
+          </a:stretch>
+        </p:blipFill>
+        <p:spPr>
+          <a:xfrm>
+            <a:off x="6" y="1"/>
+            <a:ext cx="4567939" cy="6857999"/>
+          </a:xfrm>
+          <a:prstGeom prst="rect">
+            <a:avLst/>
+          </a:prstGeom>
+          <a:noFill/>
+          <a:ln>
+            <a:noFill/>
+          </a:ln>
+        </p:spPr>
+      </p:pic>
+      <p:sp>
+        <p:nvSpPr>
+          <p:cNvPr id="225" name="Google Shape;225;p25"/>
+          <p:cNvSpPr/>
+          <p:nvPr/>
+        </p:nvSpPr>
+        <p:spPr>
+          <a:xfrm>
+            <a:off x="4567650" y="2826967"/>
+            <a:ext cx="4257000" cy="2348800"/>
+          </a:xfrm>
+          <a:prstGeom prst="rect">
+            <a:avLst/>
+          </a:prstGeom>
+          <a:noFill/>
+          <a:ln>
+            <a:noFill/>
+          </a:ln>
+        </p:spPr>
+        <p:txBody>
+          <a:bodyPr spcFirstLastPara="1" wrap="square" lIns="365750" tIns="91425" rIns="91425" bIns="91425" anchor="ctr" anchorCtr="0">
+            <a:noAutofit/>
+          </a:bodyPr>
+          <a:lstStyle/>
+          <a:p>
+            <a:pPr marL="0" lvl="0" indent="0" algn="l" rtl="0">
+              <a:lnSpc>
+                <a:spcPct val="115000"/>
+              </a:lnSpc>
+              <a:spcBef>
+                <a:spcPts val="0"/>
+              </a:spcBef>
+              <a:spcAft>
+                <a:spcPts val="0"/>
+              </a:spcAft>
+              <a:buNone/>
+            </a:pPr>
+            <a:r>
+              <a:rPr lang="en" sz="2200">
+                <a:latin typeface="Quicksand"/>
+                <a:ea typeface="Quicksand"/>
+                <a:cs typeface="Quicksand"/>
+                <a:sym typeface="Quicksand"/>
+              </a:rPr>
+              <a:t>APIs distribute and integrate Wells Fargo services into their partners.</a:t>
+            </a:r>
+            <a:endParaRPr sz="2200">
+              <a:latin typeface="Quicksand"/>
+              <a:ea typeface="Quicksand"/>
+              <a:cs typeface="Quicksand"/>
+              <a:sym typeface="Quicksand"/>
+            </a:endParaRPr>
+          </a:p>
+        </p:txBody>
+      </p:sp>
+      <p:cxnSp>
+        <p:nvCxnSpPr>
+          <p:cNvPr id="226" name="Google Shape;226;p25"/>
+          <p:cNvCxnSpPr/>
+          <p:nvPr/>
+        </p:nvCxnSpPr>
+        <p:spPr>
+          <a:xfrm>
+            <a:off x="855750" y="2827067"/>
+            <a:ext cx="5542500" cy="0"/>
+          </a:xfrm>
+          <a:prstGeom prst="straightConnector1">
+            <a:avLst/>
+          </a:prstGeom>
+          <a:noFill/>
+          <a:ln w="9525" cap="flat" cmpd="sng">
+            <a:solidFill>
+              <a:srgbClr val="999999"/>
+            </a:solidFill>
+            <a:prstDash val="solid"/>
+            <a:round/>
+            <a:headEnd type="none" w="med" len="med"/>
+            <a:tailEnd type="none" w="med" len="med"/>
+          </a:ln>
+        </p:spPr>
+      </p:cxnSp>
+      <p:sp>
+        <p:nvSpPr>
+          <p:cNvPr id="227" name="Google Shape;227;p25"/>
+          <p:cNvSpPr/>
+          <p:nvPr/>
+        </p:nvSpPr>
+        <p:spPr>
+          <a:xfrm>
+            <a:off x="4567650" y="2224951"/>
+            <a:ext cx="2603400" cy="602000"/>
+          </a:xfrm>
+          <a:prstGeom prst="rect">
+            <a:avLst/>
+          </a:prstGeom>
+          <a:noFill/>
+          <a:ln>
+            <a:noFill/>
+          </a:ln>
+        </p:spPr>
+        <p:txBody>
+          <a:bodyPr spcFirstLastPara="1" wrap="square" lIns="365750" tIns="91425" rIns="91425" bIns="91425" anchor="ctr" anchorCtr="0">
+            <a:noAutofit/>
+          </a:bodyPr>
+          <a:lstStyle/>
+          <a:p>
+            <a:pPr marL="0" lvl="0" indent="0" algn="l" rtl="0">
+              <a:lnSpc>
+                <a:spcPct val="114000"/>
+              </a:lnSpc>
+              <a:spcBef>
+                <a:spcPts val="0"/>
+              </a:spcBef>
+              <a:spcAft>
+                <a:spcPts val="0"/>
+              </a:spcAft>
+              <a:buClr>
+                <a:schemeClr val="dk1"/>
+              </a:buClr>
+              <a:buSzPts val="1100"/>
+              <a:buFont typeface="Arial"/>
+              <a:buNone/>
+            </a:pPr>
+            <a:r>
+              <a:rPr lang="en" sz="1600">
+                <a:solidFill>
+                  <a:srgbClr val="434343"/>
+                </a:solidFill>
+                <a:latin typeface="Quicksand"/>
+                <a:ea typeface="Quicksand"/>
+                <a:cs typeface="Quicksand"/>
+                <a:sym typeface="Quicksand"/>
+              </a:rPr>
+              <a:t>The role of APIs</a:t>
+            </a:r>
+            <a:endParaRPr sz="1600">
+              <a:latin typeface="Quicksand"/>
+              <a:ea typeface="Quicksand"/>
+              <a:cs typeface="Quicksand"/>
+              <a:sym typeface="Quicksand"/>
+            </a:endParaRPr>
+          </a:p>
+        </p:txBody>
+      </p:sp>
+      <p:sp>
+        <p:nvSpPr>
+          <p:cNvPr id="228" name="Google Shape;228;p25"/>
+          <p:cNvSpPr/>
+          <p:nvPr/>
+        </p:nvSpPr>
+        <p:spPr>
+          <a:xfrm>
+            <a:off x="648125" y="2826951"/>
+            <a:ext cx="3919500" cy="2348800"/>
+          </a:xfrm>
+          <a:prstGeom prst="rect">
+            <a:avLst/>
+          </a:prstGeom>
+          <a:solidFill>
+            <a:srgbClr val="000000">
+              <a:alpha val="68460"/>
+            </a:srgbClr>
+          </a:solidFill>
+          <a:ln>
+            <a:noFill/>
+          </a:ln>
+        </p:spPr>
+        <p:txBody>
+          <a:bodyPr spcFirstLastPara="1" wrap="square" lIns="365750" tIns="91425" rIns="365750" bIns="91425" anchor="ctr" anchorCtr="0">
+            <a:noAutofit/>
+          </a:bodyPr>
+          <a:lstStyle/>
+          <a:p>
+            <a:pPr marL="0" lvl="0" indent="0" algn="l" rtl="0">
+              <a:lnSpc>
+                <a:spcPct val="115000"/>
+              </a:lnSpc>
+              <a:spcBef>
+                <a:spcPts val="0"/>
+              </a:spcBef>
+              <a:spcAft>
+                <a:spcPts val="0"/>
+              </a:spcAft>
+              <a:buNone/>
+            </a:pPr>
+            <a:r>
+              <a:rPr lang="en" sz="2200">
+                <a:solidFill>
+                  <a:srgbClr val="FFFFFF"/>
+                </a:solidFill>
+                <a:latin typeface="Quicksand"/>
+                <a:ea typeface="Quicksand"/>
+                <a:cs typeface="Quicksand"/>
+                <a:sym typeface="Quicksand"/>
+              </a:rPr>
+              <a:t>Embedding financial services into the daily lives of people.</a:t>
+            </a:r>
+            <a:endParaRPr sz="2200">
+              <a:solidFill>
+                <a:srgbClr val="FFFFFF"/>
+              </a:solidFill>
+              <a:latin typeface="Quicksand"/>
+              <a:ea typeface="Quicksand"/>
+              <a:cs typeface="Quicksand"/>
+              <a:sym typeface="Quicksand"/>
+            </a:endParaRPr>
+          </a:p>
+        </p:txBody>
+      </p:sp>
+      <p:sp>
+        <p:nvSpPr>
+          <p:cNvPr id="229" name="Google Shape;229;p25"/>
+          <p:cNvSpPr/>
+          <p:nvPr/>
+        </p:nvSpPr>
+        <p:spPr>
+          <a:xfrm>
+            <a:off x="0" y="1074667"/>
+            <a:ext cx="1836300" cy="1150284"/>
+          </a:xfrm>
+          <a:prstGeom prst="rect">
+            <a:avLst/>
+          </a:prstGeom>
+          <a:solidFill>
+            <a:srgbClr val="FFFFFF"/>
+          </a:solidFill>
+          <a:ln>
+            <a:noFill/>
+          </a:ln>
+        </p:spPr>
+        <p:txBody>
+          <a:bodyPr spcFirstLastPara="1" wrap="square" lIns="91425" tIns="91425" rIns="91425" bIns="91425" anchor="ctr" anchorCtr="0">
+            <a:noAutofit/>
+          </a:bodyPr>
+          <a:lstStyle/>
+          <a:p>
+            <a:pPr marL="0" lvl="0" indent="0" algn="l" rtl="0">
+              <a:spcBef>
+                <a:spcPts val="0"/>
+              </a:spcBef>
+              <a:spcAft>
+                <a:spcPts val="0"/>
+              </a:spcAft>
+              <a:buNone/>
+            </a:pPr>
+            <a:endParaRPr/>
+          </a:p>
+        </p:txBody>
+      </p:sp>
+      <p:pic>
+        <p:nvPicPr>
+          <p:cNvPr id="230" name="Google Shape;230;p25"/>
+          <p:cNvPicPr preferRelativeResize="0"/>
+          <p:nvPr/>
+        </p:nvPicPr>
+        <p:blipFill>
+          <a:blip r:embed="rId4">
+            <a:alphaModFix/>
+          </a:blip>
+          <a:stretch>
+            <a:fillRect/>
+          </a:stretch>
+        </p:blipFill>
+        <p:spPr>
+          <a:xfrm>
+            <a:off x="568742" y="1211381"/>
+            <a:ext cx="780779" cy="894517"/>
+          </a:xfrm>
+          <a:prstGeom prst="rect">
+            <a:avLst/>
+          </a:prstGeom>
+          <a:noFill/>
+          <a:ln>
+            <a:noFill/>
+          </a:ln>
+        </p:spPr>
+      </p:pic>
+    </p:spTree>
+    <p:extLst>
+      <p:ext uri="{BB962C8B-B14F-4D97-AF65-F5344CB8AC3E}">
+        <p14:creationId xmlns:p14="http://schemas.microsoft.com/office/powerpoint/2010/main" val="1552177131"/>
+      </p:ext>
+    </p:extLst>
+  </p:cSld>
+  <p:clrMapOvr>
+    <a:masterClrMapping/>
+  </p:clrMapOvr>
+</p:sld>
+</file>
+
+<file path=ppt/slides/slide8.xml><?xml version="1.0" encoding="utf-8"?>
+<p:sld xmlns:a="http://schemas.openxmlformats.org/drawingml/2006/main" xmlns:r="http://schemas.openxmlformats.org/officeDocument/2006/relationships" xmlns:p="http://schemas.openxmlformats.org/presentationml/2006/main">
+  <p:cSld>
+    <p:spTree>
+      <p:nvGrpSpPr>
+        <p:cNvPr id="1" name="Shape 234"/>
+        <p:cNvGrpSpPr/>
+        <p:nvPr/>
+      </p:nvGrpSpPr>
+      <p:grpSpPr>
+        <a:xfrm>
+          <a:off x="0" y="0"/>
+          <a:ext cx="0" cy="0"/>
+          <a:chOff x="0" y="0"/>
+          <a:chExt cx="0" cy="0"/>
+        </a:xfrm>
+      </p:grpSpPr>
+      <p:sp>
+        <p:nvSpPr>
+          <p:cNvPr id="235" name="Google Shape;235;p26"/>
+          <p:cNvSpPr/>
+          <p:nvPr/>
+        </p:nvSpPr>
+        <p:spPr>
+          <a:xfrm>
+            <a:off x="4567650" y="2826951"/>
+            <a:ext cx="3728400" cy="2348800"/>
+          </a:xfrm>
+          <a:prstGeom prst="rect">
+            <a:avLst/>
+          </a:prstGeom>
+          <a:noFill/>
+          <a:ln>
+            <a:noFill/>
+          </a:ln>
+        </p:spPr>
+        <p:txBody>
+          <a:bodyPr spcFirstLastPara="1" wrap="square" lIns="365750" tIns="91425" rIns="91425" bIns="91425" anchor="ctr" anchorCtr="0">
+            <a:noAutofit/>
+          </a:bodyPr>
+          <a:lstStyle/>
+          <a:p>
+            <a:pPr marL="0" lvl="0" indent="0" algn="l" rtl="0">
+              <a:lnSpc>
+                <a:spcPct val="115000"/>
+              </a:lnSpc>
+              <a:spcBef>
+                <a:spcPts val="0"/>
+              </a:spcBef>
+              <a:spcAft>
+                <a:spcPts val="0"/>
+              </a:spcAft>
+              <a:buNone/>
+            </a:pPr>
+            <a:r>
+              <a:rPr lang="en" sz="2200">
+                <a:latin typeface="Quicksand"/>
+                <a:ea typeface="Quicksand"/>
+                <a:cs typeface="Quicksand"/>
+                <a:sym typeface="Quicksand"/>
+              </a:rPr>
+              <a:t>APIs integrate road, rail, and commuter systems to fuel data intelligence and decision making.</a:t>
+            </a:r>
+            <a:endParaRPr sz="2200">
+              <a:latin typeface="Quicksand"/>
+              <a:ea typeface="Quicksand"/>
+              <a:cs typeface="Quicksand"/>
+              <a:sym typeface="Quicksand"/>
+            </a:endParaRPr>
+          </a:p>
+        </p:txBody>
+      </p:sp>
+      <p:cxnSp>
+        <p:nvCxnSpPr>
+          <p:cNvPr id="236" name="Google Shape;236;p26"/>
+          <p:cNvCxnSpPr/>
+          <p:nvPr/>
+        </p:nvCxnSpPr>
+        <p:spPr>
+          <a:xfrm>
+            <a:off x="855750" y="2827067"/>
+            <a:ext cx="5542500" cy="0"/>
+          </a:xfrm>
+          <a:prstGeom prst="straightConnector1">
+            <a:avLst/>
+          </a:prstGeom>
+          <a:noFill/>
+          <a:ln w="9525" cap="flat" cmpd="sng">
+            <a:solidFill>
+              <a:srgbClr val="999999"/>
+            </a:solidFill>
+            <a:prstDash val="solid"/>
+            <a:round/>
+            <a:headEnd type="none" w="med" len="med"/>
+            <a:tailEnd type="none" w="med" len="med"/>
+          </a:ln>
+        </p:spPr>
+      </p:cxnSp>
+      <p:sp>
+        <p:nvSpPr>
+          <p:cNvPr id="237" name="Google Shape;237;p26"/>
+          <p:cNvSpPr/>
+          <p:nvPr/>
+        </p:nvSpPr>
+        <p:spPr>
+          <a:xfrm>
+            <a:off x="4567650" y="2224951"/>
+            <a:ext cx="2603400" cy="602000"/>
+          </a:xfrm>
+          <a:prstGeom prst="rect">
+            <a:avLst/>
+          </a:prstGeom>
+          <a:noFill/>
+          <a:ln>
+            <a:noFill/>
+          </a:ln>
+        </p:spPr>
+        <p:txBody>
+          <a:bodyPr spcFirstLastPara="1" wrap="square" lIns="365750" tIns="91425" rIns="91425" bIns="91425" anchor="ctr" anchorCtr="0">
+            <a:noAutofit/>
+          </a:bodyPr>
+          <a:lstStyle/>
+          <a:p>
+            <a:pPr marL="0" lvl="0" indent="0" algn="l" rtl="0">
+              <a:lnSpc>
+                <a:spcPct val="114000"/>
+              </a:lnSpc>
+              <a:spcBef>
+                <a:spcPts val="0"/>
+              </a:spcBef>
+              <a:spcAft>
+                <a:spcPts val="0"/>
+              </a:spcAft>
+              <a:buNone/>
+            </a:pPr>
+            <a:r>
+              <a:rPr lang="en" sz="1600">
+                <a:solidFill>
+                  <a:srgbClr val="434343"/>
+                </a:solidFill>
+                <a:latin typeface="Quicksand"/>
+                <a:ea typeface="Quicksand"/>
+                <a:cs typeface="Quicksand"/>
+                <a:sym typeface="Quicksand"/>
+              </a:rPr>
+              <a:t>The role of APIs</a:t>
+            </a:r>
+            <a:endParaRPr sz="1600">
+              <a:latin typeface="Quicksand"/>
+              <a:ea typeface="Quicksand"/>
+              <a:cs typeface="Quicksand"/>
+              <a:sym typeface="Quicksand"/>
+            </a:endParaRPr>
+          </a:p>
+        </p:txBody>
+      </p:sp>
+      <p:pic>
+        <p:nvPicPr>
+          <p:cNvPr id="238" name="Google Shape;238;p26"/>
+          <p:cNvPicPr preferRelativeResize="0"/>
+          <p:nvPr/>
+        </p:nvPicPr>
+        <p:blipFill>
+          <a:blip r:embed="rId3">
+            <a:alphaModFix/>
+          </a:blip>
+          <a:stretch>
+            <a:fillRect/>
+          </a:stretch>
+        </p:blipFill>
+        <p:spPr>
+          <a:xfrm>
+            <a:off x="6" y="1"/>
+            <a:ext cx="4567939" cy="6857999"/>
+          </a:xfrm>
+          <a:prstGeom prst="rect">
+            <a:avLst/>
+          </a:prstGeom>
+          <a:noFill/>
+          <a:ln>
+            <a:noFill/>
+          </a:ln>
+        </p:spPr>
+      </p:pic>
+      <p:sp>
+        <p:nvSpPr>
+          <p:cNvPr id="239" name="Google Shape;239;p26"/>
+          <p:cNvSpPr/>
+          <p:nvPr/>
+        </p:nvSpPr>
+        <p:spPr>
+          <a:xfrm>
+            <a:off x="648125" y="2826951"/>
+            <a:ext cx="3919500" cy="2348800"/>
+          </a:xfrm>
+          <a:prstGeom prst="rect">
+            <a:avLst/>
+          </a:prstGeom>
+          <a:solidFill>
+            <a:srgbClr val="000000">
+              <a:alpha val="58459"/>
+            </a:srgbClr>
+          </a:solidFill>
+          <a:ln>
+            <a:noFill/>
+          </a:ln>
+        </p:spPr>
+        <p:txBody>
+          <a:bodyPr spcFirstLastPara="1" wrap="square" lIns="365750" tIns="91425" rIns="365750" bIns="91425" anchor="ctr" anchorCtr="0">
+            <a:noAutofit/>
+          </a:bodyPr>
+          <a:lstStyle/>
+          <a:p>
+            <a:pPr marL="0" lvl="0" indent="0" algn="l" rtl="0">
+              <a:lnSpc>
+                <a:spcPct val="115000"/>
+              </a:lnSpc>
+              <a:spcBef>
+                <a:spcPts val="0"/>
+              </a:spcBef>
+              <a:spcAft>
+                <a:spcPts val="0"/>
+              </a:spcAft>
+              <a:buNone/>
+            </a:pPr>
+            <a:r>
+              <a:rPr lang="en" sz="2200">
+                <a:solidFill>
+                  <a:srgbClr val="FFFFFF"/>
+                </a:solidFill>
+                <a:latin typeface="Quicksand"/>
+                <a:ea typeface="Quicksand"/>
+                <a:cs typeface="Quicksand"/>
+                <a:sym typeface="Quicksand"/>
+              </a:rPr>
+              <a:t>Delivering safer commuter experiences.</a:t>
+            </a:r>
+            <a:endParaRPr sz="2200">
+              <a:solidFill>
+                <a:srgbClr val="FFFFFF"/>
+              </a:solidFill>
+              <a:latin typeface="Quicksand"/>
+              <a:ea typeface="Quicksand"/>
+              <a:cs typeface="Quicksand"/>
+              <a:sym typeface="Quicksand"/>
+            </a:endParaRPr>
+          </a:p>
+        </p:txBody>
+      </p:sp>
+      <p:sp>
+        <p:nvSpPr>
+          <p:cNvPr id="240" name="Google Shape;240;p26"/>
+          <p:cNvSpPr/>
+          <p:nvPr/>
+        </p:nvSpPr>
+        <p:spPr>
+          <a:xfrm>
+            <a:off x="0" y="1074667"/>
+            <a:ext cx="3564900" cy="1150284"/>
+          </a:xfrm>
+          <a:prstGeom prst="rect">
+            <a:avLst/>
+          </a:prstGeom>
+          <a:solidFill>
+            <a:srgbClr val="FFFFFF"/>
+          </a:solidFill>
+          <a:ln>
+            <a:noFill/>
+          </a:ln>
+        </p:spPr>
+        <p:txBody>
+          <a:bodyPr spcFirstLastPara="1" wrap="square" lIns="91425" tIns="91425" rIns="91425" bIns="91425" anchor="ctr" anchorCtr="0">
+            <a:noAutofit/>
+          </a:bodyPr>
+          <a:lstStyle/>
+          <a:p>
+            <a:pPr marL="0" lvl="0" indent="0" algn="l" rtl="0">
+              <a:spcBef>
+                <a:spcPts val="0"/>
+              </a:spcBef>
+              <a:spcAft>
+                <a:spcPts val="0"/>
+              </a:spcAft>
+              <a:buNone/>
+            </a:pPr>
+            <a:endParaRPr/>
+          </a:p>
+        </p:txBody>
+      </p:sp>
+      <p:pic>
+        <p:nvPicPr>
+          <p:cNvPr id="241" name="Google Shape;241;p26"/>
+          <p:cNvPicPr preferRelativeResize="0"/>
+          <p:nvPr/>
+        </p:nvPicPr>
+        <p:blipFill>
+          <a:blip r:embed="rId4">
+            <a:alphaModFix/>
+          </a:blip>
+          <a:stretch>
+            <a:fillRect/>
+          </a:stretch>
+        </p:blipFill>
+        <p:spPr>
+          <a:xfrm>
+            <a:off x="648125" y="1329342"/>
+            <a:ext cx="2189839" cy="654891"/>
+          </a:xfrm>
+          <a:prstGeom prst="rect">
+            <a:avLst/>
+          </a:prstGeom>
+          <a:noFill/>
+          <a:ln>
+            <a:noFill/>
+          </a:ln>
+        </p:spPr>
+      </p:pic>
+    </p:spTree>
+    <p:extLst>
+      <p:ext uri="{BB962C8B-B14F-4D97-AF65-F5344CB8AC3E}">
+        <p14:creationId xmlns:p14="http://schemas.microsoft.com/office/powerpoint/2010/main" val="2108607288"/>
+      </p:ext>
+    </p:extLst>
+  </p:cSld>
+  <p:clrMapOvr>
+    <a:masterClrMapping/>
+  </p:clrMapOvr>
+</p:sld>
+</file>
+
+<file path=ppt/slides/slide9.xml><?xml version="1.0" encoding="utf-8"?>
+<p:sld xmlns:a="http://schemas.openxmlformats.org/drawingml/2006/main" xmlns:r="http://schemas.openxmlformats.org/officeDocument/2006/relationships" xmlns:p="http://schemas.openxmlformats.org/presentationml/2006/main">
+  <p:cSld>
+    <p:spTree>
+      <p:nvGrpSpPr>
+        <p:cNvPr id="1" name="Shape 245"/>
+        <p:cNvGrpSpPr/>
+        <p:nvPr/>
+      </p:nvGrpSpPr>
+      <p:grpSpPr>
+        <a:xfrm>
+          <a:off x="0" y="0"/>
+          <a:ext cx="0" cy="0"/>
+          <a:chOff x="0" y="0"/>
+          <a:chExt cx="0" cy="0"/>
+        </a:xfrm>
+      </p:grpSpPr>
+      <p:sp>
+        <p:nvSpPr>
+          <p:cNvPr id="246" name="Google Shape;246;p27"/>
+          <p:cNvSpPr/>
+          <p:nvPr/>
+        </p:nvSpPr>
+        <p:spPr>
+          <a:xfrm>
+            <a:off x="4567650" y="2826951"/>
+            <a:ext cx="3728400" cy="2348800"/>
+          </a:xfrm>
+          <a:prstGeom prst="rect">
+            <a:avLst/>
+          </a:prstGeom>
+          <a:noFill/>
+          <a:ln>
+            <a:noFill/>
+          </a:ln>
+        </p:spPr>
+        <p:txBody>
+          <a:bodyPr spcFirstLastPara="1" wrap="square" lIns="365750" tIns="91425" rIns="91425" bIns="91425" anchor="ctr" anchorCtr="0">
+            <a:noAutofit/>
+          </a:bodyPr>
+          <a:lstStyle/>
+          <a:p>
+            <a:pPr marL="0" lvl="0" indent="0" algn="l" rtl="0">
+              <a:lnSpc>
+                <a:spcPct val="115000"/>
+              </a:lnSpc>
+              <a:spcBef>
+                <a:spcPts val="0"/>
+              </a:spcBef>
+              <a:spcAft>
+                <a:spcPts val="0"/>
+              </a:spcAft>
+              <a:buNone/>
+            </a:pPr>
+            <a:r>
+              <a:rPr lang="en" sz="2200">
+                <a:latin typeface="Quicksand"/>
+                <a:ea typeface="Quicksand"/>
+                <a:cs typeface="Quicksand"/>
+                <a:sym typeface="Quicksand"/>
+              </a:rPr>
+              <a:t>APIs transform legacy systems into real time, universal interfaces.</a:t>
+            </a:r>
+            <a:endParaRPr sz="2200">
+              <a:latin typeface="Quicksand"/>
+              <a:ea typeface="Quicksand"/>
+              <a:cs typeface="Quicksand"/>
+              <a:sym typeface="Quicksand"/>
+            </a:endParaRPr>
+          </a:p>
+        </p:txBody>
+      </p:sp>
+      <p:cxnSp>
+        <p:nvCxnSpPr>
+          <p:cNvPr id="247" name="Google Shape;247;p27"/>
+          <p:cNvCxnSpPr/>
+          <p:nvPr/>
+        </p:nvCxnSpPr>
+        <p:spPr>
+          <a:xfrm>
+            <a:off x="855750" y="2827067"/>
+            <a:ext cx="5542500" cy="0"/>
+          </a:xfrm>
+          <a:prstGeom prst="straightConnector1">
+            <a:avLst/>
+          </a:prstGeom>
+          <a:noFill/>
+          <a:ln w="9525" cap="flat" cmpd="sng">
+            <a:solidFill>
+              <a:srgbClr val="999999"/>
+            </a:solidFill>
+            <a:prstDash val="solid"/>
+            <a:round/>
+            <a:headEnd type="none" w="med" len="med"/>
+            <a:tailEnd type="none" w="med" len="med"/>
+          </a:ln>
+        </p:spPr>
+      </p:cxnSp>
+      <p:sp>
+        <p:nvSpPr>
+          <p:cNvPr id="248" name="Google Shape;248;p27"/>
+          <p:cNvSpPr/>
+          <p:nvPr/>
+        </p:nvSpPr>
+        <p:spPr>
+          <a:xfrm>
+            <a:off x="4567650" y="2224951"/>
+            <a:ext cx="2603400" cy="602000"/>
+          </a:xfrm>
+          <a:prstGeom prst="rect">
+            <a:avLst/>
+          </a:prstGeom>
+          <a:noFill/>
+          <a:ln>
+            <a:noFill/>
+          </a:ln>
+        </p:spPr>
+        <p:txBody>
+          <a:bodyPr spcFirstLastPara="1" wrap="square" lIns="365750" tIns="91425" rIns="91425" bIns="91425" anchor="ctr" anchorCtr="0">
+            <a:noAutofit/>
+          </a:bodyPr>
+          <a:lstStyle/>
+          <a:p>
+            <a:pPr marL="0" lvl="0" indent="0" algn="l" rtl="0">
+              <a:lnSpc>
+                <a:spcPct val="114000"/>
+              </a:lnSpc>
+              <a:spcBef>
+                <a:spcPts val="0"/>
+              </a:spcBef>
+              <a:spcAft>
+                <a:spcPts val="0"/>
+              </a:spcAft>
+              <a:buClr>
+                <a:schemeClr val="dk1"/>
+              </a:buClr>
+              <a:buSzPts val="1100"/>
+              <a:buFont typeface="Arial"/>
+              <a:buNone/>
+            </a:pPr>
+            <a:r>
+              <a:rPr lang="en" sz="1600">
+                <a:solidFill>
+                  <a:srgbClr val="434343"/>
+                </a:solidFill>
+                <a:latin typeface="Quicksand"/>
+                <a:ea typeface="Quicksand"/>
+                <a:cs typeface="Quicksand"/>
+                <a:sym typeface="Quicksand"/>
+              </a:rPr>
+              <a:t>The role of APIs</a:t>
+            </a:r>
+            <a:endParaRPr sz="1600">
+              <a:latin typeface="Quicksand"/>
+              <a:ea typeface="Quicksand"/>
+              <a:cs typeface="Quicksand"/>
+              <a:sym typeface="Quicksand"/>
+            </a:endParaRPr>
+          </a:p>
+        </p:txBody>
+      </p:sp>
+      <p:pic>
+        <p:nvPicPr>
+          <p:cNvPr id="249" name="Google Shape;249;p27"/>
+          <p:cNvPicPr preferRelativeResize="0"/>
+          <p:nvPr/>
+        </p:nvPicPr>
+        <p:blipFill>
+          <a:blip r:embed="rId3">
+            <a:alphaModFix/>
+          </a:blip>
+          <a:stretch>
+            <a:fillRect/>
+          </a:stretch>
+        </p:blipFill>
+        <p:spPr>
+          <a:xfrm>
+            <a:off x="6" y="1"/>
+            <a:ext cx="4567939" cy="6857999"/>
+          </a:xfrm>
+          <a:prstGeom prst="rect">
+            <a:avLst/>
+          </a:prstGeom>
+          <a:noFill/>
+          <a:ln>
+            <a:noFill/>
+          </a:ln>
+        </p:spPr>
+      </p:pic>
+      <p:sp>
+        <p:nvSpPr>
+          <p:cNvPr id="250" name="Google Shape;250;p27"/>
+          <p:cNvSpPr/>
+          <p:nvPr/>
+        </p:nvSpPr>
+        <p:spPr>
+          <a:xfrm>
+            <a:off x="648125" y="2826951"/>
+            <a:ext cx="3919500" cy="2348800"/>
+          </a:xfrm>
+          <a:prstGeom prst="rect">
+            <a:avLst/>
+          </a:prstGeom>
+          <a:solidFill>
+            <a:srgbClr val="000000">
+              <a:alpha val="68460"/>
+            </a:srgbClr>
+          </a:solidFill>
+          <a:ln>
+            <a:noFill/>
+          </a:ln>
+        </p:spPr>
+        <p:txBody>
+          <a:bodyPr spcFirstLastPara="1" wrap="square" lIns="365750" tIns="91425" rIns="365750" bIns="91425" anchor="ctr" anchorCtr="0">
+            <a:noAutofit/>
+          </a:bodyPr>
+          <a:lstStyle/>
+          <a:p>
+            <a:pPr marL="0" lvl="0" indent="0" algn="l" rtl="0">
+              <a:spcBef>
+                <a:spcPts val="0"/>
+              </a:spcBef>
+              <a:spcAft>
+                <a:spcPts val="0"/>
+              </a:spcAft>
+              <a:buNone/>
+            </a:pPr>
+            <a:r>
+              <a:rPr lang="en" sz="2200">
+                <a:solidFill>
+                  <a:srgbClr val="FFFFFF"/>
+                </a:solidFill>
+                <a:latin typeface="Quicksand"/>
+                <a:ea typeface="Quicksand"/>
+                <a:cs typeface="Quicksand"/>
+                <a:sym typeface="Quicksand"/>
+              </a:rPr>
+              <a:t>Digital-first taxation.</a:t>
+            </a:r>
+            <a:endParaRPr sz="2200">
+              <a:solidFill>
+                <a:srgbClr val="FFFFFF"/>
+              </a:solidFill>
+              <a:latin typeface="Quicksand"/>
+              <a:ea typeface="Quicksand"/>
+              <a:cs typeface="Quicksand"/>
+              <a:sym typeface="Quicksand"/>
+            </a:endParaRPr>
+          </a:p>
+        </p:txBody>
+      </p:sp>
+      <p:sp>
+        <p:nvSpPr>
+          <p:cNvPr id="251" name="Google Shape;251;p27"/>
+          <p:cNvSpPr/>
+          <p:nvPr/>
+        </p:nvSpPr>
+        <p:spPr>
+          <a:xfrm>
+            <a:off x="0" y="1074667"/>
+            <a:ext cx="3156900" cy="1752400"/>
+          </a:xfrm>
+          <a:prstGeom prst="rect">
+            <a:avLst/>
+          </a:prstGeom>
+          <a:solidFill>
+            <a:srgbClr val="FFFFFF"/>
+          </a:solidFill>
+          <a:ln>
+            <a:noFill/>
+          </a:ln>
+        </p:spPr>
+        <p:txBody>
+          <a:bodyPr spcFirstLastPara="1" wrap="square" lIns="91425" tIns="91425" rIns="91425" bIns="91425" anchor="ctr" anchorCtr="0">
+            <a:noAutofit/>
+          </a:bodyPr>
+          <a:lstStyle/>
+          <a:p>
+            <a:pPr marL="0" lvl="0" indent="0" algn="l" rtl="0">
+              <a:spcBef>
+                <a:spcPts val="0"/>
+              </a:spcBef>
+              <a:spcAft>
+                <a:spcPts val="0"/>
+              </a:spcAft>
+              <a:buNone/>
+            </a:pPr>
+            <a:endParaRPr/>
+          </a:p>
+        </p:txBody>
+      </p:sp>
+      <p:pic>
+        <p:nvPicPr>
+          <p:cNvPr id="252" name="Google Shape;252;p27"/>
+          <p:cNvPicPr preferRelativeResize="0"/>
+          <p:nvPr/>
+        </p:nvPicPr>
+        <p:blipFill>
+          <a:blip r:embed="rId4">
+            <a:alphaModFix/>
+          </a:blip>
+          <a:stretch>
+            <a:fillRect/>
+          </a:stretch>
+        </p:blipFill>
+        <p:spPr>
+          <a:xfrm>
+            <a:off x="648126" y="1608853"/>
+            <a:ext cx="2054525" cy="616098"/>
+          </a:xfrm>
+          <a:prstGeom prst="rect">
+            <a:avLst/>
+          </a:prstGeom>
+          <a:noFill/>
+          <a:ln>
+            <a:noFill/>
+          </a:ln>
+        </p:spPr>
+      </p:pic>
+    </p:spTree>
+    <p:extLst>
+      <p:ext uri="{BB962C8B-B14F-4D97-AF65-F5344CB8AC3E}">
+        <p14:creationId xmlns:p14="http://schemas.microsoft.com/office/powerpoint/2010/main" val="77115758"/>
+      </p:ext>
+    </p:extLst>
+  </p:cSld>
+  <p:clrMapOvr>
+    <a:masterClrMapping/>
+  </p:clrMapOvr>
 </p:sld>
 </file>
 
